--- a/Slides/Lecture 11-5.pptx
+++ b/Slides/Lecture 11-5.pptx
@@ -7,34 +7,46 @@
     <p:sldMasterId id="2147483680" r:id="rId3"/>
   </p:sldMasterIdLst>
   <p:notesMasterIdLst>
-    <p:notesMasterId r:id="rId29"/>
+    <p:notesMasterId r:id="rId41"/>
   </p:notesMasterIdLst>
   <p:sldIdLst>
     <p:sldId id="257" r:id="rId4"/>
     <p:sldId id="352" r:id="rId5"/>
-    <p:sldId id="633" r:id="rId6"/>
-    <p:sldId id="379" r:id="rId7"/>
-    <p:sldId id="380" r:id="rId8"/>
-    <p:sldId id="381" r:id="rId9"/>
-    <p:sldId id="634" r:id="rId10"/>
-    <p:sldId id="371" r:id="rId11"/>
-    <p:sldId id="372" r:id="rId12"/>
-    <p:sldId id="625" r:id="rId13"/>
-    <p:sldId id="374" r:id="rId14"/>
-    <p:sldId id="375" r:id="rId15"/>
-    <p:sldId id="635" r:id="rId16"/>
-    <p:sldId id="640" r:id="rId17"/>
-    <p:sldId id="624" r:id="rId18"/>
-    <p:sldId id="636" r:id="rId19"/>
-    <p:sldId id="637" r:id="rId20"/>
-    <p:sldId id="638" r:id="rId21"/>
-    <p:sldId id="639" r:id="rId22"/>
-    <p:sldId id="629" r:id="rId23"/>
-    <p:sldId id="630" r:id="rId24"/>
-    <p:sldId id="641" r:id="rId25"/>
-    <p:sldId id="642" r:id="rId26"/>
-    <p:sldId id="632" r:id="rId27"/>
-    <p:sldId id="377" r:id="rId28"/>
+    <p:sldId id="856" r:id="rId6"/>
+    <p:sldId id="857" r:id="rId7"/>
+    <p:sldId id="633" r:id="rId8"/>
+    <p:sldId id="379" r:id="rId9"/>
+    <p:sldId id="380" r:id="rId10"/>
+    <p:sldId id="381" r:id="rId11"/>
+    <p:sldId id="634" r:id="rId12"/>
+    <p:sldId id="859" r:id="rId13"/>
+    <p:sldId id="866" r:id="rId14"/>
+    <p:sldId id="867" r:id="rId15"/>
+    <p:sldId id="878" r:id="rId16"/>
+    <p:sldId id="879" r:id="rId17"/>
+    <p:sldId id="880" r:id="rId18"/>
+    <p:sldId id="881" r:id="rId19"/>
+    <p:sldId id="876" r:id="rId20"/>
+    <p:sldId id="877" r:id="rId21"/>
+    <p:sldId id="868" r:id="rId22"/>
+    <p:sldId id="869" r:id="rId23"/>
+    <p:sldId id="870" r:id="rId24"/>
+    <p:sldId id="871" r:id="rId25"/>
+    <p:sldId id="872" r:id="rId26"/>
+    <p:sldId id="636" r:id="rId27"/>
+    <p:sldId id="637" r:id="rId28"/>
+    <p:sldId id="638" r:id="rId29"/>
+    <p:sldId id="639" r:id="rId30"/>
+    <p:sldId id="863" r:id="rId31"/>
+    <p:sldId id="864" r:id="rId32"/>
+    <p:sldId id="861" r:id="rId33"/>
+    <p:sldId id="862" r:id="rId34"/>
+    <p:sldId id="865" r:id="rId35"/>
+    <p:sldId id="632" r:id="rId36"/>
+    <p:sldId id="875" r:id="rId37"/>
+    <p:sldId id="873" r:id="rId38"/>
+    <p:sldId id="874" r:id="rId39"/>
+    <p:sldId id="377" r:id="rId40"/>
   </p:sldIdLst>
   <p:sldSz cx="12192000" cy="6858000"/>
   <p:notesSz cx="6858000" cy="9144000"/>
@@ -235,7 +247,7 @@
             <a:fld id="{9D758337-D373-401A-892D-7766A648A3F5}" type="datetimeFigureOut">
               <a:rPr lang="en-US" smtClean="0"/>
               <a:pPr/>
-              <a:t>2/13/2019</a:t>
+              <a:t>2/19/2019</a:t>
             </a:fld>
             <a:endParaRPr lang="en-US"/>
           </a:p>
@@ -586,7 +598,7 @@
           <a:p>
             <a:fld id="{26E47A52-EDBE-4128-A1AF-FB91DAABE4F5}" type="slidenum">
               <a:rPr lang="en-US" smtClean="0"/>
-              <a:t>3</a:t>
+              <a:t>5</a:t>
             </a:fld>
             <a:endParaRPr lang="en-US"/>
           </a:p>
@@ -678,7 +690,7 @@
           <a:p>
             <a:fld id="{26E47A52-EDBE-4128-A1AF-FB91DAABE4F5}" type="slidenum">
               <a:rPr lang="en-US" smtClean="0"/>
-              <a:t>8</a:t>
+              <a:t>13</a:t>
             </a:fld>
             <a:endParaRPr lang="en-US"/>
           </a:p>
@@ -687,7 +699,7 @@
     </p:spTree>
     <p:extLst>
       <p:ext uri="{BB962C8B-B14F-4D97-AF65-F5344CB8AC3E}">
-        <p14:creationId xmlns:p14="http://schemas.microsoft.com/office/powerpoint/2010/main" val="1562517496"/>
+        <p14:creationId xmlns:p14="http://schemas.microsoft.com/office/powerpoint/2010/main" val="1062432650"/>
       </p:ext>
     </p:extLst>
   </p:cSld>
@@ -772,7 +784,7 @@
           <a:p>
             <a:fld id="{26E47A52-EDBE-4128-A1AF-FB91DAABE4F5}" type="slidenum">
               <a:rPr lang="en-US" smtClean="0"/>
-              <a:t>11</a:t>
+              <a:t>15</a:t>
             </a:fld>
             <a:endParaRPr lang="en-US"/>
           </a:p>
@@ -781,7 +793,7 @@
     </p:spTree>
     <p:extLst>
       <p:ext uri="{BB962C8B-B14F-4D97-AF65-F5344CB8AC3E}">
-        <p14:creationId xmlns:p14="http://schemas.microsoft.com/office/powerpoint/2010/main" val="363653662"/>
+        <p14:creationId xmlns:p14="http://schemas.microsoft.com/office/powerpoint/2010/main" val="703987500"/>
       </p:ext>
     </p:extLst>
   </p:cSld>
@@ -931,7 +943,7 @@
           <a:p>
             <a:fld id="{26E47A52-EDBE-4128-A1AF-FB91DAABE4F5}" type="slidenum">
               <a:rPr lang="en-US" smtClean="0"/>
-              <a:t>12</a:t>
+              <a:t>16</a:t>
             </a:fld>
             <a:endParaRPr lang="en-US"/>
           </a:p>
@@ -940,7 +952,7 @@
     </p:spTree>
     <p:extLst>
       <p:ext uri="{BB962C8B-B14F-4D97-AF65-F5344CB8AC3E}">
-        <p14:creationId xmlns:p14="http://schemas.microsoft.com/office/powerpoint/2010/main" val="2924125855"/>
+        <p14:creationId xmlns:p14="http://schemas.microsoft.com/office/powerpoint/2010/main" val="3511560205"/>
       </p:ext>
     </p:extLst>
   </p:cSld>
@@ -1035,7 +1047,7 @@
           <a:p>
             <a:fld id="{26E47A52-EDBE-4128-A1AF-FB91DAABE4F5}" type="slidenum">
               <a:rPr lang="en-US" smtClean="0"/>
-              <a:t>15</a:t>
+              <a:t>18</a:t>
             </a:fld>
             <a:endParaRPr lang="en-US"/>
           </a:p>
@@ -1044,7 +1056,7 @@
     </p:spTree>
     <p:extLst>
       <p:ext uri="{BB962C8B-B14F-4D97-AF65-F5344CB8AC3E}">
-        <p14:creationId xmlns:p14="http://schemas.microsoft.com/office/powerpoint/2010/main" val="3033026411"/>
+        <p14:creationId xmlns:p14="http://schemas.microsoft.com/office/powerpoint/2010/main" val="2936835862"/>
       </p:ext>
     </p:extLst>
   </p:cSld>
@@ -8814,18 +8826,904 @@
     </p:spTree>
     <p:extLst>
       <p:ext uri="{BB962C8B-B14F-4D97-AF65-F5344CB8AC3E}">
-        <p14:creationId xmlns:p14="http://schemas.microsoft.com/office/powerpoint/2010/main" val="2657407183"/>
+        <p14:creationId xmlns:p14="http://schemas.microsoft.com/office/powerpoint/2010/main" val="419974794"/>
       </p:ext>
     </p:extLst>
   </p:cSld>
   <p:clrMapOvr>
     <a:masterClrMapping/>
   </p:clrMapOvr>
+  <p:timing>
+    <p:tnLst>
+      <p:par>
+        <p:cTn id="1" dur="indefinite" restart="never" nodeType="tmRoot"/>
+      </p:par>
+    </p:tnLst>
+  </p:timing>
 </p:sld>
 </file>
 
 <file path=ppt/slides/slide11.xml><?xml version="1.0" encoding="utf-8"?>
 <p:sld xmlns:a="http://schemas.openxmlformats.org/drawingml/2006/main" xmlns:r="http://schemas.openxmlformats.org/officeDocument/2006/relationships" xmlns:p="http://schemas.openxmlformats.org/presentationml/2006/main">
+  <p:cSld>
+    <p:spTree>
+      <p:nvGrpSpPr>
+        <p:cNvPr id="1" name=""/>
+        <p:cNvGrpSpPr/>
+        <p:nvPr/>
+      </p:nvGrpSpPr>
+      <p:grpSpPr>
+        <a:xfrm>
+          <a:off x="0" y="0"/>
+          <a:ext cx="0" cy="0"/>
+          <a:chOff x="0" y="0"/>
+          <a:chExt cx="0" cy="0"/>
+        </a:xfrm>
+      </p:grpSpPr>
+      <p:pic>
+        <p:nvPicPr>
+          <p:cNvPr id="4" name="Picture 3"/>
+          <p:cNvPicPr>
+            <a:picLocks noChangeAspect="1"/>
+          </p:cNvPicPr>
+          <p:nvPr/>
+        </p:nvPicPr>
+        <p:blipFill>
+          <a:blip r:embed="rId2"/>
+          <a:stretch>
+            <a:fillRect/>
+          </a:stretch>
+        </p:blipFill>
+        <p:spPr>
+          <a:xfrm>
+            <a:off x="1264597" y="1459086"/>
+            <a:ext cx="9705164" cy="4717554"/>
+          </a:xfrm>
+          <a:prstGeom prst="rect">
+            <a:avLst/>
+          </a:prstGeom>
+        </p:spPr>
+      </p:pic>
+      <p:sp>
+        <p:nvSpPr>
+          <p:cNvPr id="5" name="Title 4"/>
+          <p:cNvSpPr>
+            <a:spLocks noGrp="1"/>
+          </p:cNvSpPr>
+          <p:nvPr>
+            <p:ph type="title"/>
+          </p:nvPr>
+        </p:nvSpPr>
+        <p:spPr/>
+        <p:txBody>
+          <a:bodyPr/>
+          <a:lstStyle/>
+          <a:p>
+            <a:r>
+              <a:rPr lang="bg-BG" dirty="0" smtClean="0"/>
+              <a:t>CBOW</a:t>
+            </a:r>
+            <a:endParaRPr lang="en-US" dirty="0"/>
+          </a:p>
+        </p:txBody>
+      </p:sp>
+      <p:sp>
+        <p:nvSpPr>
+          <p:cNvPr id="6" name="TextBox 5"/>
+          <p:cNvSpPr txBox="1"/>
+          <p:nvPr/>
+        </p:nvSpPr>
+        <p:spPr>
+          <a:xfrm>
+            <a:off x="9753731" y="6333801"/>
+            <a:ext cx="1524776" cy="369332"/>
+          </a:xfrm>
+          <a:prstGeom prst="rect">
+            <a:avLst/>
+          </a:prstGeom>
+          <a:noFill/>
+        </p:spPr>
+        <p:txBody>
+          <a:bodyPr wrap="none" rtlCol="0">
+            <a:spAutoFit/>
+          </a:bodyPr>
+          <a:lstStyle/>
+          <a:p>
+            <a:r>
+              <a:rPr lang="bg-BG" dirty="0" smtClean="0"/>
+              <a:t>[Greg Durrett]</a:t>
+            </a:r>
+            <a:endParaRPr lang="en-US" dirty="0" smtClean="0"/>
+          </a:p>
+        </p:txBody>
+      </p:sp>
+    </p:spTree>
+    <p:extLst>
+      <p:ext uri="{BB962C8B-B14F-4D97-AF65-F5344CB8AC3E}">
+        <p14:creationId xmlns:p14="http://schemas.microsoft.com/office/powerpoint/2010/main" val="158414777"/>
+      </p:ext>
+    </p:extLst>
+  </p:cSld>
+  <p:clrMapOvr>
+    <a:masterClrMapping/>
+  </p:clrMapOvr>
+  <p:timing>
+    <p:tnLst>
+      <p:par>
+        <p:cTn id="1" dur="indefinite" restart="never" nodeType="tmRoot"/>
+      </p:par>
+    </p:tnLst>
+  </p:timing>
+</p:sld>
+</file>
+
+<file path=ppt/slides/slide12.xml><?xml version="1.0" encoding="utf-8"?>
+<p:sld xmlns:a="http://schemas.openxmlformats.org/drawingml/2006/main" xmlns:r="http://schemas.openxmlformats.org/officeDocument/2006/relationships" xmlns:p="http://schemas.openxmlformats.org/presentationml/2006/main">
+  <p:cSld>
+    <p:spTree>
+      <p:nvGrpSpPr>
+        <p:cNvPr id="1" name=""/>
+        <p:cNvGrpSpPr/>
+        <p:nvPr/>
+      </p:nvGrpSpPr>
+      <p:grpSpPr>
+        <a:xfrm>
+          <a:off x="0" y="0"/>
+          <a:ext cx="0" cy="0"/>
+          <a:chOff x="0" y="0"/>
+          <a:chExt cx="0" cy="0"/>
+        </a:xfrm>
+      </p:grpSpPr>
+      <p:sp>
+        <p:nvSpPr>
+          <p:cNvPr id="4" name="Title 3"/>
+          <p:cNvSpPr>
+            <a:spLocks noGrp="1"/>
+          </p:cNvSpPr>
+          <p:nvPr>
+            <p:ph type="title"/>
+          </p:nvPr>
+        </p:nvSpPr>
+        <p:spPr>
+          <a:xfrm>
+            <a:off x="338666" y="328742"/>
+            <a:ext cx="11243733" cy="935791"/>
+          </a:xfrm>
+        </p:spPr>
+        <p:txBody>
+          <a:bodyPr/>
+          <a:lstStyle/>
+          <a:p>
+            <a:r>
+              <a:rPr lang="bg-BG" dirty="0" smtClean="0"/>
+              <a:t>Skipgrams</a:t>
+            </a:r>
+            <a:endParaRPr lang="en-US" dirty="0"/>
+          </a:p>
+        </p:txBody>
+      </p:sp>
+      <p:pic>
+        <p:nvPicPr>
+          <p:cNvPr id="6" name="Picture 5"/>
+          <p:cNvPicPr>
+            <a:picLocks noChangeAspect="1"/>
+          </p:cNvPicPr>
+          <p:nvPr/>
+        </p:nvPicPr>
+        <p:blipFill>
+          <a:blip r:embed="rId2"/>
+          <a:stretch>
+            <a:fillRect/>
+          </a:stretch>
+        </p:blipFill>
+        <p:spPr>
+          <a:xfrm>
+            <a:off x="1264596" y="1264533"/>
+            <a:ext cx="9855244" cy="4821651"/>
+          </a:xfrm>
+          <a:prstGeom prst="rect">
+            <a:avLst/>
+          </a:prstGeom>
+        </p:spPr>
+      </p:pic>
+      <p:sp>
+        <p:nvSpPr>
+          <p:cNvPr id="7" name="TextBox 6"/>
+          <p:cNvSpPr txBox="1"/>
+          <p:nvPr/>
+        </p:nvSpPr>
+        <p:spPr>
+          <a:xfrm>
+            <a:off x="9753731" y="6333801"/>
+            <a:ext cx="1524776" cy="369332"/>
+          </a:xfrm>
+          <a:prstGeom prst="rect">
+            <a:avLst/>
+          </a:prstGeom>
+          <a:noFill/>
+        </p:spPr>
+        <p:txBody>
+          <a:bodyPr wrap="none" rtlCol="0">
+            <a:spAutoFit/>
+          </a:bodyPr>
+          <a:lstStyle/>
+          <a:p>
+            <a:r>
+              <a:rPr lang="bg-BG" dirty="0" smtClean="0"/>
+              <a:t>[Greg Durrett]</a:t>
+            </a:r>
+            <a:endParaRPr lang="en-US" dirty="0" smtClean="0"/>
+          </a:p>
+        </p:txBody>
+      </p:sp>
+    </p:spTree>
+    <p:extLst>
+      <p:ext uri="{BB962C8B-B14F-4D97-AF65-F5344CB8AC3E}">
+        <p14:creationId xmlns:p14="http://schemas.microsoft.com/office/powerpoint/2010/main" val="1601929935"/>
+      </p:ext>
+    </p:extLst>
+  </p:cSld>
+  <p:clrMapOvr>
+    <a:masterClrMapping/>
+  </p:clrMapOvr>
+  <p:timing>
+    <p:tnLst>
+      <p:par>
+        <p:cTn id="1" dur="indefinite" restart="never" nodeType="tmRoot"/>
+      </p:par>
+    </p:tnLst>
+  </p:timing>
+</p:sld>
+</file>
+
+<file path=ppt/slides/slide13.xml><?xml version="1.0" encoding="utf-8"?>
+<p:sld xmlns:a="http://schemas.openxmlformats.org/drawingml/2006/main" xmlns:r="http://schemas.openxmlformats.org/officeDocument/2006/relationships" xmlns:p="http://schemas.openxmlformats.org/presentationml/2006/main" show="0">
+  <p:cSld>
+    <p:spTree>
+      <p:nvGrpSpPr>
+        <p:cNvPr id="1" name=""/>
+        <p:cNvGrpSpPr/>
+        <p:nvPr/>
+      </p:nvGrpSpPr>
+      <p:grpSpPr>
+        <a:xfrm>
+          <a:off x="0" y="0"/>
+          <a:ext cx="0" cy="0"/>
+          <a:chOff x="0" y="0"/>
+          <a:chExt cx="0" cy="0"/>
+        </a:xfrm>
+      </p:grpSpPr>
+      <p:sp>
+        <p:nvSpPr>
+          <p:cNvPr id="2" name="Title 1"/>
+          <p:cNvSpPr>
+            <a:spLocks noGrp="1"/>
+          </p:cNvSpPr>
+          <p:nvPr>
+            <p:ph type="title"/>
+          </p:nvPr>
+        </p:nvSpPr>
+        <p:spPr>
+          <a:xfrm>
+            <a:off x="711200" y="387866"/>
+            <a:ext cx="7518400" cy="990600"/>
+          </a:xfrm>
+        </p:spPr>
+        <p:txBody>
+          <a:bodyPr/>
+          <a:lstStyle/>
+          <a:p>
+            <a:r>
+              <a:rPr lang="en-US" dirty="0" smtClean="0"/>
+              <a:t>Skip-grams learn 2 </a:t>
+            </a:r>
+            <a:r>
+              <a:rPr lang="en-US" dirty="0" err="1" smtClean="0"/>
+              <a:t>embeddings</a:t>
+            </a:r>
+            <a:r>
+              <a:rPr lang="en-US" dirty="0" smtClean="0"/>
+              <a:t> for each w</a:t>
+            </a:r>
+            <a:endParaRPr lang="en-US" dirty="0"/>
+          </a:p>
+        </p:txBody>
+      </p:sp>
+      <p:sp>
+        <p:nvSpPr>
+          <p:cNvPr id="3" name="Content Placeholder 2"/>
+          <p:cNvSpPr>
+            <a:spLocks noGrp="1"/>
+          </p:cNvSpPr>
+          <p:nvPr>
+            <p:ph idx="1"/>
+          </p:nvPr>
+        </p:nvSpPr>
+        <p:spPr>
+          <a:xfrm>
+            <a:off x="406400" y="2021746"/>
+            <a:ext cx="8128000" cy="4226653"/>
+          </a:xfrm>
+        </p:spPr>
+        <p:txBody>
+          <a:bodyPr>
+            <a:normAutofit fontScale="92500" lnSpcReduction="10000"/>
+          </a:bodyPr>
+          <a:lstStyle/>
+          <a:p>
+            <a:pPr marL="0" indent="0">
+              <a:buNone/>
+            </a:pPr>
+            <a:r>
+              <a:rPr lang="en-US" b="1" dirty="0" smtClean="0"/>
+              <a:t>input </a:t>
+            </a:r>
+            <a:r>
+              <a:rPr lang="en-US" b="1" dirty="0"/>
+              <a:t>embedding </a:t>
+            </a:r>
+            <a:r>
+              <a:rPr lang="en-US" i="1" dirty="0" smtClean="0"/>
+              <a:t>v, </a:t>
+            </a:r>
+            <a:r>
+              <a:rPr lang="en-US" dirty="0" smtClean="0"/>
+              <a:t>in the input matrix </a:t>
+            </a:r>
+            <a:r>
+              <a:rPr lang="en-US" i="1" dirty="0" smtClean="0"/>
+              <a:t>W</a:t>
+            </a:r>
+          </a:p>
+          <a:p>
+            <a:r>
+              <a:rPr lang="en-US" dirty="0"/>
+              <a:t>Column </a:t>
+            </a:r>
+            <a:r>
+              <a:rPr lang="en-US" i="1" dirty="0" err="1"/>
+              <a:t>i</a:t>
+            </a:r>
+            <a:r>
+              <a:rPr lang="en-US" dirty="0"/>
+              <a:t> of the input matrix </a:t>
+            </a:r>
+            <a:r>
+              <a:rPr lang="en-US" i="1" dirty="0"/>
+              <a:t>W </a:t>
+            </a:r>
+            <a:r>
+              <a:rPr lang="en-US" dirty="0"/>
+              <a:t>is the 1×</a:t>
+            </a:r>
+            <a:r>
+              <a:rPr lang="en-US" i="1" dirty="0"/>
+              <a:t>d </a:t>
+            </a:r>
+            <a:r>
+              <a:rPr lang="en-US" dirty="0"/>
+              <a:t>embedding </a:t>
+            </a:r>
+            <a:r>
+              <a:rPr lang="en-US" i="1" dirty="0"/>
+              <a:t>v</a:t>
+            </a:r>
+            <a:r>
+              <a:rPr lang="en-US" sz="4800" i="1" baseline="-25000" dirty="0"/>
+              <a:t>i</a:t>
+            </a:r>
+            <a:r>
+              <a:rPr lang="en-US" i="1" dirty="0"/>
+              <a:t> </a:t>
+            </a:r>
+            <a:r>
+              <a:rPr lang="en-US" dirty="0"/>
+              <a:t>for word </a:t>
+            </a:r>
+            <a:r>
+              <a:rPr lang="en-US" i="1" dirty="0" err="1"/>
+              <a:t>i</a:t>
+            </a:r>
+            <a:r>
+              <a:rPr lang="en-US" i="1" dirty="0"/>
+              <a:t> </a:t>
+            </a:r>
+            <a:r>
+              <a:rPr lang="en-US" dirty="0"/>
+              <a:t>in the vocabulary. </a:t>
+            </a:r>
+            <a:endParaRPr lang="en-US" dirty="0" smtClean="0"/>
+          </a:p>
+          <a:p>
+            <a:endParaRPr lang="en-US" i="1" dirty="0" smtClean="0"/>
+          </a:p>
+          <a:p>
+            <a:pPr marL="0" indent="0">
+              <a:buNone/>
+            </a:pPr>
+            <a:r>
+              <a:rPr lang="en-US" b="1" dirty="0" smtClean="0"/>
+              <a:t>output </a:t>
+            </a:r>
+            <a:r>
+              <a:rPr lang="en-US" b="1" dirty="0"/>
+              <a:t>embedding </a:t>
+            </a:r>
+            <a:r>
+              <a:rPr lang="en-US" i="1" dirty="0"/>
+              <a:t>v</a:t>
+            </a:r>
+            <a:r>
+              <a:rPr lang="en-US" dirty="0" smtClean="0"/>
+              <a:t>′, in output matrix W’</a:t>
+            </a:r>
+          </a:p>
+          <a:p>
+            <a:r>
+              <a:rPr lang="en-US" dirty="0" smtClean="0"/>
+              <a:t>Row </a:t>
+            </a:r>
+            <a:r>
+              <a:rPr lang="en-US" i="1" dirty="0" err="1"/>
+              <a:t>i</a:t>
+            </a:r>
+            <a:r>
+              <a:rPr lang="en-US" i="1" dirty="0"/>
+              <a:t> </a:t>
+            </a:r>
+            <a:r>
+              <a:rPr lang="en-US" dirty="0"/>
+              <a:t>of the output matrix </a:t>
+            </a:r>
+            <a:r>
+              <a:rPr lang="en-US" i="1" dirty="0" smtClean="0"/>
+              <a:t>W</a:t>
+            </a:r>
+            <a:r>
+              <a:rPr lang="en-US" dirty="0" smtClean="0"/>
+              <a:t>′ </a:t>
+            </a:r>
+            <a:r>
+              <a:rPr lang="en-US" dirty="0"/>
+              <a:t>is a </a:t>
+            </a:r>
+            <a:r>
+              <a:rPr lang="en-US" i="1" dirty="0"/>
+              <a:t>d </a:t>
+            </a:r>
+            <a:r>
+              <a:rPr lang="en-US" dirty="0"/>
+              <a:t>× 1 vector embedding </a:t>
+            </a:r>
+            <a:r>
+              <a:rPr lang="en-US" i="1" dirty="0" err="1"/>
+              <a:t>v</a:t>
+            </a:r>
+            <a:r>
+              <a:rPr lang="en-US" dirty="0" err="1"/>
+              <a:t>′</a:t>
+            </a:r>
+            <a:r>
+              <a:rPr lang="en-US" sz="4800" i="1" baseline="-25000" dirty="0" err="1"/>
+              <a:t>i</a:t>
+            </a:r>
+            <a:r>
+              <a:rPr lang="en-US" i="1" dirty="0"/>
+              <a:t> </a:t>
+            </a:r>
+            <a:r>
+              <a:rPr lang="en-US" dirty="0"/>
+              <a:t>for word </a:t>
+            </a:r>
+            <a:r>
+              <a:rPr lang="en-US" i="1" dirty="0" err="1"/>
+              <a:t>i</a:t>
+            </a:r>
+            <a:r>
+              <a:rPr lang="en-US" i="1" dirty="0"/>
+              <a:t> </a:t>
+            </a:r>
+            <a:r>
+              <a:rPr lang="en-US" dirty="0"/>
+              <a:t>in the </a:t>
+            </a:r>
+            <a:r>
+              <a:rPr lang="en-US" dirty="0" smtClean="0"/>
+              <a:t>vocabulary.</a:t>
+            </a:r>
+            <a:endParaRPr lang="en-US" dirty="0"/>
+          </a:p>
+          <a:p>
+            <a:endParaRPr lang="en-US" dirty="0"/>
+          </a:p>
+        </p:txBody>
+      </p:sp>
+      <p:pic>
+        <p:nvPicPr>
+          <p:cNvPr id="5" name="Picture 4"/>
+          <p:cNvPicPr>
+            <a:picLocks noChangeAspect="1"/>
+          </p:cNvPicPr>
+          <p:nvPr/>
+        </p:nvPicPr>
+        <p:blipFill>
+          <a:blip r:embed="rId3">
+            <a:extLst>
+              <a:ext uri="{28A0092B-C50C-407E-A947-70E740481C1C}">
+                <a14:useLocalDpi xmlns:a14="http://schemas.microsoft.com/office/drawing/2010/main" val="0"/>
+              </a:ext>
+            </a:extLst>
+          </a:blip>
+          <a:stretch>
+            <a:fillRect/>
+          </a:stretch>
+        </p:blipFill>
+        <p:spPr>
+          <a:xfrm>
+            <a:off x="9136272" y="25400"/>
+            <a:ext cx="2826725" cy="6832600"/>
+          </a:xfrm>
+          <a:prstGeom prst="rect">
+            <a:avLst/>
+          </a:prstGeom>
+        </p:spPr>
+      </p:pic>
+      <p:sp>
+        <p:nvSpPr>
+          <p:cNvPr id="6" name="TextBox 5"/>
+          <p:cNvSpPr txBox="1"/>
+          <p:nvPr/>
+        </p:nvSpPr>
+        <p:spPr>
+          <a:xfrm>
+            <a:off x="5170436" y="6304002"/>
+            <a:ext cx="2044149" cy="369332"/>
+          </a:xfrm>
+          <a:prstGeom prst="rect">
+            <a:avLst/>
+          </a:prstGeom>
+          <a:noFill/>
+        </p:spPr>
+        <p:txBody>
+          <a:bodyPr wrap="none" rtlCol="0">
+            <a:spAutoFit/>
+          </a:bodyPr>
+          <a:lstStyle/>
+          <a:p>
+            <a:r>
+              <a:rPr lang="en-US" dirty="0" smtClean="0"/>
+              <a:t>[</a:t>
+            </a:r>
+            <a:r>
+              <a:rPr lang="en-US" dirty="0" err="1" smtClean="0"/>
+              <a:t>Jurafsky</a:t>
+            </a:r>
+            <a:r>
+              <a:rPr lang="en-US" dirty="0" smtClean="0"/>
+              <a:t> &amp; Martin]</a:t>
+            </a:r>
+            <a:endParaRPr lang="en-US" dirty="0"/>
+          </a:p>
+        </p:txBody>
+      </p:sp>
+    </p:spTree>
+    <p:extLst>
+      <p:ext uri="{BB962C8B-B14F-4D97-AF65-F5344CB8AC3E}">
+        <p14:creationId xmlns:p14="http://schemas.microsoft.com/office/powerpoint/2010/main" val="2324235717"/>
+      </p:ext>
+    </p:extLst>
+  </p:cSld>
+  <p:clrMapOvr>
+    <a:masterClrMapping/>
+  </p:clrMapOvr>
+  <mc:AlternateContent xmlns:mc="http://schemas.openxmlformats.org/markup-compatibility/2006" xmlns:p14="http://schemas.microsoft.com/office/powerpoint/2010/main">
+    <mc:Choice Requires="p14">
+      <p:transition spd="slow" p14:dur="2000"/>
+    </mc:Choice>
+    <mc:Fallback xmlns="">
+      <p:transition spd="slow"/>
+    </mc:Fallback>
+  </mc:AlternateContent>
+  <p:timing>
+    <p:tnLst>
+      <p:par>
+        <p:cTn id="1" dur="indefinite" restart="never" nodeType="tmRoot"/>
+      </p:par>
+    </p:tnLst>
+  </p:timing>
+</p:sld>
+</file>
+
+<file path=ppt/slides/slide14.xml><?xml version="1.0" encoding="utf-8"?>
+<p:sld xmlns:a="http://schemas.openxmlformats.org/drawingml/2006/main" xmlns:r="http://schemas.openxmlformats.org/officeDocument/2006/relationships" xmlns:p="http://schemas.openxmlformats.org/presentationml/2006/main" show="0">
+  <p:cSld>
+    <p:spTree>
+      <p:nvGrpSpPr>
+        <p:cNvPr id="1" name=""/>
+        <p:cNvGrpSpPr/>
+        <p:nvPr/>
+      </p:nvGrpSpPr>
+      <p:grpSpPr>
+        <a:xfrm>
+          <a:off x="0" y="0"/>
+          <a:ext cx="0" cy="0"/>
+          <a:chOff x="0" y="0"/>
+          <a:chExt cx="0" cy="0"/>
+        </a:xfrm>
+      </p:grpSpPr>
+      <p:sp>
+        <p:nvSpPr>
+          <p:cNvPr id="2" name="Title 1"/>
+          <p:cNvSpPr>
+            <a:spLocks noGrp="1"/>
+          </p:cNvSpPr>
+          <p:nvPr>
+            <p:ph type="title"/>
+          </p:nvPr>
+        </p:nvSpPr>
+        <p:spPr/>
+        <p:txBody>
+          <a:bodyPr/>
+          <a:lstStyle/>
+          <a:p>
+            <a:r>
+              <a:rPr lang="en-US" dirty="0" smtClean="0"/>
+              <a:t>Setup</a:t>
+            </a:r>
+            <a:endParaRPr lang="en-US" dirty="0"/>
+          </a:p>
+        </p:txBody>
+      </p:sp>
+      <p:sp>
+        <p:nvSpPr>
+          <p:cNvPr id="3" name="Content Placeholder 2"/>
+          <p:cNvSpPr>
+            <a:spLocks noGrp="1"/>
+          </p:cNvSpPr>
+          <p:nvPr>
+            <p:ph idx="1"/>
+          </p:nvPr>
+        </p:nvSpPr>
+        <p:spPr/>
+        <p:txBody>
+          <a:bodyPr/>
+          <a:lstStyle/>
+          <a:p>
+            <a:r>
+              <a:rPr lang="en-US" dirty="0" smtClean="0"/>
+              <a:t>Walking through corpus pointing </a:t>
+            </a:r>
+            <a:r>
+              <a:rPr lang="en-US" dirty="0"/>
+              <a:t>at </a:t>
+            </a:r>
+            <a:r>
+              <a:rPr lang="en-US" dirty="0" smtClean="0"/>
+              <a:t>word </a:t>
+            </a:r>
+            <a:r>
+              <a:rPr lang="en-US" i="1" dirty="0"/>
+              <a:t>w</a:t>
+            </a:r>
+            <a:r>
+              <a:rPr lang="en-US" dirty="0"/>
+              <a:t>(</a:t>
+            </a:r>
+            <a:r>
+              <a:rPr lang="en-US" i="1" dirty="0"/>
+              <a:t>t</a:t>
+            </a:r>
+            <a:r>
+              <a:rPr lang="en-US" dirty="0"/>
+              <a:t>), whose index in the vocabulary is </a:t>
+            </a:r>
+            <a:r>
+              <a:rPr lang="en-US" i="1" dirty="0"/>
+              <a:t>j</a:t>
+            </a:r>
+            <a:r>
+              <a:rPr lang="en-US" dirty="0"/>
+              <a:t>, so we’ll call it </a:t>
+            </a:r>
+            <a:r>
+              <a:rPr lang="en-US" i="1" dirty="0" err="1" smtClean="0"/>
+              <a:t>w</a:t>
+            </a:r>
+            <a:r>
+              <a:rPr lang="en-US" sz="3330" i="1" baseline="-25000" dirty="0" err="1"/>
+              <a:t>j</a:t>
+            </a:r>
+            <a:r>
+              <a:rPr lang="en-US" i="1" dirty="0" smtClean="0"/>
+              <a:t> </a:t>
+            </a:r>
+            <a:br>
+              <a:rPr lang="en-US" i="1" dirty="0" smtClean="0"/>
+            </a:br>
+            <a:r>
+              <a:rPr lang="en-US" dirty="0" smtClean="0"/>
+              <a:t>(</a:t>
+            </a:r>
+            <a:r>
+              <a:rPr lang="en-US" dirty="0"/>
+              <a:t>1 &lt; </a:t>
+            </a:r>
+            <a:r>
+              <a:rPr lang="en-US" i="1" dirty="0"/>
+              <a:t>j </a:t>
+            </a:r>
+            <a:r>
+              <a:rPr lang="en-US" dirty="0"/>
+              <a:t>&lt; |</a:t>
+            </a:r>
+            <a:r>
+              <a:rPr lang="en-US" i="1" dirty="0" smtClean="0"/>
+              <a:t>V</a:t>
+            </a:r>
+            <a:r>
+              <a:rPr lang="en-US" dirty="0" smtClean="0"/>
+              <a:t>|). </a:t>
+            </a:r>
+          </a:p>
+          <a:p>
+            <a:r>
+              <a:rPr lang="en-US" dirty="0" smtClean="0"/>
+              <a:t>Let’s predict </a:t>
+            </a:r>
+            <a:r>
+              <a:rPr lang="en-US" i="1" dirty="0" smtClean="0"/>
+              <a:t>w</a:t>
+            </a:r>
+            <a:r>
+              <a:rPr lang="en-US" dirty="0" smtClean="0"/>
+              <a:t>(</a:t>
+            </a:r>
+            <a:r>
+              <a:rPr lang="en-US" i="1" dirty="0" smtClean="0"/>
+              <a:t>t</a:t>
+            </a:r>
+            <a:r>
+              <a:rPr lang="en-US" dirty="0" smtClean="0"/>
+              <a:t>+1), </a:t>
+            </a:r>
+            <a:r>
+              <a:rPr lang="en-US" dirty="0"/>
+              <a:t>whose index in the vocabulary is </a:t>
+            </a:r>
+            <a:r>
+              <a:rPr lang="en-US" i="1" dirty="0"/>
+              <a:t>k </a:t>
+            </a:r>
+            <a:r>
+              <a:rPr lang="en-US" dirty="0"/>
+              <a:t>(1 &lt; </a:t>
+            </a:r>
+            <a:r>
+              <a:rPr lang="en-US" i="1" dirty="0"/>
+              <a:t>k </a:t>
+            </a:r>
+            <a:r>
+              <a:rPr lang="en-US" dirty="0"/>
+              <a:t>&lt; |</a:t>
+            </a:r>
+            <a:r>
+              <a:rPr lang="en-US" i="1" dirty="0"/>
+              <a:t>V </a:t>
+            </a:r>
+            <a:r>
+              <a:rPr lang="en-US" dirty="0"/>
+              <a:t>|). Hence our task is to compute </a:t>
+            </a:r>
+            <a:r>
+              <a:rPr lang="en-US" i="1" dirty="0"/>
+              <a:t>P</a:t>
+            </a:r>
+            <a:r>
+              <a:rPr lang="en-US" dirty="0"/>
+              <a:t>(</a:t>
+            </a:r>
+            <a:r>
+              <a:rPr lang="en-US" i="1" dirty="0" err="1"/>
+              <a:t>w</a:t>
+            </a:r>
+            <a:r>
+              <a:rPr lang="en-US" sz="4000" i="1" baseline="-25000" dirty="0" err="1"/>
+              <a:t>k</a:t>
+            </a:r>
+            <a:r>
+              <a:rPr lang="en-US" dirty="0" err="1"/>
+              <a:t>|</a:t>
+            </a:r>
+            <a:r>
+              <a:rPr lang="en-US" i="1" dirty="0" err="1"/>
+              <a:t>w</a:t>
+            </a:r>
+            <a:r>
+              <a:rPr lang="en-US" sz="4000" i="1" baseline="-25000" dirty="0" err="1"/>
+              <a:t>j</a:t>
+            </a:r>
+            <a:r>
+              <a:rPr lang="en-US" dirty="0"/>
+              <a:t>). </a:t>
+            </a:r>
+            <a:endParaRPr lang="en-US" dirty="0" smtClean="0"/>
+          </a:p>
+          <a:p>
+            <a:endParaRPr lang="en-US" dirty="0"/>
+          </a:p>
+          <a:p>
+            <a:endParaRPr lang="en-US" dirty="0"/>
+          </a:p>
+        </p:txBody>
+      </p:sp>
+      <p:sp>
+        <p:nvSpPr>
+          <p:cNvPr id="5" name="TextBox 4"/>
+          <p:cNvSpPr txBox="1"/>
+          <p:nvPr/>
+        </p:nvSpPr>
+        <p:spPr>
+          <a:xfrm>
+            <a:off x="7818240" y="6089134"/>
+            <a:ext cx="3512500" cy="369332"/>
+          </a:xfrm>
+          <a:prstGeom prst="rect">
+            <a:avLst/>
+          </a:prstGeom>
+          <a:noFill/>
+        </p:spPr>
+        <p:txBody>
+          <a:bodyPr wrap="none" rtlCol="0">
+            <a:spAutoFit/>
+          </a:bodyPr>
+          <a:lstStyle/>
+          <a:p>
+            <a:r>
+              <a:rPr lang="en-US" dirty="0" smtClean="0"/>
+              <a:t>Slide courtesy of </a:t>
+            </a:r>
+            <a:r>
+              <a:rPr lang="en-US" dirty="0" err="1" smtClean="0"/>
+              <a:t>Jurafsky</a:t>
+            </a:r>
+            <a:r>
+              <a:rPr lang="en-US" dirty="0" smtClean="0"/>
+              <a:t> &amp; Martin</a:t>
+            </a:r>
+            <a:endParaRPr lang="en-US" dirty="0"/>
+          </a:p>
+        </p:txBody>
+      </p:sp>
+    </p:spTree>
+    <p:extLst>
+      <p:ext uri="{BB962C8B-B14F-4D97-AF65-F5344CB8AC3E}">
+        <p14:creationId xmlns:p14="http://schemas.microsoft.com/office/powerpoint/2010/main" val="1233089887"/>
+      </p:ext>
+    </p:extLst>
+  </p:cSld>
+  <p:clrMapOvr>
+    <a:masterClrMapping/>
+  </p:clrMapOvr>
+  <mc:AlternateContent xmlns:mc="http://schemas.openxmlformats.org/markup-compatibility/2006" xmlns:p14="http://schemas.microsoft.com/office/powerpoint/2010/main">
+    <mc:Choice Requires="p14">
+      <p:transition spd="slow" p14:dur="2000"/>
+    </mc:Choice>
+    <mc:Fallback xmlns="">
+      <p:transition spd="slow"/>
+    </mc:Fallback>
+  </mc:AlternateContent>
+  <p:timing>
+    <p:tnLst>
+      <p:par>
+        <p:cTn id="1" dur="indefinite" restart="never" nodeType="tmRoot"/>
+      </p:par>
+    </p:tnLst>
+  </p:timing>
+</p:sld>
+</file>
+
+<file path=ppt/slides/slide15.xml><?xml version="1.0" encoding="utf-8"?>
+<p:sld xmlns:a="http://schemas.openxmlformats.org/drawingml/2006/main" xmlns:r="http://schemas.openxmlformats.org/officeDocument/2006/relationships" xmlns:p="http://schemas.openxmlformats.org/presentationml/2006/main" show="0">
   <p:cSld>
     <p:spTree>
       <p:nvGrpSpPr>
@@ -8934,13 +9832,21 @@
     </p:spTree>
     <p:extLst>
       <p:ext uri="{BB962C8B-B14F-4D97-AF65-F5344CB8AC3E}">
-        <p14:creationId xmlns:p14="http://schemas.microsoft.com/office/powerpoint/2010/main" val="664324388"/>
+        <p14:creationId xmlns:p14="http://schemas.microsoft.com/office/powerpoint/2010/main" val="301928877"/>
       </p:ext>
     </p:extLst>
   </p:cSld>
   <p:clrMapOvr>
     <a:masterClrMapping/>
   </p:clrMapOvr>
+  <mc:AlternateContent xmlns:mc="http://schemas.openxmlformats.org/markup-compatibility/2006" xmlns:p14="http://schemas.microsoft.com/office/powerpoint/2010/main">
+    <mc:Choice Requires="p14">
+      <p:transition spd="slow" p14:dur="2000"/>
+    </mc:Choice>
+    <mc:Fallback xmlns="">
+      <p:transition spd="slow"/>
+    </mc:Fallback>
+  </mc:AlternateContent>
   <p:timing>
     <p:tnLst>
       <p:par>
@@ -8951,8 +9857,8 @@
 </p:sld>
 </file>
 
-<file path=ppt/slides/slide12.xml><?xml version="1.0" encoding="utf-8"?>
-<p:sld xmlns:a="http://schemas.openxmlformats.org/drawingml/2006/main" xmlns:r="http://schemas.openxmlformats.org/officeDocument/2006/relationships" xmlns:p="http://schemas.openxmlformats.org/presentationml/2006/main">
+<file path=ppt/slides/slide16.xml><?xml version="1.0" encoding="utf-8"?>
+<p:sld xmlns:a="http://schemas.openxmlformats.org/drawingml/2006/main" xmlns:r="http://schemas.openxmlformats.org/officeDocument/2006/relationships" xmlns:p="http://schemas.openxmlformats.org/presentationml/2006/main" show="0">
   <p:cSld>
     <p:spTree>
       <p:nvGrpSpPr>
@@ -9167,13 +10073,21 @@
     </p:spTree>
     <p:extLst>
       <p:ext uri="{BB962C8B-B14F-4D97-AF65-F5344CB8AC3E}">
-        <p14:creationId xmlns:p14="http://schemas.microsoft.com/office/powerpoint/2010/main" val="2781236696"/>
+        <p14:creationId xmlns:p14="http://schemas.microsoft.com/office/powerpoint/2010/main" val="1276962575"/>
       </p:ext>
     </p:extLst>
   </p:cSld>
   <p:clrMapOvr>
     <a:masterClrMapping/>
   </p:clrMapOvr>
+  <mc:AlternateContent xmlns:mc="http://schemas.openxmlformats.org/markup-compatibility/2006" xmlns:p14="http://schemas.microsoft.com/office/powerpoint/2010/main">
+    <mc:Choice Requires="p14">
+      <p:transition spd="slow" p14:dur="2000"/>
+    </mc:Choice>
+    <mc:Fallback xmlns="">
+      <p:transition spd="slow"/>
+    </mc:Fallback>
+  </mc:AlternateContent>
   <p:timing>
     <p:tnLst>
       <p:par>
@@ -9184,163 +10098,7 @@
 </p:sld>
 </file>
 
-<file path=ppt/slides/slide13.xml><?xml version="1.0" encoding="utf-8"?>
-<p:sld xmlns:a="http://schemas.openxmlformats.org/drawingml/2006/main" xmlns:r="http://schemas.openxmlformats.org/officeDocument/2006/relationships" xmlns:p="http://schemas.openxmlformats.org/presentationml/2006/main">
-  <p:cSld>
-    <p:spTree>
-      <p:nvGrpSpPr>
-        <p:cNvPr id="1" name=""/>
-        <p:cNvGrpSpPr/>
-        <p:nvPr/>
-      </p:nvGrpSpPr>
-      <p:grpSpPr>
-        <a:xfrm>
-          <a:off x="0" y="0"/>
-          <a:ext cx="0" cy="0"/>
-          <a:chOff x="0" y="0"/>
-          <a:chExt cx="0" cy="0"/>
-        </a:xfrm>
-      </p:grpSpPr>
-      <p:sp>
-        <p:nvSpPr>
-          <p:cNvPr id="2" name="Title 1"/>
-          <p:cNvSpPr>
-            <a:spLocks noGrp="1"/>
-          </p:cNvSpPr>
-          <p:nvPr>
-            <p:ph type="title"/>
-          </p:nvPr>
-        </p:nvSpPr>
-        <p:spPr/>
-        <p:txBody>
-          <a:bodyPr lIns="91438" tIns="45719" rIns="91438" bIns="45719"/>
-          <a:lstStyle/>
-          <a:p>
-            <a:r>
-              <a:rPr lang="en-US" dirty="0" smtClean="0"/>
-              <a:t>Notes</a:t>
-            </a:r>
-            <a:endParaRPr lang="en-US" dirty="0"/>
-          </a:p>
-        </p:txBody>
-      </p:sp>
-      <p:sp>
-        <p:nvSpPr>
-          <p:cNvPr id="3" name="Content Placeholder 2"/>
-          <p:cNvSpPr>
-            <a:spLocks noGrp="1"/>
-          </p:cNvSpPr>
-          <p:nvPr>
-            <p:ph idx="1"/>
-          </p:nvPr>
-        </p:nvSpPr>
-        <p:spPr>
-          <a:xfrm>
-            <a:off x="609600" y="1541930"/>
-            <a:ext cx="10972800" cy="4993341"/>
-          </a:xfrm>
-        </p:spPr>
-        <p:txBody>
-          <a:bodyPr>
-            <a:normAutofit/>
-          </a:bodyPr>
-          <a:lstStyle/>
-          <a:p>
-            <a:r>
-              <a:rPr lang="en-US" dirty="0" smtClean="0"/>
-              <a:t>One-hot vectors</a:t>
-            </a:r>
-          </a:p>
-          <a:p>
-            <a:pPr lvl="1"/>
-            <a:r>
-              <a:rPr lang="en-US" dirty="0" smtClean="0"/>
-              <a:t>A </a:t>
-            </a:r>
-            <a:r>
-              <a:rPr lang="en-US" dirty="0"/>
-              <a:t>vector of length |V| </a:t>
-            </a:r>
-          </a:p>
-          <a:p>
-            <a:pPr lvl="1"/>
-            <a:r>
-              <a:rPr lang="en-US" dirty="0"/>
-              <a:t>Example</a:t>
-            </a:r>
-            <a:r>
-              <a:rPr lang="en-US" dirty="0" smtClean="0"/>
-              <a:t>: [0,0,0,0,1,0,0,0,0</a:t>
-            </a:r>
-            <a:r>
-              <a:rPr lang="en-US" dirty="0"/>
-              <a:t>…….0]</a:t>
-            </a:r>
-          </a:p>
-          <a:p>
-            <a:r>
-              <a:rPr lang="en-US" dirty="0" smtClean="0"/>
-              <a:t>Sparse </a:t>
-            </a:r>
-            <a:r>
-              <a:rPr lang="en-US" dirty="0" smtClean="0"/>
-              <a:t>vs. dense vectors</a:t>
-            </a:r>
-          </a:p>
-          <a:p>
-            <a:pPr lvl="1"/>
-            <a:r>
-              <a:rPr lang="en-US" dirty="0" smtClean="0"/>
-              <a:t>100,000 dimensions vs. 300 dimensions</a:t>
-            </a:r>
-          </a:p>
-          <a:p>
-            <a:pPr lvl="1"/>
-            <a:r>
-              <a:rPr lang="en-US" dirty="0" smtClean="0"/>
-              <a:t>&lt;10 non-zero dimensions vs. 300 non-zero dimensions</a:t>
-            </a:r>
-          </a:p>
-          <a:p>
-            <a:r>
-              <a:rPr lang="en-US" dirty="0" smtClean="0"/>
-              <a:t>Dense vectors</a:t>
-            </a:r>
-          </a:p>
-          <a:p>
-            <a:pPr lvl="1"/>
-            <a:r>
-              <a:rPr lang="en-US" dirty="0" smtClean="0"/>
-              <a:t>Semantic similarity (cf. LSA)</a:t>
-            </a:r>
-          </a:p>
-          <a:p>
-            <a:pPr lvl="1"/>
-            <a:endParaRPr lang="en-US" dirty="0"/>
-          </a:p>
-        </p:txBody>
-      </p:sp>
-    </p:spTree>
-    <p:extLst>
-      <p:ext uri="{BB962C8B-B14F-4D97-AF65-F5344CB8AC3E}">
-        <p14:creationId xmlns:p14="http://schemas.microsoft.com/office/powerpoint/2010/main" val="1494235653"/>
-      </p:ext>
-    </p:extLst>
-  </p:cSld>
-  <p:clrMapOvr>
-    <a:masterClrMapping/>
-  </p:clrMapOvr>
-  <p:timing>
-    <p:tnLst>
-      <p:par>
-        <p:cTn id="1" dur="indefinite" restart="never" nodeType="tmRoot"/>
-      </p:par>
-    </p:tnLst>
-  </p:timing>
-</p:sld>
-</file>
-
-<file path=ppt/slides/slide14.xml><?xml version="1.0" encoding="utf-8"?>
+<file path=ppt/slides/slide17.xml><?xml version="1.0" encoding="utf-8"?>
 <p:sld xmlns:a="http://schemas.openxmlformats.org/drawingml/2006/main" xmlns:r="http://schemas.openxmlformats.org/officeDocument/2006/relationships" xmlns:p="http://schemas.openxmlformats.org/presentationml/2006/main">
   <p:cSld>
     <p:spTree>
@@ -9709,7 +10467,7 @@
                 <a:pPr lvl="1"/>
                 <a:r>
                   <a:rPr lang="en-US" dirty="0" smtClean="0"/>
-                  <a:t>the denominator is only computed for a few words</a:t>
+                  <a:t>Solution: the denominator is only computed for a few words</a:t>
                 </a:r>
                 <a:endParaRPr lang="en-US" dirty="0"/>
               </a:p>
@@ -9732,10 +10490,10 @@
                 <a:off x="671744" y="1673966"/>
                 <a:ext cx="10972800" cy="4553097"/>
               </a:xfrm>
-              <a:blipFill rotWithShape="1">
+              <a:blipFill rotWithShape="0">
                 <a:blip r:embed="rId2"/>
                 <a:stretch>
-                  <a:fillRect l="-1278" t="-1609"/>
+                  <a:fillRect l="-1333" t="-1743"/>
                 </a:stretch>
               </a:blipFill>
             </p:spPr>
@@ -9796,7 +10554,7 @@
     </p:spTree>
     <p:extLst>
       <p:ext uri="{BB962C8B-B14F-4D97-AF65-F5344CB8AC3E}">
-        <p14:creationId xmlns:p14="http://schemas.microsoft.com/office/powerpoint/2010/main" val="678742682"/>
+        <p14:creationId xmlns:p14="http://schemas.microsoft.com/office/powerpoint/2010/main" val="1788398041"/>
       </p:ext>
     </p:extLst>
   </p:cSld>
@@ -9806,241 +10564,14 @@
   <p:timing>
     <p:tnLst>
       <p:par>
-        <p:cTn id="1" dur="indefinite" restart="never" nodeType="tmRoot">
-          <p:childTnLst>
-            <p:seq concurrent="1" nextAc="seek">
-              <p:cTn id="2" dur="indefinite" nodeType="mainSeq">
-                <p:childTnLst>
-                  <p:par>
-                    <p:cTn id="3" fill="hold">
-                      <p:stCondLst>
-                        <p:cond delay="indefinite"/>
-                      </p:stCondLst>
-                      <p:childTnLst>
-                        <p:par>
-                          <p:cTn id="4" fill="hold">
-                            <p:stCondLst>
-                              <p:cond delay="0"/>
-                            </p:stCondLst>
-                            <p:childTnLst>
-                              <p:par>
-                                <p:cTn id="5" presetID="1" presetClass="entr" presetSubtype="0" fill="hold" nodeType="clickEffect">
-                                  <p:stCondLst>
-                                    <p:cond delay="0"/>
-                                  </p:stCondLst>
-                                  <p:childTnLst>
-                                    <p:set>
-                                      <p:cBhvr>
-                                        <p:cTn id="6" dur="1" fill="hold">
-                                          <p:stCondLst>
-                                            <p:cond delay="0"/>
-                                          </p:stCondLst>
-                                        </p:cTn>
-                                        <p:tgtEl>
-                                          <p:spTgt spid="3">
-                                            <p:txEl>
-                                              <p:pRg st="0" end="0"/>
-                                            </p:txEl>
-                                          </p:spTgt>
-                                        </p:tgtEl>
-                                        <p:attrNameLst>
-                                          <p:attrName>style.visibility</p:attrName>
-                                        </p:attrNameLst>
-                                      </p:cBhvr>
-                                      <p:to>
-                                        <p:strVal val="visible"/>
-                                      </p:to>
-                                    </p:set>
-                                  </p:childTnLst>
-                                </p:cTn>
-                              </p:par>
-                              <p:par>
-                                <p:cTn id="7" presetID="1" presetClass="entr" presetSubtype="0" fill="hold" nodeType="withEffect">
-                                  <p:stCondLst>
-                                    <p:cond delay="0"/>
-                                  </p:stCondLst>
-                                  <p:childTnLst>
-                                    <p:set>
-                                      <p:cBhvr>
-                                        <p:cTn id="8" dur="1" fill="hold">
-                                          <p:stCondLst>
-                                            <p:cond delay="0"/>
-                                          </p:stCondLst>
-                                        </p:cTn>
-                                        <p:tgtEl>
-                                          <p:spTgt spid="3">
-                                            <p:txEl>
-                                              <p:pRg st="1" end="1"/>
-                                            </p:txEl>
-                                          </p:spTgt>
-                                        </p:tgtEl>
-                                        <p:attrNameLst>
-                                          <p:attrName>style.visibility</p:attrName>
-                                        </p:attrNameLst>
-                                      </p:cBhvr>
-                                      <p:to>
-                                        <p:strVal val="visible"/>
-                                      </p:to>
-                                    </p:set>
-                                  </p:childTnLst>
-                                </p:cTn>
-                              </p:par>
-                              <p:par>
-                                <p:cTn id="9" presetID="1" presetClass="entr" presetSubtype="0" fill="hold" nodeType="withEffect">
-                                  <p:stCondLst>
-                                    <p:cond delay="0"/>
-                                  </p:stCondLst>
-                                  <p:childTnLst>
-                                    <p:set>
-                                      <p:cBhvr>
-                                        <p:cTn id="10" dur="1" fill="hold">
-                                          <p:stCondLst>
-                                            <p:cond delay="0"/>
-                                          </p:stCondLst>
-                                        </p:cTn>
-                                        <p:tgtEl>
-                                          <p:spTgt spid="3">
-                                            <p:txEl>
-                                              <p:pRg st="2" end="2"/>
-                                            </p:txEl>
-                                          </p:spTgt>
-                                        </p:tgtEl>
-                                        <p:attrNameLst>
-                                          <p:attrName>style.visibility</p:attrName>
-                                        </p:attrNameLst>
-                                      </p:cBhvr>
-                                      <p:to>
-                                        <p:strVal val="visible"/>
-                                      </p:to>
-                                    </p:set>
-                                  </p:childTnLst>
-                                </p:cTn>
-                              </p:par>
-                              <p:par>
-                                <p:cTn id="11" presetID="1" presetClass="entr" presetSubtype="0" fill="hold" nodeType="withEffect">
-                                  <p:stCondLst>
-                                    <p:cond delay="0"/>
-                                  </p:stCondLst>
-                                  <p:childTnLst>
-                                    <p:set>
-                                      <p:cBhvr>
-                                        <p:cTn id="12" dur="1" fill="hold">
-                                          <p:stCondLst>
-                                            <p:cond delay="0"/>
-                                          </p:stCondLst>
-                                        </p:cTn>
-                                        <p:tgtEl>
-                                          <p:spTgt spid="3">
-                                            <p:txEl>
-                                              <p:pRg st="3" end="3"/>
-                                            </p:txEl>
-                                          </p:spTgt>
-                                        </p:tgtEl>
-                                        <p:attrNameLst>
-                                          <p:attrName>style.visibility</p:attrName>
-                                        </p:attrNameLst>
-                                      </p:cBhvr>
-                                      <p:to>
-                                        <p:strVal val="visible"/>
-                                      </p:to>
-                                    </p:set>
-                                  </p:childTnLst>
-                                </p:cTn>
-                              </p:par>
-                              <p:par>
-                                <p:cTn id="13" presetID="1" presetClass="entr" presetSubtype="0" fill="hold" nodeType="withEffect">
-                                  <p:stCondLst>
-                                    <p:cond delay="0"/>
-                                  </p:stCondLst>
-                                  <p:childTnLst>
-                                    <p:set>
-                                      <p:cBhvr>
-                                        <p:cTn id="14" dur="1" fill="hold">
-                                          <p:stCondLst>
-                                            <p:cond delay="0"/>
-                                          </p:stCondLst>
-                                        </p:cTn>
-                                        <p:tgtEl>
-                                          <p:spTgt spid="3">
-                                            <p:txEl>
-                                              <p:pRg st="4" end="4"/>
-                                            </p:txEl>
-                                          </p:spTgt>
-                                        </p:tgtEl>
-                                        <p:attrNameLst>
-                                          <p:attrName>style.visibility</p:attrName>
-                                        </p:attrNameLst>
-                                      </p:cBhvr>
-                                      <p:to>
-                                        <p:strVal val="visible"/>
-                                      </p:to>
-                                    </p:set>
-                                  </p:childTnLst>
-                                </p:cTn>
-                              </p:par>
-                              <p:par>
-                                <p:cTn id="15" presetID="1" presetClass="entr" presetSubtype="0" fill="hold" nodeType="withEffect">
-                                  <p:stCondLst>
-                                    <p:cond delay="0"/>
-                                  </p:stCondLst>
-                                  <p:childTnLst>
-                                    <p:set>
-                                      <p:cBhvr>
-                                        <p:cTn id="16" dur="1" fill="hold">
-                                          <p:stCondLst>
-                                            <p:cond delay="0"/>
-                                          </p:stCondLst>
-                                        </p:cTn>
-                                        <p:tgtEl>
-                                          <p:spTgt spid="3">
-                                            <p:txEl>
-                                              <p:pRg st="5" end="5"/>
-                                            </p:txEl>
-                                          </p:spTgt>
-                                        </p:tgtEl>
-                                        <p:attrNameLst>
-                                          <p:attrName>style.visibility</p:attrName>
-                                        </p:attrNameLst>
-                                      </p:cBhvr>
-                                      <p:to>
-                                        <p:strVal val="visible"/>
-                                      </p:to>
-                                    </p:set>
-                                  </p:childTnLst>
-                                </p:cTn>
-                              </p:par>
-                            </p:childTnLst>
-                          </p:cTn>
-                        </p:par>
-                      </p:childTnLst>
-                    </p:cTn>
-                  </p:par>
-                </p:childTnLst>
-              </p:cTn>
-              <p:prevCondLst>
-                <p:cond evt="onPrev" delay="0">
-                  <p:tgtEl>
-                    <p:sldTgt/>
-                  </p:tgtEl>
-                </p:cond>
-              </p:prevCondLst>
-              <p:nextCondLst>
-                <p:cond evt="onNext" delay="0">
-                  <p:tgtEl>
-                    <p:sldTgt/>
-                  </p:tgtEl>
-                </p:cond>
-              </p:nextCondLst>
-            </p:seq>
-          </p:childTnLst>
-        </p:cTn>
+        <p:cTn id="1" dur="indefinite" restart="never" nodeType="tmRoot"/>
       </p:par>
     </p:tnLst>
   </p:timing>
 </p:sld>
 </file>
 
-<file path=ppt/slides/slide15.xml><?xml version="1.0" encoding="utf-8"?>
+<file path=ppt/slides/slide18.xml><?xml version="1.0" encoding="utf-8"?>
 <p:sld xmlns:a="http://schemas.openxmlformats.org/drawingml/2006/main" xmlns:r="http://schemas.openxmlformats.org/officeDocument/2006/relationships" xmlns:p="http://schemas.openxmlformats.org/presentationml/2006/main">
   <p:cSld>
     <p:spTree>
@@ -10124,7 +10655,7 @@
     </p:spTree>
     <p:extLst>
       <p:ext uri="{BB962C8B-B14F-4D97-AF65-F5344CB8AC3E}">
-        <p14:creationId xmlns:p14="http://schemas.microsoft.com/office/powerpoint/2010/main" val="1909864157"/>
+        <p14:creationId xmlns:p14="http://schemas.microsoft.com/office/powerpoint/2010/main" val="1965207147"/>
       </p:ext>
     </p:extLst>
   </p:cSld>
@@ -10141,7 +10672,7 @@
 </p:sld>
 </file>
 
-<file path=ppt/slides/slide16.xml><?xml version="1.0" encoding="utf-8"?>
+<file path=ppt/slides/slide19.xml><?xml version="1.0" encoding="utf-8"?>
 <p:sld xmlns:a="http://schemas.openxmlformats.org/drawingml/2006/main" xmlns:r="http://schemas.openxmlformats.org/officeDocument/2006/relationships" xmlns:p="http://schemas.openxmlformats.org/presentationml/2006/main">
   <p:cSld>
     <p:spTree>
@@ -10158,6 +10689,426 @@
           <a:chExt cx="0" cy="0"/>
         </a:xfrm>
       </p:grpSpPr>
+      <p:pic>
+        <p:nvPicPr>
+          <p:cNvPr id="4" name="Picture 3"/>
+          <p:cNvPicPr>
+            <a:picLocks noChangeAspect="1"/>
+          </p:cNvPicPr>
+          <p:nvPr/>
+        </p:nvPicPr>
+        <p:blipFill>
+          <a:blip r:embed="rId2"/>
+          <a:stretch>
+            <a:fillRect/>
+          </a:stretch>
+        </p:blipFill>
+        <p:spPr>
+          <a:xfrm>
+            <a:off x="1044451" y="1459086"/>
+            <a:ext cx="9536608" cy="4589289"/>
+          </a:xfrm>
+          <a:prstGeom prst="rect">
+            <a:avLst/>
+          </a:prstGeom>
+        </p:spPr>
+      </p:pic>
+      <p:sp>
+        <p:nvSpPr>
+          <p:cNvPr id="5" name="Title 4"/>
+          <p:cNvSpPr>
+            <a:spLocks noGrp="1"/>
+          </p:cNvSpPr>
+          <p:nvPr>
+            <p:ph type="title"/>
+          </p:nvPr>
+        </p:nvSpPr>
+        <p:spPr/>
+        <p:txBody>
+          <a:bodyPr/>
+          <a:lstStyle/>
+          <a:p>
+            <a:r>
+              <a:rPr lang="bg-BG" dirty="0" smtClean="0"/>
+              <a:t>Hierarchical Softmax</a:t>
+            </a:r>
+            <a:endParaRPr lang="en-US" dirty="0"/>
+          </a:p>
+        </p:txBody>
+      </p:sp>
+      <p:sp>
+        <p:nvSpPr>
+          <p:cNvPr id="6" name="TextBox 5"/>
+          <p:cNvSpPr txBox="1"/>
+          <p:nvPr/>
+        </p:nvSpPr>
+        <p:spPr>
+          <a:xfrm>
+            <a:off x="9753731" y="6333801"/>
+            <a:ext cx="1524776" cy="369332"/>
+          </a:xfrm>
+          <a:prstGeom prst="rect">
+            <a:avLst/>
+          </a:prstGeom>
+          <a:noFill/>
+        </p:spPr>
+        <p:txBody>
+          <a:bodyPr wrap="none" rtlCol="0">
+            <a:spAutoFit/>
+          </a:bodyPr>
+          <a:lstStyle/>
+          <a:p>
+            <a:r>
+              <a:rPr lang="bg-BG" dirty="0" smtClean="0"/>
+              <a:t>[Greg Durrett]</a:t>
+            </a:r>
+            <a:endParaRPr lang="en-US" dirty="0" smtClean="0"/>
+          </a:p>
+        </p:txBody>
+      </p:sp>
+    </p:spTree>
+    <p:extLst>
+      <p:ext uri="{BB962C8B-B14F-4D97-AF65-F5344CB8AC3E}">
+        <p14:creationId xmlns:p14="http://schemas.microsoft.com/office/powerpoint/2010/main" val="1866678790"/>
+      </p:ext>
+    </p:extLst>
+  </p:cSld>
+  <p:clrMapOvr>
+    <a:masterClrMapping/>
+  </p:clrMapOvr>
+  <p:timing>
+    <p:tnLst>
+      <p:par>
+        <p:cTn id="1" dur="indefinite" restart="never" nodeType="tmRoot"/>
+      </p:par>
+    </p:tnLst>
+  </p:timing>
+</p:sld>
+</file>
+
+<file path=ppt/slides/slide2.xml><?xml version="1.0" encoding="utf-8"?>
+<p:sld xmlns:a="http://schemas.openxmlformats.org/drawingml/2006/main" xmlns:r="http://schemas.openxmlformats.org/officeDocument/2006/relationships" xmlns:p="http://schemas.openxmlformats.org/presentationml/2006/main">
+  <p:cSld>
+    <p:spTree>
+      <p:nvGrpSpPr>
+        <p:cNvPr id="1" name=""/>
+        <p:cNvGrpSpPr/>
+        <p:nvPr/>
+      </p:nvGrpSpPr>
+      <p:grpSpPr>
+        <a:xfrm>
+          <a:off x="0" y="0"/>
+          <a:ext cx="0" cy="0"/>
+          <a:chOff x="0" y="0"/>
+          <a:chExt cx="0" cy="0"/>
+        </a:xfrm>
+      </p:grpSpPr>
+      <p:sp>
+        <p:nvSpPr>
+          <p:cNvPr id="3" name="Subtitle 2"/>
+          <p:cNvSpPr>
+            <a:spLocks noGrp="1"/>
+          </p:cNvSpPr>
+          <p:nvPr>
+            <p:ph type="subTitle" idx="1"/>
+          </p:nvPr>
+        </p:nvSpPr>
+        <p:spPr/>
+        <p:txBody>
+          <a:bodyPr/>
+          <a:lstStyle/>
+          <a:p>
+            <a:r>
+              <a:rPr lang="en-US" dirty="0" smtClean="0"/>
+              <a:t>Word Embeddings</a:t>
+            </a:r>
+            <a:endParaRPr lang="en-US" dirty="0"/>
+          </a:p>
+        </p:txBody>
+      </p:sp>
+      <p:sp>
+        <p:nvSpPr>
+          <p:cNvPr id="4" name="Title 3"/>
+          <p:cNvSpPr>
+            <a:spLocks noGrp="1"/>
+          </p:cNvSpPr>
+          <p:nvPr>
+            <p:ph type="ctrTitle"/>
+          </p:nvPr>
+        </p:nvSpPr>
+        <p:spPr/>
+        <p:txBody>
+          <a:bodyPr/>
+          <a:lstStyle/>
+          <a:p>
+            <a:r>
+              <a:rPr lang="en-US" dirty="0" smtClean="0"/>
+              <a:t>Deep Learning</a:t>
+            </a:r>
+            <a:endParaRPr lang="en-US" dirty="0"/>
+          </a:p>
+        </p:txBody>
+      </p:sp>
+    </p:spTree>
+  </p:cSld>
+  <p:clrMapOvr>
+    <a:masterClrMapping/>
+  </p:clrMapOvr>
+  <p:timing>
+    <p:tnLst>
+      <p:par>
+        <p:cTn id="1" dur="indefinite" restart="never" nodeType="tmRoot"/>
+      </p:par>
+    </p:tnLst>
+  </p:timing>
+</p:sld>
+</file>
+
+<file path=ppt/slides/slide20.xml><?xml version="1.0" encoding="utf-8"?>
+<p:sld xmlns:a="http://schemas.openxmlformats.org/drawingml/2006/main" xmlns:r="http://schemas.openxmlformats.org/officeDocument/2006/relationships" xmlns:p="http://schemas.openxmlformats.org/presentationml/2006/main">
+  <p:cSld>
+    <p:spTree>
+      <p:nvGrpSpPr>
+        <p:cNvPr id="1" name=""/>
+        <p:cNvGrpSpPr/>
+        <p:nvPr/>
+      </p:nvGrpSpPr>
+      <p:grpSpPr>
+        <a:xfrm>
+          <a:off x="0" y="0"/>
+          <a:ext cx="0" cy="0"/>
+          <a:chOff x="0" y="0"/>
+          <a:chExt cx="0" cy="0"/>
+        </a:xfrm>
+      </p:grpSpPr>
+      <p:pic>
+        <p:nvPicPr>
+          <p:cNvPr id="4" name="Picture 3"/>
+          <p:cNvPicPr>
+            <a:picLocks noChangeAspect="1"/>
+          </p:cNvPicPr>
+          <p:nvPr/>
+        </p:nvPicPr>
+        <p:blipFill>
+          <a:blip r:embed="rId2"/>
+          <a:stretch>
+            <a:fillRect/>
+          </a:stretch>
+        </p:blipFill>
+        <p:spPr>
+          <a:xfrm>
+            <a:off x="1170359" y="1459086"/>
+            <a:ext cx="9986300" cy="4866020"/>
+          </a:xfrm>
+          <a:prstGeom prst="rect">
+            <a:avLst/>
+          </a:prstGeom>
+        </p:spPr>
+      </p:pic>
+      <p:sp>
+        <p:nvSpPr>
+          <p:cNvPr id="5" name="Title 4"/>
+          <p:cNvSpPr>
+            <a:spLocks noGrp="1"/>
+          </p:cNvSpPr>
+          <p:nvPr>
+            <p:ph type="title"/>
+          </p:nvPr>
+        </p:nvSpPr>
+        <p:spPr/>
+        <p:txBody>
+          <a:bodyPr/>
+          <a:lstStyle/>
+          <a:p>
+            <a:r>
+              <a:rPr lang="bg-BG" dirty="0" smtClean="0"/>
+              <a:t>Negative Sampling</a:t>
+            </a:r>
+            <a:endParaRPr lang="en-US" dirty="0"/>
+          </a:p>
+        </p:txBody>
+      </p:sp>
+      <p:sp>
+        <p:nvSpPr>
+          <p:cNvPr id="6" name="TextBox 5"/>
+          <p:cNvSpPr txBox="1"/>
+          <p:nvPr/>
+        </p:nvSpPr>
+        <p:spPr>
+          <a:xfrm>
+            <a:off x="9753731" y="6333801"/>
+            <a:ext cx="1524776" cy="369332"/>
+          </a:xfrm>
+          <a:prstGeom prst="rect">
+            <a:avLst/>
+          </a:prstGeom>
+          <a:noFill/>
+        </p:spPr>
+        <p:txBody>
+          <a:bodyPr wrap="none" rtlCol="0">
+            <a:spAutoFit/>
+          </a:bodyPr>
+          <a:lstStyle/>
+          <a:p>
+            <a:r>
+              <a:rPr lang="bg-BG" dirty="0" smtClean="0"/>
+              <a:t>[Greg Durrett]</a:t>
+            </a:r>
+            <a:endParaRPr lang="en-US" dirty="0" smtClean="0"/>
+          </a:p>
+        </p:txBody>
+      </p:sp>
+    </p:spTree>
+    <p:extLst>
+      <p:ext uri="{BB962C8B-B14F-4D97-AF65-F5344CB8AC3E}">
+        <p14:creationId xmlns:p14="http://schemas.microsoft.com/office/powerpoint/2010/main" val="1463075855"/>
+      </p:ext>
+    </p:extLst>
+  </p:cSld>
+  <p:clrMapOvr>
+    <a:masterClrMapping/>
+  </p:clrMapOvr>
+  <p:timing>
+    <p:tnLst>
+      <p:par>
+        <p:cTn id="1" dur="indefinite" restart="never" nodeType="tmRoot"/>
+      </p:par>
+    </p:tnLst>
+  </p:timing>
+</p:sld>
+</file>
+
+<file path=ppt/slides/slide21.xml><?xml version="1.0" encoding="utf-8"?>
+<p:sld xmlns:a="http://schemas.openxmlformats.org/drawingml/2006/main" xmlns:r="http://schemas.openxmlformats.org/officeDocument/2006/relationships" xmlns:p="http://schemas.openxmlformats.org/presentationml/2006/main">
+  <p:cSld>
+    <p:spTree>
+      <p:nvGrpSpPr>
+        <p:cNvPr id="1" name=""/>
+        <p:cNvGrpSpPr/>
+        <p:nvPr/>
+      </p:nvGrpSpPr>
+      <p:grpSpPr>
+        <a:xfrm>
+          <a:off x="0" y="0"/>
+          <a:ext cx="0" cy="0"/>
+          <a:chOff x="0" y="0"/>
+          <a:chExt cx="0" cy="0"/>
+        </a:xfrm>
+      </p:grpSpPr>
+      <p:pic>
+        <p:nvPicPr>
+          <p:cNvPr id="5" name="Picture 4"/>
+          <p:cNvPicPr>
+            <a:picLocks noChangeAspect="1"/>
+          </p:cNvPicPr>
+          <p:nvPr/>
+        </p:nvPicPr>
+        <p:blipFill>
+          <a:blip r:embed="rId2"/>
+          <a:stretch>
+            <a:fillRect/>
+          </a:stretch>
+        </p:blipFill>
+        <p:spPr>
+          <a:xfrm>
+            <a:off x="1085769" y="1367238"/>
+            <a:ext cx="9581014" cy="4747811"/>
+          </a:xfrm>
+          <a:prstGeom prst="rect">
+            <a:avLst/>
+          </a:prstGeom>
+        </p:spPr>
+      </p:pic>
+      <p:sp>
+        <p:nvSpPr>
+          <p:cNvPr id="6" name="Title 5"/>
+          <p:cNvSpPr>
+            <a:spLocks noGrp="1"/>
+          </p:cNvSpPr>
+          <p:nvPr>
+            <p:ph type="title"/>
+          </p:nvPr>
+        </p:nvSpPr>
+        <p:spPr/>
+        <p:txBody>
+          <a:bodyPr/>
+          <a:lstStyle/>
+          <a:p>
+            <a:r>
+              <a:rPr lang="bg-BG" dirty="0" smtClean="0"/>
+              <a:t>Negative Sampling</a:t>
+            </a:r>
+            <a:endParaRPr lang="en-US" dirty="0"/>
+          </a:p>
+        </p:txBody>
+      </p:sp>
+      <p:sp>
+        <p:nvSpPr>
+          <p:cNvPr id="4" name="TextBox 3"/>
+          <p:cNvSpPr txBox="1"/>
+          <p:nvPr/>
+        </p:nvSpPr>
+        <p:spPr>
+          <a:xfrm>
+            <a:off x="9753731" y="6333801"/>
+            <a:ext cx="1524776" cy="369332"/>
+          </a:xfrm>
+          <a:prstGeom prst="rect">
+            <a:avLst/>
+          </a:prstGeom>
+          <a:noFill/>
+        </p:spPr>
+        <p:txBody>
+          <a:bodyPr wrap="none" rtlCol="0">
+            <a:spAutoFit/>
+          </a:bodyPr>
+          <a:lstStyle/>
+          <a:p>
+            <a:r>
+              <a:rPr lang="bg-BG" dirty="0" smtClean="0"/>
+              <a:t>[Greg Durrett]</a:t>
+            </a:r>
+            <a:endParaRPr lang="en-US" dirty="0" smtClean="0"/>
+          </a:p>
+        </p:txBody>
+      </p:sp>
+    </p:spTree>
+    <p:extLst>
+      <p:ext uri="{BB962C8B-B14F-4D97-AF65-F5344CB8AC3E}">
+        <p14:creationId xmlns:p14="http://schemas.microsoft.com/office/powerpoint/2010/main" val="2740024504"/>
+      </p:ext>
+    </p:extLst>
+  </p:cSld>
+  <p:clrMapOvr>
+    <a:masterClrMapping/>
+  </p:clrMapOvr>
+  <p:timing>
+    <p:tnLst>
+      <p:par>
+        <p:cTn id="1" dur="indefinite" restart="never" nodeType="tmRoot"/>
+      </p:par>
+    </p:tnLst>
+  </p:timing>
+</p:sld>
+</file>
+
+<file path=ppt/slides/slide22.xml><?xml version="1.0" encoding="utf-8"?>
+<p:sld xmlns:a="http://schemas.openxmlformats.org/drawingml/2006/main" xmlns:r="http://schemas.openxmlformats.org/officeDocument/2006/relationships" xmlns:p="http://schemas.openxmlformats.org/presentationml/2006/main">
+  <p:cSld>
+    <p:spTree>
+      <p:nvGrpSpPr>
+        <p:cNvPr id="1" name=""/>
+        <p:cNvGrpSpPr/>
+        <p:nvPr/>
+      </p:nvGrpSpPr>
+      <p:grpSpPr>
+        <a:xfrm>
+          <a:off x="0" y="0"/>
+          <a:ext cx="0" cy="0"/>
+          <a:chOff x="0" y="0"/>
+          <a:chExt cx="0" cy="0"/>
+        </a:xfrm>
+      </p:grpSpPr>
       <p:sp>
         <p:nvSpPr>
           <p:cNvPr id="2" name="Title 1"/>
@@ -10170,16 +11121,20 @@
         </p:nvSpPr>
         <p:spPr/>
         <p:txBody>
-          <a:bodyPr lIns="91438" tIns="45719" rIns="91438" bIns="45719"/>
+          <a:bodyPr/>
           <a:lstStyle/>
           <a:p>
             <a:r>
               <a:rPr lang="en-US" dirty="0" smtClean="0"/>
-              <a:t>Evaluating </a:t>
+              <a:t>WEVI (Xin </a:t>
             </a:r>
             <a:r>
               <a:rPr lang="en-US" dirty="0" err="1" smtClean="0"/>
-              <a:t>Embeddings</a:t>
+              <a:t>Rong</a:t>
+            </a:r>
+            <a:r>
+              <a:rPr lang="en-US" dirty="0" smtClean="0"/>
+              <a:t>)</a:t>
             </a:r>
             <a:endParaRPr lang="en-US" dirty="0"/>
           </a:p>
@@ -10200,6 +11155,334 @@
           <a:bodyPr/>
           <a:lstStyle/>
           <a:p>
+            <a:pPr marL="0" indent="0">
+              <a:buNone/>
+            </a:pPr>
+            <a:r>
+              <a:rPr lang="en-US" dirty="0">
+                <a:hlinkClick r:id="rId2"/>
+              </a:rPr>
+              <a:t>https://ronxin.github.io/wevi</a:t>
+            </a:r>
+            <a:r>
+              <a:rPr lang="en-US" dirty="0" smtClean="0">
+                <a:hlinkClick r:id="rId2"/>
+              </a:rPr>
+              <a:t>/</a:t>
+            </a:r>
+            <a:r>
+              <a:rPr lang="en-US" dirty="0" smtClean="0"/>
+              <a:t> </a:t>
+            </a:r>
+            <a:endParaRPr lang="en-US" dirty="0"/>
+          </a:p>
+        </p:txBody>
+      </p:sp>
+      <p:pic>
+        <p:nvPicPr>
+          <p:cNvPr id="4" name="Picture 3"/>
+          <p:cNvPicPr>
+            <a:picLocks noChangeAspect="1"/>
+          </p:cNvPicPr>
+          <p:nvPr/>
+        </p:nvPicPr>
+        <p:blipFill>
+          <a:blip r:embed="rId3"/>
+          <a:stretch>
+            <a:fillRect/>
+          </a:stretch>
+        </p:blipFill>
+        <p:spPr>
+          <a:xfrm>
+            <a:off x="6574971" y="2114884"/>
+            <a:ext cx="5451965" cy="3627261"/>
+          </a:xfrm>
+          <a:prstGeom prst="rect">
+            <a:avLst/>
+          </a:prstGeom>
+        </p:spPr>
+      </p:pic>
+      <p:sp>
+        <p:nvSpPr>
+          <p:cNvPr id="5" name="Rectangle 4"/>
+          <p:cNvSpPr/>
+          <p:nvPr/>
+        </p:nvSpPr>
+        <p:spPr>
+          <a:xfrm>
+            <a:off x="226024" y="4203952"/>
+            <a:ext cx="6230476" cy="1200329"/>
+          </a:xfrm>
+          <a:prstGeom prst="rect">
+            <a:avLst/>
+          </a:prstGeom>
+        </p:spPr>
+        <p:txBody>
+          <a:bodyPr wrap="square">
+            <a:spAutoFit/>
+          </a:bodyPr>
+          <a:lstStyle/>
+          <a:p>
+            <a:r>
+              <a:rPr lang="en-US" sz="2400" dirty="0" err="1"/>
+              <a:t>eat|apple</a:t>
+            </a:r>
+            <a:r>
+              <a:rPr lang="en-US" sz="2400" dirty="0" smtClean="0"/>
+              <a:t>, </a:t>
+            </a:r>
+            <a:r>
+              <a:rPr lang="en-US" sz="2400" dirty="0" err="1" smtClean="0"/>
+              <a:t>eat|orange</a:t>
+            </a:r>
+            <a:r>
+              <a:rPr lang="en-US" sz="2400" dirty="0" smtClean="0"/>
+              <a:t>, </a:t>
+            </a:r>
+            <a:r>
+              <a:rPr lang="en-US" sz="2400" dirty="0" err="1" smtClean="0"/>
+              <a:t>eat|rice</a:t>
+            </a:r>
+            <a:r>
+              <a:rPr lang="en-US" sz="2400" dirty="0" smtClean="0"/>
+              <a:t>, </a:t>
+            </a:r>
+            <a:r>
+              <a:rPr lang="en-US" sz="2400" dirty="0" err="1" smtClean="0"/>
+              <a:t>drink|juice</a:t>
+            </a:r>
+            <a:r>
+              <a:rPr lang="en-US" sz="2400" dirty="0" smtClean="0"/>
+              <a:t>, </a:t>
+            </a:r>
+            <a:r>
+              <a:rPr lang="en-US" sz="2400" dirty="0" err="1" smtClean="0"/>
+              <a:t>drink|milk</a:t>
+            </a:r>
+            <a:r>
+              <a:rPr lang="en-US" sz="2400" dirty="0" smtClean="0"/>
+              <a:t>, </a:t>
+            </a:r>
+            <a:r>
+              <a:rPr lang="en-US" sz="2400" dirty="0" err="1" smtClean="0"/>
+              <a:t>drink|water</a:t>
+            </a:r>
+            <a:r>
+              <a:rPr lang="en-US" sz="2400" dirty="0" smtClean="0"/>
+              <a:t>, </a:t>
+            </a:r>
+            <a:r>
+              <a:rPr lang="en-US" sz="2400" dirty="0" err="1" smtClean="0"/>
+              <a:t>orange|juice</a:t>
+            </a:r>
+            <a:r>
+              <a:rPr lang="en-US" sz="2400" dirty="0" smtClean="0"/>
+              <a:t>, </a:t>
+            </a:r>
+            <a:r>
+              <a:rPr lang="en-US" sz="2400" dirty="0" err="1" smtClean="0"/>
+              <a:t>apple|juice</a:t>
+            </a:r>
+            <a:r>
+              <a:rPr lang="en-US" sz="2400" dirty="0" smtClean="0"/>
+              <a:t>, </a:t>
+            </a:r>
+            <a:r>
+              <a:rPr lang="en-US" sz="2400" dirty="0" err="1" smtClean="0"/>
+              <a:t>rice|milk</a:t>
+            </a:r>
+            <a:r>
+              <a:rPr lang="en-US" sz="2400" dirty="0" smtClean="0"/>
+              <a:t>, </a:t>
+            </a:r>
+            <a:r>
+              <a:rPr lang="en-US" sz="2400" dirty="0" err="1" smtClean="0"/>
+              <a:t>milk|drink</a:t>
+            </a:r>
+            <a:r>
+              <a:rPr lang="en-US" sz="2400" dirty="0" smtClean="0"/>
+              <a:t>, </a:t>
+            </a:r>
+            <a:r>
+              <a:rPr lang="en-US" sz="2400" dirty="0" err="1" smtClean="0"/>
+              <a:t>water|drink</a:t>
+            </a:r>
+            <a:r>
+              <a:rPr lang="en-US" sz="2400" dirty="0" smtClean="0"/>
+              <a:t>, </a:t>
+            </a:r>
+            <a:r>
+              <a:rPr lang="en-US" sz="2400" dirty="0" err="1" smtClean="0"/>
+              <a:t>juice|drink</a:t>
+            </a:r>
+            <a:endParaRPr lang="en-US" sz="2400" dirty="0"/>
+          </a:p>
+        </p:txBody>
+      </p:sp>
+    </p:spTree>
+    <p:extLst>
+      <p:ext uri="{BB962C8B-B14F-4D97-AF65-F5344CB8AC3E}">
+        <p14:creationId xmlns:p14="http://schemas.microsoft.com/office/powerpoint/2010/main" val="234397205"/>
+      </p:ext>
+    </p:extLst>
+  </p:cSld>
+  <p:clrMapOvr>
+    <a:masterClrMapping/>
+  </p:clrMapOvr>
+  <p:timing>
+    <p:tnLst>
+      <p:par>
+        <p:cTn id="1" dur="indefinite" restart="never" nodeType="tmRoot"/>
+      </p:par>
+    </p:tnLst>
+  </p:timing>
+</p:sld>
+</file>
+
+<file path=ppt/slides/slide23.xml><?xml version="1.0" encoding="utf-8"?>
+<p:sld xmlns:a="http://schemas.openxmlformats.org/drawingml/2006/main" xmlns:r="http://schemas.openxmlformats.org/officeDocument/2006/relationships" xmlns:p="http://schemas.openxmlformats.org/presentationml/2006/main">
+  <p:cSld>
+    <p:spTree>
+      <p:nvGrpSpPr>
+        <p:cNvPr id="1" name=""/>
+        <p:cNvGrpSpPr/>
+        <p:nvPr/>
+      </p:nvGrpSpPr>
+      <p:grpSpPr>
+        <a:xfrm>
+          <a:off x="0" y="0"/>
+          <a:ext cx="0" cy="0"/>
+          <a:chOff x="0" y="0"/>
+          <a:chExt cx="0" cy="0"/>
+        </a:xfrm>
+      </p:grpSpPr>
+      <p:pic>
+        <p:nvPicPr>
+          <p:cNvPr id="5" name="Picture 4"/>
+          <p:cNvPicPr>
+            <a:picLocks noChangeAspect="1"/>
+          </p:cNvPicPr>
+          <p:nvPr/>
+        </p:nvPicPr>
+        <p:blipFill>
+          <a:blip r:embed="rId2"/>
+          <a:stretch>
+            <a:fillRect/>
+          </a:stretch>
+        </p:blipFill>
+        <p:spPr>
+          <a:xfrm>
+            <a:off x="80553" y="1378131"/>
+            <a:ext cx="5638800" cy="4114800"/>
+          </a:xfrm>
+          <a:prstGeom prst="rect">
+            <a:avLst/>
+          </a:prstGeom>
+        </p:spPr>
+      </p:pic>
+      <p:pic>
+        <p:nvPicPr>
+          <p:cNvPr id="6" name="Picture 5"/>
+          <p:cNvPicPr>
+            <a:picLocks noChangeAspect="1"/>
+          </p:cNvPicPr>
+          <p:nvPr/>
+        </p:nvPicPr>
+        <p:blipFill>
+          <a:blip r:embed="rId3"/>
+          <a:stretch>
+            <a:fillRect/>
+          </a:stretch>
+        </p:blipFill>
+        <p:spPr>
+          <a:xfrm>
+            <a:off x="5980611" y="1378131"/>
+            <a:ext cx="6115050" cy="4286250"/>
+          </a:xfrm>
+          <a:prstGeom prst="rect">
+            <a:avLst/>
+          </a:prstGeom>
+        </p:spPr>
+      </p:pic>
+    </p:spTree>
+    <p:extLst>
+      <p:ext uri="{BB962C8B-B14F-4D97-AF65-F5344CB8AC3E}">
+        <p14:creationId xmlns:p14="http://schemas.microsoft.com/office/powerpoint/2010/main" val="3754174213"/>
+      </p:ext>
+    </p:extLst>
+  </p:cSld>
+  <p:clrMapOvr>
+    <a:masterClrMapping/>
+  </p:clrMapOvr>
+  <p:timing>
+    <p:tnLst>
+      <p:par>
+        <p:cTn id="1" dur="indefinite" restart="never" nodeType="tmRoot"/>
+      </p:par>
+    </p:tnLst>
+  </p:timing>
+</p:sld>
+</file>
+
+<file path=ppt/slides/slide24.xml><?xml version="1.0" encoding="utf-8"?>
+<p:sld xmlns:a="http://schemas.openxmlformats.org/drawingml/2006/main" xmlns:r="http://schemas.openxmlformats.org/officeDocument/2006/relationships" xmlns:p="http://schemas.openxmlformats.org/presentationml/2006/main">
+  <p:cSld>
+    <p:spTree>
+      <p:nvGrpSpPr>
+        <p:cNvPr id="1" name=""/>
+        <p:cNvGrpSpPr/>
+        <p:nvPr/>
+      </p:nvGrpSpPr>
+      <p:grpSpPr>
+        <a:xfrm>
+          <a:off x="0" y="0"/>
+          <a:ext cx="0" cy="0"/>
+          <a:chOff x="0" y="0"/>
+          <a:chExt cx="0" cy="0"/>
+        </a:xfrm>
+      </p:grpSpPr>
+      <p:sp>
+        <p:nvSpPr>
+          <p:cNvPr id="2" name="Title 1"/>
+          <p:cNvSpPr>
+            <a:spLocks noGrp="1"/>
+          </p:cNvSpPr>
+          <p:nvPr>
+            <p:ph type="title"/>
+          </p:nvPr>
+        </p:nvSpPr>
+        <p:spPr/>
+        <p:txBody>
+          <a:bodyPr lIns="91438" tIns="45719" rIns="91438" bIns="45719"/>
+          <a:lstStyle/>
+          <a:p>
+            <a:r>
+              <a:rPr lang="en-US" dirty="0" smtClean="0"/>
+              <a:t>Evaluating </a:t>
+            </a:r>
+            <a:r>
+              <a:rPr lang="en-US" dirty="0" err="1" smtClean="0"/>
+              <a:t>Embeddings</a:t>
+            </a:r>
+            <a:endParaRPr lang="en-US" dirty="0"/>
+          </a:p>
+        </p:txBody>
+      </p:sp>
+      <p:sp>
+        <p:nvSpPr>
+          <p:cNvPr id="3" name="Content Placeholder 2"/>
+          <p:cNvSpPr>
+            <a:spLocks noGrp="1"/>
+          </p:cNvSpPr>
+          <p:nvPr>
+            <p:ph idx="1"/>
+          </p:nvPr>
+        </p:nvSpPr>
+        <p:spPr/>
+        <p:txBody>
+          <a:bodyPr/>
+          <a:lstStyle/>
+          <a:p>
             <a:r>
               <a:rPr lang="en-US" dirty="0" smtClean="0"/>
               <a:t>Nearest Neighbors</a:t>
@@ -10207,42 +11490,176 @@
           </a:p>
           <a:p>
             <a:r>
-              <a:rPr lang="en-US" dirty="0" smtClean="0"/>
-              <a:t>Analogies</a:t>
-            </a:r>
-          </a:p>
-          <a:p>
-            <a:pPr lvl="1"/>
-            <a:r>
-              <a:rPr lang="en-US" dirty="0" smtClean="0"/>
-              <a:t>(A:B):</a:t>
+              <a:rPr lang="en-US" dirty="0">
+                <a:sym typeface="Wingdings" panose="05000000000000000000" pitchFamily="2" charset="2"/>
+              </a:rPr>
+              <a:t>Information </a:t>
             </a:r>
             <a:r>
               <a:rPr lang="en-US" dirty="0" smtClean="0">
                 <a:sym typeface="Wingdings" panose="05000000000000000000" pitchFamily="2" charset="2"/>
               </a:rPr>
-              <a:t>:(C:?)</a:t>
-            </a:r>
-          </a:p>
-          <a:p>
+              <a:t>Retrieval</a:t>
+            </a:r>
+            <a:endParaRPr lang="en-US" dirty="0" smtClean="0"/>
+          </a:p>
+          <a:p>
+            <a:r>
+              <a:rPr lang="en-US" dirty="0" smtClean="0"/>
+              <a:t>Analogies</a:t>
+            </a:r>
+          </a:p>
+          <a:p>
+            <a:pPr lvl="1"/>
+            <a:r>
+              <a:rPr lang="en-US" dirty="0" smtClean="0"/>
+              <a:t>(</a:t>
+            </a:r>
+            <a:r>
+              <a:rPr lang="en-US" dirty="0" err="1" smtClean="0"/>
+              <a:t>a:b</a:t>
+            </a:r>
+            <a:r>
+              <a:rPr lang="en-US" dirty="0" smtClean="0"/>
+              <a:t>):</a:t>
+            </a:r>
             <a:r>
               <a:rPr lang="en-US" dirty="0" smtClean="0">
                 <a:sym typeface="Wingdings" panose="05000000000000000000" pitchFamily="2" charset="2"/>
               </a:rPr>
-              <a:t>Information Retrieval</a:t>
-            </a:r>
-          </a:p>
-          <a:p>
+              <a:t>:(c:?)</a:t>
+            </a:r>
+          </a:p>
+        </p:txBody>
+      </p:sp>
+      <p:pic>
+        <p:nvPicPr>
+          <p:cNvPr id="5" name="Picture 4"/>
+          <p:cNvPicPr>
+            <a:picLocks noChangeAspect="1"/>
+          </p:cNvPicPr>
+          <p:nvPr/>
+        </p:nvPicPr>
+        <p:blipFill>
+          <a:blip r:embed="rId2"/>
+          <a:stretch>
+            <a:fillRect/>
+          </a:stretch>
+        </p:blipFill>
+        <p:spPr>
+          <a:xfrm>
+            <a:off x="4462474" y="3447772"/>
+            <a:ext cx="4152900" cy="1038225"/>
+          </a:xfrm>
+          <a:prstGeom prst="rect">
+            <a:avLst/>
+          </a:prstGeom>
+        </p:spPr>
+      </p:pic>
+      <p:sp>
+        <p:nvSpPr>
+          <p:cNvPr id="6" name="Rectangle 5"/>
+          <p:cNvSpPr/>
+          <p:nvPr/>
+        </p:nvSpPr>
+        <p:spPr>
+          <a:xfrm>
+            <a:off x="3378740" y="6124912"/>
+            <a:ext cx="8333361" cy="369332"/>
+          </a:xfrm>
+          <a:prstGeom prst="rect">
+            <a:avLst/>
+          </a:prstGeom>
+        </p:spPr>
+        <p:txBody>
+          <a:bodyPr wrap="square">
+            <a:spAutoFit/>
+          </a:bodyPr>
+          <a:lstStyle/>
+          <a:p>
+            <a:r>
+              <a:rPr lang="en-US" dirty="0"/>
+              <a:t>https://github.com/nicholas-leonard/word2vec/blob/master/questions-words.txt</a:t>
+            </a:r>
+          </a:p>
+        </p:txBody>
+      </p:sp>
+      <p:sp>
+        <p:nvSpPr>
+          <p:cNvPr id="8" name="TextBox 7"/>
+          <p:cNvSpPr txBox="1"/>
+          <p:nvPr/>
+        </p:nvSpPr>
+        <p:spPr>
+          <a:xfrm>
+            <a:off x="1830262" y="4705290"/>
+            <a:ext cx="7696338" cy="1200329"/>
+          </a:xfrm>
+          <a:prstGeom prst="rect">
+            <a:avLst/>
+          </a:prstGeom>
+          <a:noFill/>
+        </p:spPr>
+        <p:txBody>
+          <a:bodyPr wrap="none" rtlCol="0">
+            <a:spAutoFit/>
+          </a:bodyPr>
+          <a:lstStyle/>
+          <a:p>
+            <a:r>
+              <a:rPr lang="en-US" dirty="0">
+                <a:latin typeface="Courier" pitchFamily="49" charset="0"/>
+              </a:rPr>
+              <a:t>Minsk Belarus </a:t>
+            </a:r>
             <a:r>
               <a:rPr lang="en-US" dirty="0" smtClean="0">
-                <a:sym typeface="Wingdings" panose="05000000000000000000" pitchFamily="2" charset="2"/>
+                <a:latin typeface="Courier" pitchFamily="49" charset="0"/>
               </a:rPr>
-              <a:t>Semantic Hashing</a:t>
-            </a:r>
-          </a:p>
-          <a:p>
-            <a:pPr lvl="1"/>
-            <a:endParaRPr lang="en-US" dirty="0" smtClean="0"/>
+              <a:t>			Rabat Morocco</a:t>
+            </a:r>
+          </a:p>
+          <a:p>
+            <a:r>
+              <a:rPr lang="en-US" dirty="0" smtClean="0">
+                <a:latin typeface="Courier" pitchFamily="49" charset="0"/>
+              </a:rPr>
+              <a:t>Denver Colorado 			Sacramento California</a:t>
+            </a:r>
+          </a:p>
+          <a:p>
+            <a:r>
+              <a:rPr lang="en-US" dirty="0">
+                <a:latin typeface="Courier" pitchFamily="49" charset="0"/>
+              </a:rPr>
+              <a:t>professional professionally </a:t>
+            </a:r>
+            <a:r>
+              <a:rPr lang="en-US" dirty="0" smtClean="0">
+                <a:latin typeface="Courier" pitchFamily="49" charset="0"/>
+              </a:rPr>
+              <a:t>	most mostly</a:t>
+            </a:r>
+          </a:p>
+          <a:p>
+            <a:r>
+              <a:rPr lang="en-US" dirty="0">
+                <a:latin typeface="Courier" pitchFamily="49" charset="0"/>
+              </a:rPr>
+              <a:t>Moldova Moldovan </a:t>
+            </a:r>
+            <a:r>
+              <a:rPr lang="en-US" dirty="0" smtClean="0">
+                <a:latin typeface="Courier" pitchFamily="49" charset="0"/>
+              </a:rPr>
+              <a:t>			Greece </a:t>
+            </a:r>
+            <a:r>
+              <a:rPr lang="en-US" dirty="0">
+                <a:latin typeface="Courier" pitchFamily="49" charset="0"/>
+              </a:rPr>
+              <a:t>Greek</a:t>
+            </a:r>
           </a:p>
         </p:txBody>
       </p:sp>
@@ -10266,7 +11683,7 @@
 </p:sld>
 </file>
 
-<file path=ppt/slides/slide17.xml><?xml version="1.0" encoding="utf-8"?>
+<file path=ppt/slides/slide25.xml><?xml version="1.0" encoding="utf-8"?>
 <p:sld xmlns:a="http://schemas.openxmlformats.org/drawingml/2006/main" xmlns:r="http://schemas.openxmlformats.org/officeDocument/2006/relationships" xmlns:p="http://schemas.openxmlformats.org/presentationml/2006/main">
   <p:cSld>
     <p:spTree>
@@ -10388,7 +11805,7 @@
 </p:sld>
 </file>
 
-<file path=ppt/slides/slide18.xml><?xml version="1.0" encoding="utf-8"?>
+<file path=ppt/slides/slide26.xml><?xml version="1.0" encoding="utf-8"?>
 <p:sld xmlns:a="http://schemas.openxmlformats.org/drawingml/2006/main" xmlns:r="http://schemas.openxmlformats.org/officeDocument/2006/relationships" xmlns:p="http://schemas.openxmlformats.org/presentationml/2006/main">
   <p:cSld>
     <p:spTree>
@@ -10487,7 +11904,7 @@
 </p:sld>
 </file>
 
-<file path=ppt/slides/slide19.xml><?xml version="1.0" encoding="utf-8"?>
+<file path=ppt/slides/slide27.xml><?xml version="1.0" encoding="utf-8"?>
 <p:sld xmlns:a="http://schemas.openxmlformats.org/drawingml/2006/main" xmlns:r="http://schemas.openxmlformats.org/officeDocument/2006/relationships" xmlns:p="http://schemas.openxmlformats.org/presentationml/2006/main">
   <p:cSld>
     <p:spTree>
@@ -10639,7 +12056,7 @@
 </p:sld>
 </file>
 
-<file path=ppt/slides/slide2.xml><?xml version="1.0" encoding="utf-8"?>
+<file path=ppt/slides/slide28.xml><?xml version="1.0" encoding="utf-8"?>
 <p:sld xmlns:a="http://schemas.openxmlformats.org/drawingml/2006/main" xmlns:r="http://schemas.openxmlformats.org/officeDocument/2006/relationships" xmlns:p="http://schemas.openxmlformats.org/presentationml/2006/main">
   <p:cSld>
     <p:spTree>
@@ -10658,77 +12075,6 @@
       </p:grpSpPr>
       <p:sp>
         <p:nvSpPr>
-          <p:cNvPr id="3" name="Subtitle 2"/>
-          <p:cNvSpPr>
-            <a:spLocks noGrp="1"/>
-          </p:cNvSpPr>
-          <p:nvPr>
-            <p:ph type="subTitle" idx="1"/>
-          </p:nvPr>
-        </p:nvSpPr>
-        <p:spPr/>
-        <p:txBody>
-          <a:bodyPr/>
-          <a:lstStyle/>
-          <a:p>
-            <a:r>
-              <a:rPr lang="en-US" dirty="0" smtClean="0"/>
-              <a:t>Word Embeddings</a:t>
-            </a:r>
-            <a:endParaRPr lang="en-US" dirty="0"/>
-          </a:p>
-        </p:txBody>
-      </p:sp>
-      <p:sp>
-        <p:nvSpPr>
-          <p:cNvPr id="4" name="Title 3"/>
-          <p:cNvSpPr>
-            <a:spLocks noGrp="1"/>
-          </p:cNvSpPr>
-          <p:nvPr>
-            <p:ph type="ctrTitle"/>
-          </p:nvPr>
-        </p:nvSpPr>
-        <p:spPr/>
-        <p:txBody>
-          <a:bodyPr/>
-          <a:lstStyle/>
-          <a:p>
-            <a:r>
-              <a:rPr lang="en-US" dirty="0" smtClean="0"/>
-              <a:t>Deep Learning</a:t>
-            </a:r>
-            <a:endParaRPr lang="en-US" dirty="0"/>
-          </a:p>
-        </p:txBody>
-      </p:sp>
-    </p:spTree>
-  </p:cSld>
-  <p:clrMapOvr>
-    <a:masterClrMapping/>
-  </p:clrMapOvr>
-</p:sld>
-</file>
-
-<file path=ppt/slides/slide20.xml><?xml version="1.0" encoding="utf-8"?>
-<p:sld xmlns:a="http://schemas.openxmlformats.org/drawingml/2006/main" xmlns:r="http://schemas.openxmlformats.org/officeDocument/2006/relationships" xmlns:p="http://schemas.openxmlformats.org/presentationml/2006/main">
-  <p:cSld>
-    <p:spTree>
-      <p:nvGrpSpPr>
-        <p:cNvPr id="1" name=""/>
-        <p:cNvGrpSpPr/>
-        <p:nvPr/>
-      </p:nvGrpSpPr>
-      <p:grpSpPr>
-        <a:xfrm>
-          <a:off x="0" y="0"/>
-          <a:ext cx="0" cy="0"/>
-          <a:chOff x="0" y="0"/>
-          <a:chExt cx="0" cy="0"/>
-        </a:xfrm>
-      </p:grpSpPr>
-      <p:sp>
-        <p:nvSpPr>
           <p:cNvPr id="2" name="Title 1"/>
           <p:cNvSpPr>
             <a:spLocks noGrp="1"/>
@@ -10737,60 +12083,19 @@
             <p:ph type="title"/>
           </p:nvPr>
         </p:nvSpPr>
-        <p:spPr/>
+        <p:spPr>
+          <a:xfrm>
+            <a:off x="358123" y="299558"/>
+            <a:ext cx="11243733" cy="935791"/>
+          </a:xfrm>
+        </p:spPr>
         <p:txBody>
           <a:bodyPr/>
           <a:lstStyle/>
           <a:p>
             <a:r>
-              <a:rPr lang="en-US" dirty="0" smtClean="0"/>
-              <a:t>WEVI (Xin </a:t>
-            </a:r>
-            <a:r>
-              <a:rPr lang="en-US" dirty="0" err="1" smtClean="0"/>
-              <a:t>Rong</a:t>
-            </a:r>
-            <a:r>
-              <a:rPr lang="en-US" dirty="0" smtClean="0"/>
-              <a:t>)</a:t>
-            </a:r>
-            <a:endParaRPr lang="en-US" dirty="0"/>
-          </a:p>
-        </p:txBody>
-      </p:sp>
-      <p:sp>
-        <p:nvSpPr>
-          <p:cNvPr id="3" name="Content Placeholder 2"/>
-          <p:cNvSpPr>
-            <a:spLocks noGrp="1"/>
-          </p:cNvSpPr>
-          <p:nvPr>
-            <p:ph idx="1"/>
-          </p:nvPr>
-        </p:nvSpPr>
-        <p:spPr/>
-        <p:txBody>
-          <a:bodyPr/>
-          <a:lstStyle/>
-          <a:p>
-            <a:pPr marL="0" indent="0">
-              <a:buNone/>
-            </a:pPr>
-            <a:r>
-              <a:rPr lang="en-US" dirty="0">
-                <a:hlinkClick r:id="rId2"/>
-              </a:rPr>
-              <a:t>https://ronxin.github.io/wevi</a:t>
-            </a:r>
-            <a:r>
-              <a:rPr lang="en-US" dirty="0" smtClean="0">
-                <a:hlinkClick r:id="rId2"/>
-              </a:rPr>
-              <a:t>/</a:t>
-            </a:r>
-            <a:r>
-              <a:rPr lang="en-US" dirty="0" smtClean="0"/>
-              <a:t> </a:t>
+              <a:rPr lang="bg-BG" dirty="0" smtClean="0"/>
+              <a:t>Multiple Senses</a:t>
             </a:r>
             <a:endParaRPr lang="en-US" dirty="0"/>
           </a:p>
@@ -10799,177 +12104,6 @@
       <p:pic>
         <p:nvPicPr>
           <p:cNvPr id="4" name="Picture 3"/>
-          <p:cNvPicPr>
-            <a:picLocks noChangeAspect="1"/>
-          </p:cNvPicPr>
-          <p:nvPr/>
-        </p:nvPicPr>
-        <p:blipFill>
-          <a:blip r:embed="rId3"/>
-          <a:stretch>
-            <a:fillRect/>
-          </a:stretch>
-        </p:blipFill>
-        <p:spPr>
-          <a:xfrm>
-            <a:off x="6574971" y="2114884"/>
-            <a:ext cx="5451965" cy="3627261"/>
-          </a:xfrm>
-          <a:prstGeom prst="rect">
-            <a:avLst/>
-          </a:prstGeom>
-        </p:spPr>
-      </p:pic>
-      <p:sp>
-        <p:nvSpPr>
-          <p:cNvPr id="5" name="Rectangle 4"/>
-          <p:cNvSpPr/>
-          <p:nvPr/>
-        </p:nvSpPr>
-        <p:spPr>
-          <a:xfrm>
-            <a:off x="226024" y="4203952"/>
-            <a:ext cx="6230476" cy="1200329"/>
-          </a:xfrm>
-          <a:prstGeom prst="rect">
-            <a:avLst/>
-          </a:prstGeom>
-        </p:spPr>
-        <p:txBody>
-          <a:bodyPr wrap="square">
-            <a:spAutoFit/>
-          </a:bodyPr>
-          <a:lstStyle/>
-          <a:p>
-            <a:r>
-              <a:rPr lang="en-US" sz="2400" dirty="0" err="1"/>
-              <a:t>eat|apple</a:t>
-            </a:r>
-            <a:r>
-              <a:rPr lang="en-US" sz="2400" dirty="0" smtClean="0"/>
-              <a:t>, </a:t>
-            </a:r>
-            <a:r>
-              <a:rPr lang="en-US" sz="2400" dirty="0" err="1" smtClean="0"/>
-              <a:t>eat|orange</a:t>
-            </a:r>
-            <a:r>
-              <a:rPr lang="en-US" sz="2400" dirty="0" smtClean="0"/>
-              <a:t>, </a:t>
-            </a:r>
-            <a:r>
-              <a:rPr lang="en-US" sz="2400" dirty="0" err="1" smtClean="0"/>
-              <a:t>eat|rice</a:t>
-            </a:r>
-            <a:r>
-              <a:rPr lang="en-US" sz="2400" dirty="0" smtClean="0"/>
-              <a:t>, </a:t>
-            </a:r>
-            <a:r>
-              <a:rPr lang="en-US" sz="2400" dirty="0" err="1" smtClean="0"/>
-              <a:t>drink|juice</a:t>
-            </a:r>
-            <a:r>
-              <a:rPr lang="en-US" sz="2400" dirty="0" smtClean="0"/>
-              <a:t>, </a:t>
-            </a:r>
-            <a:r>
-              <a:rPr lang="en-US" sz="2400" dirty="0" err="1" smtClean="0"/>
-              <a:t>drink|milk</a:t>
-            </a:r>
-            <a:r>
-              <a:rPr lang="en-US" sz="2400" dirty="0" smtClean="0"/>
-              <a:t>, </a:t>
-            </a:r>
-            <a:r>
-              <a:rPr lang="en-US" sz="2400" dirty="0" err="1" smtClean="0"/>
-              <a:t>drink|water</a:t>
-            </a:r>
-            <a:r>
-              <a:rPr lang="en-US" sz="2400" dirty="0" smtClean="0"/>
-              <a:t>, </a:t>
-            </a:r>
-            <a:r>
-              <a:rPr lang="en-US" sz="2400" dirty="0" err="1" smtClean="0"/>
-              <a:t>orange|juice</a:t>
-            </a:r>
-            <a:r>
-              <a:rPr lang="en-US" sz="2400" dirty="0" smtClean="0"/>
-              <a:t>, </a:t>
-            </a:r>
-            <a:r>
-              <a:rPr lang="en-US" sz="2400" dirty="0" err="1" smtClean="0"/>
-              <a:t>apple|juice</a:t>
-            </a:r>
-            <a:r>
-              <a:rPr lang="en-US" sz="2400" dirty="0" smtClean="0"/>
-              <a:t>, </a:t>
-            </a:r>
-            <a:r>
-              <a:rPr lang="en-US" sz="2400" dirty="0" err="1" smtClean="0"/>
-              <a:t>rice|milk</a:t>
-            </a:r>
-            <a:r>
-              <a:rPr lang="en-US" sz="2400" dirty="0" smtClean="0"/>
-              <a:t>, </a:t>
-            </a:r>
-            <a:r>
-              <a:rPr lang="en-US" sz="2400" dirty="0" err="1" smtClean="0"/>
-              <a:t>milk|drink</a:t>
-            </a:r>
-            <a:r>
-              <a:rPr lang="en-US" sz="2400" dirty="0" smtClean="0"/>
-              <a:t>, </a:t>
-            </a:r>
-            <a:r>
-              <a:rPr lang="en-US" sz="2400" dirty="0" err="1" smtClean="0"/>
-              <a:t>water|drink</a:t>
-            </a:r>
-            <a:r>
-              <a:rPr lang="en-US" sz="2400" dirty="0" smtClean="0"/>
-              <a:t>, </a:t>
-            </a:r>
-            <a:r>
-              <a:rPr lang="en-US" sz="2400" dirty="0" err="1" smtClean="0"/>
-              <a:t>juice|drink</a:t>
-            </a:r>
-            <a:endParaRPr lang="en-US" sz="2400" dirty="0"/>
-          </a:p>
-        </p:txBody>
-      </p:sp>
-    </p:spTree>
-    <p:extLst>
-      <p:ext uri="{BB962C8B-B14F-4D97-AF65-F5344CB8AC3E}">
-        <p14:creationId xmlns:p14="http://schemas.microsoft.com/office/powerpoint/2010/main" val="3318307776"/>
-      </p:ext>
-    </p:extLst>
-  </p:cSld>
-  <p:clrMapOvr>
-    <a:masterClrMapping/>
-  </p:clrMapOvr>
-</p:sld>
-</file>
-
-<file path=ppt/slides/slide21.xml><?xml version="1.0" encoding="utf-8"?>
-<p:sld xmlns:a="http://schemas.openxmlformats.org/drawingml/2006/main" xmlns:r="http://schemas.openxmlformats.org/officeDocument/2006/relationships" xmlns:p="http://schemas.openxmlformats.org/presentationml/2006/main">
-  <p:cSld>
-    <p:spTree>
-      <p:nvGrpSpPr>
-        <p:cNvPr id="1" name=""/>
-        <p:cNvGrpSpPr/>
-        <p:nvPr/>
-      </p:nvGrpSpPr>
-      <p:grpSpPr>
-        <a:xfrm>
-          <a:off x="0" y="0"/>
-          <a:ext cx="0" cy="0"/>
-          <a:chOff x="0" y="0"/>
-          <a:chExt cx="0" cy="0"/>
-        </a:xfrm>
-      </p:grpSpPr>
-      <p:pic>
-        <p:nvPicPr>
-          <p:cNvPr id="5" name="Picture 4"/>
           <p:cNvPicPr>
             <a:picLocks noChangeAspect="1"/>
           </p:cNvPicPr>
@@ -10983,8 +12117,8 @@
         </p:blipFill>
         <p:spPr>
           <a:xfrm>
-            <a:off x="80553" y="1378131"/>
-            <a:ext cx="5638800" cy="4114800"/>
+            <a:off x="233464" y="1159074"/>
+            <a:ext cx="5447489" cy="5164053"/>
           </a:xfrm>
           <a:prstGeom prst="rect">
             <a:avLst/>
@@ -11007,185 +12141,54 @@
         </p:blipFill>
         <p:spPr>
           <a:xfrm>
-            <a:off x="5980611" y="1378131"/>
-            <a:ext cx="6115050" cy="4286250"/>
+            <a:off x="5866171" y="1235349"/>
+            <a:ext cx="4843982" cy="5093931"/>
           </a:xfrm>
           <a:prstGeom prst="rect">
             <a:avLst/>
           </a:prstGeom>
         </p:spPr>
       </p:pic>
+      <p:sp>
+        <p:nvSpPr>
+          <p:cNvPr id="7" name="TextBox 6"/>
+          <p:cNvSpPr txBox="1"/>
+          <p:nvPr/>
+        </p:nvSpPr>
+        <p:spPr>
+          <a:xfrm>
+            <a:off x="8793805" y="6323127"/>
+            <a:ext cx="2518638" cy="369332"/>
+          </a:xfrm>
+          <a:prstGeom prst="rect">
+            <a:avLst/>
+          </a:prstGeom>
+          <a:noFill/>
+        </p:spPr>
+        <p:txBody>
+          <a:bodyPr wrap="none" rtlCol="0">
+            <a:spAutoFit/>
+          </a:bodyPr>
+          <a:lstStyle/>
+          <a:p>
+            <a:r>
+              <a:rPr lang="bg-BG" dirty="0" smtClean="0"/>
+              <a:t>[Neelakantan et al. 2014]</a:t>
+            </a:r>
+            <a:endParaRPr lang="en-US" dirty="0"/>
+          </a:p>
+        </p:txBody>
+      </p:sp>
     </p:spTree>
     <p:extLst>
       <p:ext uri="{BB962C8B-B14F-4D97-AF65-F5344CB8AC3E}">
-        <p14:creationId xmlns:p14="http://schemas.microsoft.com/office/powerpoint/2010/main" val="3745791790"/>
+        <p14:creationId xmlns:p14="http://schemas.microsoft.com/office/powerpoint/2010/main" val="3385458330"/>
       </p:ext>
     </p:extLst>
   </p:cSld>
   <p:clrMapOvr>
     <a:masterClrMapping/>
   </p:clrMapOvr>
-</p:sld>
-</file>
-
-<file path=ppt/slides/slide22.xml><?xml version="1.0" encoding="utf-8"?>
-<p:sld xmlns:a="http://schemas.openxmlformats.org/drawingml/2006/main" xmlns:r="http://schemas.openxmlformats.org/officeDocument/2006/relationships" xmlns:p="http://schemas.openxmlformats.org/presentationml/2006/main" show="0">
-  <p:cSld>
-    <p:spTree>
-      <p:nvGrpSpPr>
-        <p:cNvPr id="1" name=""/>
-        <p:cNvGrpSpPr/>
-        <p:nvPr/>
-      </p:nvGrpSpPr>
-      <p:grpSpPr>
-        <a:xfrm>
-          <a:off x="0" y="0"/>
-          <a:ext cx="0" cy="0"/>
-          <a:chOff x="0" y="0"/>
-          <a:chExt cx="0" cy="0"/>
-        </a:xfrm>
-      </p:grpSpPr>
-      <p:sp>
-        <p:nvSpPr>
-          <p:cNvPr id="2" name="Title 1"/>
-          <p:cNvSpPr>
-            <a:spLocks noGrp="1"/>
-          </p:cNvSpPr>
-          <p:nvPr>
-            <p:ph type="title"/>
-          </p:nvPr>
-        </p:nvSpPr>
-        <p:spPr/>
-        <p:txBody>
-          <a:bodyPr/>
-          <a:lstStyle/>
-          <a:p>
-            <a:r>
-              <a:rPr lang="en-US" dirty="0" smtClean="0"/>
-              <a:t>Embeddings for Word Senses</a:t>
-            </a:r>
-            <a:endParaRPr lang="en-US" dirty="0"/>
-          </a:p>
-        </p:txBody>
-      </p:sp>
-      <p:pic>
-        <p:nvPicPr>
-          <p:cNvPr id="5122" name="Picture 2"/>
-          <p:cNvPicPr>
-            <a:picLocks noChangeAspect="1" noChangeArrowheads="1"/>
-          </p:cNvPicPr>
-          <p:nvPr/>
-        </p:nvPicPr>
-        <p:blipFill>
-          <a:blip r:embed="rId2">
-            <a:extLst>
-              <a:ext uri="{28A0092B-C50C-407E-A947-70E740481C1C}">
-                <a14:useLocalDpi xmlns:a14="http://schemas.microsoft.com/office/drawing/2010/main" val="0"/>
-              </a:ext>
-            </a:extLst>
-          </a:blip>
-          <a:srcRect/>
-          <a:stretch>
-            <a:fillRect/>
-          </a:stretch>
-        </p:blipFill>
-        <p:spPr bwMode="auto">
-          <a:xfrm>
-            <a:off x="962025" y="1554831"/>
-            <a:ext cx="10267950" cy="4486275"/>
-          </a:xfrm>
-          <a:prstGeom prst="rect">
-            <a:avLst/>
-          </a:prstGeom>
-          <a:noFill/>
-          <a:ln>
-            <a:noFill/>
-          </a:ln>
-          <a:extLst>
-            <a:ext uri="{909E8E84-426E-40DD-AFC4-6F175D3DCCD1}">
-              <a14:hiddenFill xmlns:a14="http://schemas.microsoft.com/office/drawing/2010/main">
-                <a:solidFill>
-                  <a:schemeClr val="accent1"/>
-                </a:solidFill>
-              </a14:hiddenFill>
-            </a:ext>
-            <a:ext uri="{91240B29-F687-4F45-9708-019B960494DF}">
-              <a14:hiddenLine xmlns:a14="http://schemas.microsoft.com/office/drawing/2010/main" w="9525">
-                <a:solidFill>
-                  <a:schemeClr val="tx1"/>
-                </a:solidFill>
-                <a:miter lim="800000"/>
-                <a:headEnd/>
-                <a:tailEnd/>
-              </a14:hiddenLine>
-            </a:ext>
-          </a:extLst>
-        </p:spPr>
-      </p:pic>
-      <p:sp>
-        <p:nvSpPr>
-          <p:cNvPr id="4" name="TextBox 3"/>
-          <p:cNvSpPr txBox="1"/>
-          <p:nvPr/>
-        </p:nvSpPr>
-        <p:spPr>
-          <a:xfrm>
-            <a:off x="8538212" y="6272464"/>
-            <a:ext cx="2691763" cy="369332"/>
-          </a:xfrm>
-          <a:prstGeom prst="rect">
-            <a:avLst/>
-          </a:prstGeom>
-          <a:noFill/>
-        </p:spPr>
-        <p:txBody>
-          <a:bodyPr wrap="none" rtlCol="0">
-            <a:spAutoFit/>
-          </a:bodyPr>
-          <a:lstStyle/>
-          <a:p>
-            <a:r>
-              <a:rPr lang="en-US" dirty="0" smtClean="0"/>
-              <a:t>[</a:t>
-            </a:r>
-            <a:r>
-              <a:rPr lang="en-US" dirty="0" err="1" smtClean="0"/>
-              <a:t>Rothe</a:t>
-            </a:r>
-            <a:r>
-              <a:rPr lang="en-US" dirty="0" smtClean="0"/>
-              <a:t> and </a:t>
-            </a:r>
-            <a:r>
-              <a:rPr lang="en-US" dirty="0" err="1" smtClean="0"/>
-              <a:t>Schuetze</a:t>
-            </a:r>
-            <a:r>
-              <a:rPr lang="en-US" dirty="0" smtClean="0"/>
-              <a:t> 2015]</a:t>
-            </a:r>
-            <a:endParaRPr lang="en-US" dirty="0"/>
-          </a:p>
-        </p:txBody>
-      </p:sp>
-    </p:spTree>
-    <p:extLst>
-      <p:ext uri="{BB962C8B-B14F-4D97-AF65-F5344CB8AC3E}">
-        <p14:creationId xmlns:p14="http://schemas.microsoft.com/office/powerpoint/2010/main" val="3673738319"/>
-      </p:ext>
-    </p:extLst>
-  </p:cSld>
-  <p:clrMapOvr>
-    <a:masterClrMapping/>
-  </p:clrMapOvr>
-  <mc:AlternateContent xmlns:mc="http://schemas.openxmlformats.org/markup-compatibility/2006" xmlns:p14="http://schemas.microsoft.com/office/powerpoint/2010/main">
-    <mc:Choice Requires="p14">
-      <p:transition spd="slow" p14:dur="2000"/>
-    </mc:Choice>
-    <mc:Fallback xmlns="">
-      <p:transition spd="slow"/>
-    </mc:Fallback>
-  </mc:AlternateContent>
   <p:timing>
     <p:tnLst>
       <p:par>
@@ -11196,7 +12199,7 @@
 </p:sld>
 </file>
 
-<file path=ppt/slides/slide23.xml><?xml version="1.0" encoding="utf-8"?>
+<file path=ppt/slides/slide29.xml><?xml version="1.0" encoding="utf-8"?>
 <p:sld xmlns:a="http://schemas.openxmlformats.org/drawingml/2006/main" xmlns:r="http://schemas.openxmlformats.org/officeDocument/2006/relationships" xmlns:p="http://schemas.openxmlformats.org/presentationml/2006/main">
   <p:cSld>
     <p:spTree>
@@ -11213,70 +12216,55 @@
           <a:chExt cx="0" cy="0"/>
         </a:xfrm>
       </p:grpSpPr>
-      <p:sp>
-        <p:nvSpPr>
-          <p:cNvPr id="2" name="Title 1"/>
-          <p:cNvSpPr>
-            <a:spLocks noGrp="1"/>
-          </p:cNvSpPr>
-          <p:nvPr>
-            <p:ph type="title"/>
-          </p:nvPr>
-        </p:nvSpPr>
-        <p:spPr/>
-        <p:txBody>
-          <a:bodyPr lIns="91438" tIns="45719" rIns="91438" bIns="45719"/>
-          <a:lstStyle/>
-          <a:p>
-            <a:r>
-              <a:rPr lang="en-US" dirty="0" smtClean="0"/>
-              <a:t>Non-compositionality</a:t>
-            </a:r>
-            <a:endParaRPr lang="en-US" dirty="0"/>
-          </a:p>
-        </p:txBody>
-      </p:sp>
-      <p:sp>
-        <p:nvSpPr>
-          <p:cNvPr id="3" name="Content Placeholder 2"/>
-          <p:cNvSpPr>
-            <a:spLocks noGrp="1"/>
-          </p:cNvSpPr>
-          <p:nvPr>
-            <p:ph idx="1"/>
-          </p:nvPr>
-        </p:nvSpPr>
+      <p:pic>
+        <p:nvPicPr>
+          <p:cNvPr id="4" name="Picture 3"/>
+          <p:cNvPicPr>
+            <a:picLocks noChangeAspect="1"/>
+          </p:cNvPicPr>
+          <p:nvPr/>
+        </p:nvPicPr>
+        <p:blipFill>
+          <a:blip r:embed="rId2"/>
+          <a:stretch>
+            <a:fillRect/>
+          </a:stretch>
+        </p:blipFill>
         <p:spPr>
           <a:xfrm>
-            <a:off x="609600" y="1541930"/>
-            <a:ext cx="10972800" cy="4993341"/>
+            <a:off x="3754876" y="280707"/>
+            <a:ext cx="4608324" cy="6227086"/>
           </a:xfrm>
+          <a:prstGeom prst="rect">
+            <a:avLst/>
+          </a:prstGeom>
         </p:spPr>
-        <p:txBody>
-          <a:bodyPr>
-            <a:normAutofit/>
+      </p:pic>
+      <p:sp>
+        <p:nvSpPr>
+          <p:cNvPr id="5" name="TextBox 4"/>
+          <p:cNvSpPr txBox="1"/>
+          <p:nvPr/>
+        </p:nvSpPr>
+        <p:spPr>
+          <a:xfrm>
+            <a:off x="8793805" y="6323127"/>
+            <a:ext cx="2518638" cy="369332"/>
+          </a:xfrm>
+          <a:prstGeom prst="rect">
+            <a:avLst/>
+          </a:prstGeom>
+          <a:noFill/>
+        </p:spPr>
+        <p:txBody>
+          <a:bodyPr wrap="none" rtlCol="0">
+            <a:spAutoFit/>
           </a:bodyPr>
           <a:lstStyle/>
           <a:p>
             <a:r>
-              <a:rPr lang="en-US" dirty="0" smtClean="0"/>
-              <a:t>BLACK CAT = BLACK + CAT</a:t>
-            </a:r>
-          </a:p>
-          <a:p>
-            <a:r>
-              <a:rPr lang="en-US" dirty="0" smtClean="0"/>
-              <a:t>BLACK MARKET </a:t>
-            </a:r>
-            <a:r>
-              <a:rPr lang="en-US" dirty="0" smtClean="0">
-                <a:sym typeface="Symbol"/>
-              </a:rPr>
-              <a:t></a:t>
-            </a:r>
-            <a:r>
-              <a:rPr lang="en-US" dirty="0" smtClean="0"/>
-              <a:t> BLACK + MARKET</a:t>
+              <a:rPr lang="bg-BG" dirty="0" smtClean="0"/>
+              <a:t>[Neelakantan et al. 2014]</a:t>
             </a:r>
             <a:endParaRPr lang="en-US" dirty="0"/>
           </a:p>
@@ -11285,305 +12273,7 @@
     </p:spTree>
     <p:extLst>
       <p:ext uri="{BB962C8B-B14F-4D97-AF65-F5344CB8AC3E}">
-        <p14:creationId xmlns:p14="http://schemas.microsoft.com/office/powerpoint/2010/main" val="2481592642"/>
-      </p:ext>
-    </p:extLst>
-  </p:cSld>
-  <p:clrMapOvr>
-    <a:masterClrMapping/>
-  </p:clrMapOvr>
-  <p:timing>
-    <p:tnLst>
-      <p:par>
-        <p:cTn id="1" dur="indefinite" restart="never" nodeType="tmRoot">
-          <p:childTnLst>
-            <p:seq concurrent="1" nextAc="seek">
-              <p:cTn id="2" dur="indefinite" nodeType="mainSeq">
-                <p:childTnLst>
-                  <p:par>
-                    <p:cTn id="3" fill="hold">
-                      <p:stCondLst>
-                        <p:cond delay="indefinite"/>
-                      </p:stCondLst>
-                      <p:childTnLst>
-                        <p:par>
-                          <p:cTn id="4" fill="hold">
-                            <p:stCondLst>
-                              <p:cond delay="0"/>
-                            </p:stCondLst>
-                            <p:childTnLst>
-                              <p:par>
-                                <p:cTn id="5" presetID="1" presetClass="entr" presetSubtype="0" fill="hold" grpId="0" nodeType="clickEffect">
-                                  <p:stCondLst>
-                                    <p:cond delay="0"/>
-                                  </p:stCondLst>
-                                  <p:childTnLst>
-                                    <p:set>
-                                      <p:cBhvr>
-                                        <p:cTn id="6" dur="1" fill="hold">
-                                          <p:stCondLst>
-                                            <p:cond delay="0"/>
-                                          </p:stCondLst>
-                                        </p:cTn>
-                                        <p:tgtEl>
-                                          <p:spTgt spid="3">
-                                            <p:txEl>
-                                              <p:pRg st="0" end="0"/>
-                                            </p:txEl>
-                                          </p:spTgt>
-                                        </p:tgtEl>
-                                        <p:attrNameLst>
-                                          <p:attrName>style.visibility</p:attrName>
-                                        </p:attrNameLst>
-                                      </p:cBhvr>
-                                      <p:to>
-                                        <p:strVal val="visible"/>
-                                      </p:to>
-                                    </p:set>
-                                  </p:childTnLst>
-                                </p:cTn>
-                              </p:par>
-                            </p:childTnLst>
-                          </p:cTn>
-                        </p:par>
-                      </p:childTnLst>
-                    </p:cTn>
-                  </p:par>
-                  <p:par>
-                    <p:cTn id="7" fill="hold">
-                      <p:stCondLst>
-                        <p:cond delay="indefinite"/>
-                      </p:stCondLst>
-                      <p:childTnLst>
-                        <p:par>
-                          <p:cTn id="8" fill="hold">
-                            <p:stCondLst>
-                              <p:cond delay="0"/>
-                            </p:stCondLst>
-                            <p:childTnLst>
-                              <p:par>
-                                <p:cTn id="9" presetID="1" presetClass="entr" presetSubtype="0" fill="hold" grpId="0" nodeType="clickEffect">
-                                  <p:stCondLst>
-                                    <p:cond delay="0"/>
-                                  </p:stCondLst>
-                                  <p:childTnLst>
-                                    <p:set>
-                                      <p:cBhvr>
-                                        <p:cTn id="10" dur="1" fill="hold">
-                                          <p:stCondLst>
-                                            <p:cond delay="0"/>
-                                          </p:stCondLst>
-                                        </p:cTn>
-                                        <p:tgtEl>
-                                          <p:spTgt spid="3">
-                                            <p:txEl>
-                                              <p:pRg st="1" end="1"/>
-                                            </p:txEl>
-                                          </p:spTgt>
-                                        </p:tgtEl>
-                                        <p:attrNameLst>
-                                          <p:attrName>style.visibility</p:attrName>
-                                        </p:attrNameLst>
-                                      </p:cBhvr>
-                                      <p:to>
-                                        <p:strVal val="visible"/>
-                                      </p:to>
-                                    </p:set>
-                                  </p:childTnLst>
-                                </p:cTn>
-                              </p:par>
-                            </p:childTnLst>
-                          </p:cTn>
-                        </p:par>
-                      </p:childTnLst>
-                    </p:cTn>
-                  </p:par>
-                </p:childTnLst>
-              </p:cTn>
-              <p:prevCondLst>
-                <p:cond evt="onPrev" delay="0">
-                  <p:tgtEl>
-                    <p:sldTgt/>
-                  </p:tgtEl>
-                </p:cond>
-              </p:prevCondLst>
-              <p:nextCondLst>
-                <p:cond evt="onNext" delay="0">
-                  <p:tgtEl>
-                    <p:sldTgt/>
-                  </p:tgtEl>
-                </p:cond>
-              </p:nextCondLst>
-            </p:seq>
-          </p:childTnLst>
-        </p:cTn>
-      </p:par>
-    </p:tnLst>
-    <p:bldLst>
-      <p:bldP spid="3" grpId="0" build="p"/>
-    </p:bldLst>
-  </p:timing>
-</p:sld>
-</file>
-
-<file path=ppt/slides/slide24.xml><?xml version="1.0" encoding="utf-8"?>
-<p:sld xmlns:a="http://schemas.openxmlformats.org/drawingml/2006/main" xmlns:r="http://schemas.openxmlformats.org/officeDocument/2006/relationships" xmlns:p="http://schemas.openxmlformats.org/presentationml/2006/main">
-  <p:cSld>
-    <p:spTree>
-      <p:nvGrpSpPr>
-        <p:cNvPr id="1" name=""/>
-        <p:cNvGrpSpPr/>
-        <p:nvPr/>
-      </p:nvGrpSpPr>
-      <p:grpSpPr>
-        <a:xfrm>
-          <a:off x="0" y="0"/>
-          <a:ext cx="0" cy="0"/>
-          <a:chOff x="0" y="0"/>
-          <a:chExt cx="0" cy="0"/>
-        </a:xfrm>
-      </p:grpSpPr>
-      <p:sp>
-        <p:nvSpPr>
-          <p:cNvPr id="2" name="Title 1"/>
-          <p:cNvSpPr>
-            <a:spLocks noGrp="1"/>
-          </p:cNvSpPr>
-          <p:nvPr>
-            <p:ph type="title"/>
-          </p:nvPr>
-        </p:nvSpPr>
-        <p:spPr/>
-        <p:txBody>
-          <a:bodyPr/>
-          <a:lstStyle/>
-          <a:p>
-            <a:r>
-              <a:rPr lang="en-US" dirty="0" smtClean="0"/>
-              <a:t>Notes</a:t>
-            </a:r>
-            <a:endParaRPr lang="en-US" dirty="0"/>
-          </a:p>
-        </p:txBody>
-      </p:sp>
-      <p:sp>
-        <p:nvSpPr>
-          <p:cNvPr id="3" name="Content Placeholder 2"/>
-          <p:cNvSpPr>
-            <a:spLocks noGrp="1"/>
-          </p:cNvSpPr>
-          <p:nvPr>
-            <p:ph idx="1"/>
-          </p:nvPr>
-        </p:nvSpPr>
-        <p:spPr>
-          <a:xfrm>
-            <a:off x="609600" y="2082337"/>
-            <a:ext cx="10972800" cy="3963899"/>
-          </a:xfrm>
-        </p:spPr>
-        <p:txBody>
-          <a:bodyPr/>
-          <a:lstStyle/>
-          <a:p>
-            <a:r>
-              <a:rPr lang="en-US" dirty="0" smtClean="0"/>
-              <a:t>Word </a:t>
-            </a:r>
-            <a:r>
-              <a:rPr lang="en-US" dirty="0" err="1" smtClean="0"/>
-              <a:t>embeddings</a:t>
-            </a:r>
-            <a:r>
-              <a:rPr lang="en-US" dirty="0" smtClean="0"/>
-              <a:t> perform matrix factorization of the co-occurrence matrix</a:t>
-            </a:r>
-            <a:endParaRPr lang="en-US" dirty="0"/>
-          </a:p>
-          <a:p>
-            <a:r>
-              <a:rPr lang="en-US" dirty="0" smtClean="0"/>
-              <a:t>Word2vec is a simple feed-forward neural network</a:t>
-            </a:r>
-          </a:p>
-          <a:p>
-            <a:r>
-              <a:rPr lang="en-US" dirty="0" smtClean="0"/>
-              <a:t>Training is done using backpropagation using SGD</a:t>
-            </a:r>
-          </a:p>
-          <a:p>
-            <a:r>
-              <a:rPr lang="en-US" dirty="0" smtClean="0"/>
-              <a:t>Negative sampling for training</a:t>
-            </a:r>
-            <a:endParaRPr lang="en-US" dirty="0"/>
-          </a:p>
-        </p:txBody>
-      </p:sp>
-    </p:spTree>
-    <p:extLst>
-      <p:ext uri="{BB962C8B-B14F-4D97-AF65-F5344CB8AC3E}">
-        <p14:creationId xmlns:p14="http://schemas.microsoft.com/office/powerpoint/2010/main" val="1896222146"/>
-      </p:ext>
-    </p:extLst>
-  </p:cSld>
-  <p:clrMapOvr>
-    <a:masterClrMapping/>
-  </p:clrMapOvr>
-</p:sld>
-</file>
-
-<file path=ppt/slides/slide25.xml><?xml version="1.0" encoding="utf-8"?>
-<p:sld xmlns:a="http://schemas.openxmlformats.org/drawingml/2006/main" xmlns:r="http://schemas.openxmlformats.org/officeDocument/2006/relationships" xmlns:p="http://schemas.openxmlformats.org/presentationml/2006/main">
-  <p:cSld>
-    <p:spTree>
-      <p:nvGrpSpPr>
-        <p:cNvPr id="1" name=""/>
-        <p:cNvGrpSpPr/>
-        <p:nvPr/>
-      </p:nvGrpSpPr>
-      <p:grpSpPr>
-        <a:xfrm>
-          <a:off x="0" y="0"/>
-          <a:ext cx="0" cy="0"/>
-          <a:chOff x="0" y="0"/>
-          <a:chExt cx="0" cy="0"/>
-        </a:xfrm>
-      </p:grpSpPr>
-      <p:sp>
-        <p:nvSpPr>
-          <p:cNvPr id="2" name="Title 1"/>
-          <p:cNvSpPr>
-            <a:spLocks noGrp="1"/>
-          </p:cNvSpPr>
-          <p:nvPr>
-            <p:ph type="ctrTitle"/>
-          </p:nvPr>
-        </p:nvSpPr>
-        <p:spPr>
-          <a:xfrm>
-            <a:off x="469906" y="1550797"/>
-            <a:ext cx="11380983" cy="4403495"/>
-          </a:xfrm>
-        </p:spPr>
-        <p:txBody>
-          <a:bodyPr/>
-          <a:lstStyle/>
-          <a:p>
-            <a:r>
-              <a:rPr lang="en-US" sz="23999" dirty="0">
-                <a:latin typeface="Rockwell Extra Bold" panose="02060903040505020403" pitchFamily="18" charset="0"/>
-              </a:rPr>
-              <a:t>NLP</a:t>
-            </a:r>
-          </a:p>
-        </p:txBody>
-      </p:sp>
-    </p:spTree>
-    <p:extLst>
-      <p:ext uri="{BB962C8B-B14F-4D97-AF65-F5344CB8AC3E}">
-        <p14:creationId xmlns:p14="http://schemas.microsoft.com/office/powerpoint/2010/main" val="1010309923"/>
+        <p14:creationId xmlns:p14="http://schemas.microsoft.com/office/powerpoint/2010/main" val="1859981235"/>
       </p:ext>
     </p:extLst>
   </p:cSld>
@@ -11619,6 +12309,1412 @@
       </p:grpSpPr>
       <p:sp>
         <p:nvSpPr>
+          <p:cNvPr id="2" name="Title 1"/>
+          <p:cNvSpPr>
+            <a:spLocks noGrp="1"/>
+          </p:cNvSpPr>
+          <p:nvPr>
+            <p:ph type="title"/>
+          </p:nvPr>
+        </p:nvSpPr>
+        <p:spPr/>
+        <p:txBody>
+          <a:bodyPr/>
+          <a:lstStyle/>
+          <a:p>
+            <a:r>
+              <a:rPr lang="en-US" dirty="0" smtClean="0"/>
+              <a:t>Meaning of a word</a:t>
+            </a:r>
+            <a:endParaRPr lang="en-US" dirty="0"/>
+          </a:p>
+        </p:txBody>
+      </p:sp>
+      <p:sp>
+        <p:nvSpPr>
+          <p:cNvPr id="3" name="Content Placeholder 2"/>
+          <p:cNvSpPr>
+            <a:spLocks noGrp="1"/>
+          </p:cNvSpPr>
+          <p:nvPr>
+            <p:ph idx="1"/>
+          </p:nvPr>
+        </p:nvSpPr>
+        <p:spPr>
+          <a:xfrm>
+            <a:off x="338667" y="2082337"/>
+            <a:ext cx="11626353" cy="3992537"/>
+          </a:xfrm>
+        </p:spPr>
+        <p:txBody>
+          <a:bodyPr>
+            <a:normAutofit/>
+          </a:bodyPr>
+          <a:lstStyle/>
+          <a:p>
+            <a:pPr>
+              <a:lnSpc>
+                <a:spcPct val="110000"/>
+              </a:lnSpc>
+            </a:pPr>
+            <a:r>
+              <a:rPr lang="en-US" dirty="0" smtClean="0"/>
+              <a:t>How do we represent the semantics (meaning) of a word?</a:t>
+            </a:r>
+          </a:p>
+          <a:p>
+            <a:pPr lvl="1">
+              <a:lnSpc>
+                <a:spcPct val="110000"/>
+              </a:lnSpc>
+            </a:pPr>
+            <a:r>
+              <a:rPr lang="en-US" dirty="0" smtClean="0"/>
+              <a:t>An image?</a:t>
+            </a:r>
+          </a:p>
+          <a:p>
+            <a:pPr lvl="1">
+              <a:lnSpc>
+                <a:spcPct val="110000"/>
+              </a:lnSpc>
+            </a:pPr>
+            <a:r>
+              <a:rPr lang="en-US" dirty="0" smtClean="0"/>
+              <a:t>A symbol?</a:t>
+            </a:r>
+          </a:p>
+          <a:p>
+            <a:pPr lvl="1">
+              <a:lnSpc>
+                <a:spcPct val="110000"/>
+              </a:lnSpc>
+            </a:pPr>
+            <a:r>
+              <a:rPr lang="en-US" dirty="0" smtClean="0"/>
+              <a:t>A number?</a:t>
+            </a:r>
+          </a:p>
+          <a:p>
+            <a:pPr lvl="1">
+              <a:lnSpc>
+                <a:spcPct val="110000"/>
+              </a:lnSpc>
+            </a:pPr>
+            <a:r>
+              <a:rPr lang="en-US" dirty="0" smtClean="0"/>
+              <a:t>A set of numbers?</a:t>
+            </a:r>
+          </a:p>
+          <a:p>
+            <a:pPr lvl="1">
+              <a:lnSpc>
+                <a:spcPct val="110000"/>
+              </a:lnSpc>
+            </a:pPr>
+            <a:r>
+              <a:rPr lang="en-US" dirty="0" smtClean="0"/>
+              <a:t>Any other ideas?</a:t>
+            </a:r>
+            <a:endParaRPr lang="en-US" dirty="0"/>
+          </a:p>
+        </p:txBody>
+      </p:sp>
+    </p:spTree>
+    <p:extLst>
+      <p:ext uri="{BB962C8B-B14F-4D97-AF65-F5344CB8AC3E}">
+        <p14:creationId xmlns:p14="http://schemas.microsoft.com/office/powerpoint/2010/main" val="1792486292"/>
+      </p:ext>
+    </p:extLst>
+  </p:cSld>
+  <p:clrMapOvr>
+    <a:masterClrMapping/>
+  </p:clrMapOvr>
+  <p:timing>
+    <p:tnLst>
+      <p:par>
+        <p:cTn id="1" dur="indefinite" restart="never" nodeType="tmRoot"/>
+      </p:par>
+    </p:tnLst>
+  </p:timing>
+</p:sld>
+</file>
+
+<file path=ppt/slides/slide30.xml><?xml version="1.0" encoding="utf-8"?>
+<p:sld xmlns:a="http://schemas.openxmlformats.org/drawingml/2006/main" xmlns:r="http://schemas.openxmlformats.org/officeDocument/2006/relationships" xmlns:p="http://schemas.openxmlformats.org/presentationml/2006/main">
+  <p:cSld>
+    <p:spTree>
+      <p:nvGrpSpPr>
+        <p:cNvPr id="1" name=""/>
+        <p:cNvGrpSpPr/>
+        <p:nvPr/>
+      </p:nvGrpSpPr>
+      <p:grpSpPr>
+        <a:xfrm>
+          <a:off x="0" y="0"/>
+          <a:ext cx="0" cy="0"/>
+          <a:chOff x="0" y="0"/>
+          <a:chExt cx="0" cy="0"/>
+        </a:xfrm>
+      </p:grpSpPr>
+      <p:sp>
+        <p:nvSpPr>
+          <p:cNvPr id="2" name="Title 1"/>
+          <p:cNvSpPr>
+            <a:spLocks noGrp="1"/>
+          </p:cNvSpPr>
+          <p:nvPr>
+            <p:ph type="title"/>
+          </p:nvPr>
+        </p:nvSpPr>
+        <p:spPr/>
+        <p:txBody>
+          <a:bodyPr/>
+          <a:lstStyle/>
+          <a:p>
+            <a:r>
+              <a:rPr lang="en-US" dirty="0" smtClean="0"/>
+              <a:t>Multiple Senses</a:t>
+            </a:r>
+            <a:endParaRPr lang="en-US" dirty="0"/>
+          </a:p>
+        </p:txBody>
+      </p:sp>
+      <p:sp>
+        <p:nvSpPr>
+          <p:cNvPr id="5" name="TextBox 4"/>
+          <p:cNvSpPr txBox="1"/>
+          <p:nvPr/>
+        </p:nvSpPr>
+        <p:spPr>
+          <a:xfrm>
+            <a:off x="9610928" y="6332707"/>
+            <a:ext cx="1903085" cy="369332"/>
+          </a:xfrm>
+          <a:prstGeom prst="rect">
+            <a:avLst/>
+          </a:prstGeom>
+          <a:noFill/>
+        </p:spPr>
+        <p:txBody>
+          <a:bodyPr wrap="none" rtlCol="0">
+            <a:spAutoFit/>
+          </a:bodyPr>
+          <a:lstStyle/>
+          <a:p>
+            <a:r>
+              <a:rPr lang="en-US" dirty="0" smtClean="0"/>
+              <a:t>[Arora et al. 2018]</a:t>
+            </a:r>
+            <a:endParaRPr lang="en-US" dirty="0"/>
+          </a:p>
+        </p:txBody>
+      </p:sp>
+      <p:pic>
+        <p:nvPicPr>
+          <p:cNvPr id="6" name="Picture 5"/>
+          <p:cNvPicPr>
+            <a:picLocks noChangeAspect="1"/>
+          </p:cNvPicPr>
+          <p:nvPr/>
+        </p:nvPicPr>
+        <p:blipFill>
+          <a:blip r:embed="rId2"/>
+          <a:stretch>
+            <a:fillRect/>
+          </a:stretch>
+        </p:blipFill>
+        <p:spPr>
+          <a:xfrm>
+            <a:off x="2700334" y="1815019"/>
+            <a:ext cx="5993663" cy="723900"/>
+          </a:xfrm>
+          <a:prstGeom prst="rect">
+            <a:avLst/>
+          </a:prstGeom>
+        </p:spPr>
+      </p:pic>
+      <p:pic>
+        <p:nvPicPr>
+          <p:cNvPr id="7" name="Picture 6"/>
+          <p:cNvPicPr>
+            <a:picLocks noChangeAspect="1"/>
+          </p:cNvPicPr>
+          <p:nvPr/>
+        </p:nvPicPr>
+        <p:blipFill>
+          <a:blip r:embed="rId3"/>
+          <a:stretch>
+            <a:fillRect/>
+          </a:stretch>
+        </p:blipFill>
+        <p:spPr>
+          <a:xfrm>
+            <a:off x="535020" y="2626468"/>
+            <a:ext cx="11425525" cy="3200400"/>
+          </a:xfrm>
+          <a:prstGeom prst="rect">
+            <a:avLst/>
+          </a:prstGeom>
+        </p:spPr>
+      </p:pic>
+    </p:spTree>
+    <p:extLst>
+      <p:ext uri="{BB962C8B-B14F-4D97-AF65-F5344CB8AC3E}">
+        <p14:creationId xmlns:p14="http://schemas.microsoft.com/office/powerpoint/2010/main" val="766580875"/>
+      </p:ext>
+    </p:extLst>
+  </p:cSld>
+  <p:clrMapOvr>
+    <a:masterClrMapping/>
+  </p:clrMapOvr>
+  <p:timing>
+    <p:tnLst>
+      <p:par>
+        <p:cTn id="1" dur="indefinite" restart="never" nodeType="tmRoot"/>
+      </p:par>
+    </p:tnLst>
+  </p:timing>
+</p:sld>
+</file>
+
+<file path=ppt/slides/slide31.xml><?xml version="1.0" encoding="utf-8"?>
+<p:sld xmlns:a="http://schemas.openxmlformats.org/drawingml/2006/main" xmlns:r="http://schemas.openxmlformats.org/officeDocument/2006/relationships" xmlns:p="http://schemas.openxmlformats.org/presentationml/2006/main">
+  <p:cSld>
+    <p:spTree>
+      <p:nvGrpSpPr>
+        <p:cNvPr id="1" name=""/>
+        <p:cNvGrpSpPr/>
+        <p:nvPr/>
+      </p:nvGrpSpPr>
+      <p:grpSpPr>
+        <a:xfrm>
+          <a:off x="0" y="0"/>
+          <a:ext cx="0" cy="0"/>
+          <a:chOff x="0" y="0"/>
+          <a:chExt cx="0" cy="0"/>
+        </a:xfrm>
+      </p:grpSpPr>
+      <p:sp>
+        <p:nvSpPr>
+          <p:cNvPr id="2" name="Title 1"/>
+          <p:cNvSpPr>
+            <a:spLocks noGrp="1"/>
+          </p:cNvSpPr>
+          <p:nvPr>
+            <p:ph type="title"/>
+          </p:nvPr>
+        </p:nvSpPr>
+        <p:spPr/>
+        <p:txBody>
+          <a:bodyPr/>
+          <a:lstStyle/>
+          <a:p>
+            <a:r>
+              <a:rPr lang="en-US" dirty="0" smtClean="0"/>
+              <a:t>Retrofitting</a:t>
+            </a:r>
+            <a:endParaRPr lang="en-US" dirty="0"/>
+          </a:p>
+        </p:txBody>
+      </p:sp>
+      <p:pic>
+        <p:nvPicPr>
+          <p:cNvPr id="3" name="Picture 2"/>
+          <p:cNvPicPr>
+            <a:picLocks noChangeAspect="1"/>
+          </p:cNvPicPr>
+          <p:nvPr/>
+        </p:nvPicPr>
+        <p:blipFill>
+          <a:blip r:embed="rId2"/>
+          <a:stretch>
+            <a:fillRect/>
+          </a:stretch>
+        </p:blipFill>
+        <p:spPr>
+          <a:xfrm>
+            <a:off x="338667" y="1319451"/>
+            <a:ext cx="6003767" cy="4823742"/>
+          </a:xfrm>
+          <a:prstGeom prst="rect">
+            <a:avLst/>
+          </a:prstGeom>
+        </p:spPr>
+      </p:pic>
+      <p:pic>
+        <p:nvPicPr>
+          <p:cNvPr id="5" name="Picture 4"/>
+          <p:cNvPicPr>
+            <a:picLocks noChangeAspect="1"/>
+          </p:cNvPicPr>
+          <p:nvPr/>
+        </p:nvPicPr>
+        <p:blipFill>
+          <a:blip r:embed="rId3"/>
+          <a:stretch>
+            <a:fillRect/>
+          </a:stretch>
+        </p:blipFill>
+        <p:spPr>
+          <a:xfrm>
+            <a:off x="6489842" y="3131485"/>
+            <a:ext cx="5702158" cy="1339308"/>
+          </a:xfrm>
+          <a:prstGeom prst="rect">
+            <a:avLst/>
+          </a:prstGeom>
+        </p:spPr>
+      </p:pic>
+      <p:sp>
+        <p:nvSpPr>
+          <p:cNvPr id="6" name="TextBox 5"/>
+          <p:cNvSpPr txBox="1"/>
+          <p:nvPr/>
+        </p:nvSpPr>
+        <p:spPr>
+          <a:xfrm>
+            <a:off x="9124545" y="6143193"/>
+            <a:ext cx="2082621" cy="369332"/>
+          </a:xfrm>
+          <a:prstGeom prst="rect">
+            <a:avLst/>
+          </a:prstGeom>
+          <a:noFill/>
+        </p:spPr>
+        <p:txBody>
+          <a:bodyPr wrap="none" rtlCol="0">
+            <a:spAutoFit/>
+          </a:bodyPr>
+          <a:lstStyle/>
+          <a:p>
+            <a:r>
+              <a:rPr lang="en-US" dirty="0" smtClean="0"/>
+              <a:t>[</a:t>
+            </a:r>
+            <a:r>
+              <a:rPr lang="en-US" dirty="0" err="1" smtClean="0"/>
+              <a:t>Faruqui</a:t>
+            </a:r>
+            <a:r>
+              <a:rPr lang="en-US" dirty="0" smtClean="0"/>
+              <a:t> et al. 2015]</a:t>
+            </a:r>
+            <a:endParaRPr lang="en-US" dirty="0"/>
+          </a:p>
+        </p:txBody>
+      </p:sp>
+    </p:spTree>
+    <p:extLst>
+      <p:ext uri="{BB962C8B-B14F-4D97-AF65-F5344CB8AC3E}">
+        <p14:creationId xmlns:p14="http://schemas.microsoft.com/office/powerpoint/2010/main" val="1903850062"/>
+      </p:ext>
+    </p:extLst>
+  </p:cSld>
+  <p:clrMapOvr>
+    <a:masterClrMapping/>
+  </p:clrMapOvr>
+  <p:timing>
+    <p:tnLst>
+      <p:par>
+        <p:cTn id="1" dur="indefinite" restart="never" nodeType="tmRoot"/>
+      </p:par>
+    </p:tnLst>
+  </p:timing>
+</p:sld>
+</file>
+
+<file path=ppt/slides/slide32.xml><?xml version="1.0" encoding="utf-8"?>
+<p:sld xmlns:a="http://schemas.openxmlformats.org/drawingml/2006/main" xmlns:r="http://schemas.openxmlformats.org/officeDocument/2006/relationships" xmlns:p="http://schemas.openxmlformats.org/presentationml/2006/main">
+  <p:cSld>
+    <p:spTree>
+      <p:nvGrpSpPr>
+        <p:cNvPr id="1" name=""/>
+        <p:cNvGrpSpPr/>
+        <p:nvPr/>
+      </p:nvGrpSpPr>
+      <p:grpSpPr>
+        <a:xfrm>
+          <a:off x="0" y="0"/>
+          <a:ext cx="0" cy="0"/>
+          <a:chOff x="0" y="0"/>
+          <a:chExt cx="0" cy="0"/>
+        </a:xfrm>
+      </p:grpSpPr>
+      <p:sp>
+        <p:nvSpPr>
+          <p:cNvPr id="2" name="Title 1"/>
+          <p:cNvSpPr>
+            <a:spLocks noGrp="1"/>
+          </p:cNvSpPr>
+          <p:nvPr>
+            <p:ph type="title"/>
+          </p:nvPr>
+        </p:nvSpPr>
+        <p:spPr/>
+        <p:txBody>
+          <a:bodyPr/>
+          <a:lstStyle/>
+          <a:p>
+            <a:r>
+              <a:rPr lang="bg-BG" dirty="0" smtClean="0"/>
+              <a:t>Using Embeddings</a:t>
+            </a:r>
+            <a:endParaRPr lang="en-US" dirty="0"/>
+          </a:p>
+        </p:txBody>
+      </p:sp>
+      <p:sp>
+        <p:nvSpPr>
+          <p:cNvPr id="5" name="Content Placeholder 4"/>
+          <p:cNvSpPr>
+            <a:spLocks noGrp="1"/>
+          </p:cNvSpPr>
+          <p:nvPr>
+            <p:ph idx="1"/>
+          </p:nvPr>
+        </p:nvSpPr>
+        <p:spPr/>
+        <p:txBody>
+          <a:bodyPr/>
+          <a:lstStyle/>
+          <a:p>
+            <a:r>
+              <a:rPr lang="bg-BG" dirty="0" smtClean="0"/>
+              <a:t>Learning the parameters from the corpus</a:t>
+            </a:r>
+          </a:p>
+          <a:p>
+            <a:r>
+              <a:rPr lang="bg-BG" dirty="0" smtClean="0"/>
+              <a:t>Use existing embeddings</a:t>
+            </a:r>
+          </a:p>
+          <a:p>
+            <a:r>
+              <a:rPr lang="bg-BG" dirty="0" smtClean="0"/>
+              <a:t>Start with existing embeddings, then update</a:t>
+            </a:r>
+            <a:endParaRPr lang="en-US" dirty="0"/>
+          </a:p>
+        </p:txBody>
+      </p:sp>
+    </p:spTree>
+    <p:extLst>
+      <p:ext uri="{BB962C8B-B14F-4D97-AF65-F5344CB8AC3E}">
+        <p14:creationId xmlns:p14="http://schemas.microsoft.com/office/powerpoint/2010/main" val="1971266971"/>
+      </p:ext>
+    </p:extLst>
+  </p:cSld>
+  <p:clrMapOvr>
+    <a:masterClrMapping/>
+  </p:clrMapOvr>
+  <p:timing>
+    <p:tnLst>
+      <p:par>
+        <p:cTn id="1" dur="indefinite" restart="never" nodeType="tmRoot"/>
+      </p:par>
+    </p:tnLst>
+  </p:timing>
+</p:sld>
+</file>
+
+<file path=ppt/slides/slide33.xml><?xml version="1.0" encoding="utf-8"?>
+<p:sld xmlns:a="http://schemas.openxmlformats.org/drawingml/2006/main" xmlns:r="http://schemas.openxmlformats.org/officeDocument/2006/relationships" xmlns:p="http://schemas.openxmlformats.org/presentationml/2006/main">
+  <p:cSld>
+    <p:spTree>
+      <p:nvGrpSpPr>
+        <p:cNvPr id="1" name=""/>
+        <p:cNvGrpSpPr/>
+        <p:nvPr/>
+      </p:nvGrpSpPr>
+      <p:grpSpPr>
+        <a:xfrm>
+          <a:off x="0" y="0"/>
+          <a:ext cx="0" cy="0"/>
+          <a:chOff x="0" y="0"/>
+          <a:chExt cx="0" cy="0"/>
+        </a:xfrm>
+      </p:grpSpPr>
+      <p:sp>
+        <p:nvSpPr>
+          <p:cNvPr id="2" name="Title 1"/>
+          <p:cNvSpPr>
+            <a:spLocks noGrp="1"/>
+          </p:cNvSpPr>
+          <p:nvPr>
+            <p:ph type="title"/>
+          </p:nvPr>
+        </p:nvSpPr>
+        <p:spPr/>
+        <p:txBody>
+          <a:bodyPr/>
+          <a:lstStyle/>
+          <a:p>
+            <a:r>
+              <a:rPr lang="en-US" dirty="0" smtClean="0"/>
+              <a:t>Notes</a:t>
+            </a:r>
+            <a:endParaRPr lang="en-US" dirty="0"/>
+          </a:p>
+        </p:txBody>
+      </p:sp>
+      <p:sp>
+        <p:nvSpPr>
+          <p:cNvPr id="3" name="Content Placeholder 2"/>
+          <p:cNvSpPr>
+            <a:spLocks noGrp="1"/>
+          </p:cNvSpPr>
+          <p:nvPr>
+            <p:ph idx="1"/>
+          </p:nvPr>
+        </p:nvSpPr>
+        <p:spPr>
+          <a:xfrm>
+            <a:off x="609600" y="2082337"/>
+            <a:ext cx="10972800" cy="3963899"/>
+          </a:xfrm>
+        </p:spPr>
+        <p:txBody>
+          <a:bodyPr/>
+          <a:lstStyle/>
+          <a:p>
+            <a:r>
+              <a:rPr lang="en-US" dirty="0" smtClean="0"/>
+              <a:t>Word </a:t>
+            </a:r>
+            <a:r>
+              <a:rPr lang="en-US" dirty="0" err="1" smtClean="0"/>
+              <a:t>embeddings</a:t>
+            </a:r>
+            <a:r>
+              <a:rPr lang="en-US" dirty="0" smtClean="0"/>
+              <a:t> perform matrix factorization of the co-occurrence matrix</a:t>
+            </a:r>
+            <a:endParaRPr lang="en-US" dirty="0"/>
+          </a:p>
+          <a:p>
+            <a:r>
+              <a:rPr lang="en-US" dirty="0" smtClean="0"/>
+              <a:t>Word2vec is a simple feed-forward neural network</a:t>
+            </a:r>
+          </a:p>
+          <a:p>
+            <a:r>
+              <a:rPr lang="en-US" dirty="0" smtClean="0"/>
+              <a:t>Training is done using backpropagation using SGD</a:t>
+            </a:r>
+          </a:p>
+          <a:p>
+            <a:r>
+              <a:rPr lang="en-US" dirty="0" smtClean="0"/>
+              <a:t>Negative sampling for training</a:t>
+            </a:r>
+            <a:endParaRPr lang="en-US" dirty="0"/>
+          </a:p>
+        </p:txBody>
+      </p:sp>
+    </p:spTree>
+    <p:extLst>
+      <p:ext uri="{BB962C8B-B14F-4D97-AF65-F5344CB8AC3E}">
+        <p14:creationId xmlns:p14="http://schemas.microsoft.com/office/powerpoint/2010/main" val="1896222146"/>
+      </p:ext>
+    </p:extLst>
+  </p:cSld>
+  <p:clrMapOvr>
+    <a:masterClrMapping/>
+  </p:clrMapOvr>
+  <p:timing>
+    <p:tnLst>
+      <p:par>
+        <p:cTn id="1" dur="indefinite" restart="never" nodeType="tmRoot"/>
+      </p:par>
+    </p:tnLst>
+  </p:timing>
+</p:sld>
+</file>
+
+<file path=ppt/slides/slide34.xml><?xml version="1.0" encoding="utf-8"?>
+<p:sld xmlns:a="http://schemas.openxmlformats.org/drawingml/2006/main" xmlns:r="http://schemas.openxmlformats.org/officeDocument/2006/relationships" xmlns:p="http://schemas.openxmlformats.org/presentationml/2006/main">
+  <p:cSld>
+    <p:spTree>
+      <p:nvGrpSpPr>
+        <p:cNvPr id="1" name=""/>
+        <p:cNvGrpSpPr/>
+        <p:nvPr/>
+      </p:nvGrpSpPr>
+      <p:grpSpPr>
+        <a:xfrm>
+          <a:off x="0" y="0"/>
+          <a:ext cx="0" cy="0"/>
+          <a:chOff x="0" y="0"/>
+          <a:chExt cx="0" cy="0"/>
+        </a:xfrm>
+      </p:grpSpPr>
+      <p:pic>
+        <p:nvPicPr>
+          <p:cNvPr id="4" name="Picture 3"/>
+          <p:cNvPicPr>
+            <a:picLocks noChangeAspect="1"/>
+          </p:cNvPicPr>
+          <p:nvPr/>
+        </p:nvPicPr>
+        <p:blipFill>
+          <a:blip r:embed="rId2"/>
+          <a:stretch>
+            <a:fillRect/>
+          </a:stretch>
+        </p:blipFill>
+        <p:spPr>
+          <a:xfrm>
+            <a:off x="493036" y="1314708"/>
+            <a:ext cx="11188010" cy="4496544"/>
+          </a:xfrm>
+          <a:prstGeom prst="rect">
+            <a:avLst/>
+          </a:prstGeom>
+        </p:spPr>
+      </p:pic>
+      <p:sp>
+        <p:nvSpPr>
+          <p:cNvPr id="8" name="Title 1"/>
+          <p:cNvSpPr>
+            <a:spLocks noGrp="1"/>
+          </p:cNvSpPr>
+          <p:nvPr>
+            <p:ph type="title"/>
+          </p:nvPr>
+        </p:nvSpPr>
+        <p:spPr>
+          <a:xfrm>
+            <a:off x="1" y="378917"/>
+            <a:ext cx="12055642" cy="935791"/>
+          </a:xfrm>
+        </p:spPr>
+        <p:txBody>
+          <a:bodyPr/>
+          <a:lstStyle/>
+          <a:p>
+            <a:r>
+              <a:rPr lang="bg-BG" sz="4000" dirty="0" smtClean="0"/>
+              <a:t>E</a:t>
+            </a:r>
+            <a:r>
+              <a:rPr lang="en-US" sz="4000" dirty="0" smtClean="0"/>
+              <a:t>LM</a:t>
+            </a:r>
+            <a:r>
+              <a:rPr lang="bg-BG" sz="4000" dirty="0" smtClean="0"/>
+              <a:t>o</a:t>
+            </a:r>
+            <a:r>
+              <a:rPr lang="en-US" sz="4000" dirty="0" smtClean="0"/>
+              <a:t> (Embeddings from Language Models)</a:t>
+            </a:r>
+            <a:endParaRPr lang="en-US" sz="4000" dirty="0"/>
+          </a:p>
+        </p:txBody>
+      </p:sp>
+      <p:sp>
+        <p:nvSpPr>
+          <p:cNvPr id="2" name="Rectangle 1"/>
+          <p:cNvSpPr/>
+          <p:nvPr/>
+        </p:nvSpPr>
+        <p:spPr>
+          <a:xfrm>
+            <a:off x="4724400" y="6195962"/>
+            <a:ext cx="7248525" cy="369332"/>
+          </a:xfrm>
+          <a:prstGeom prst="rect">
+            <a:avLst/>
+          </a:prstGeom>
+        </p:spPr>
+        <p:txBody>
+          <a:bodyPr wrap="square">
+            <a:spAutoFit/>
+          </a:bodyPr>
+          <a:lstStyle/>
+          <a:p>
+            <a:r>
+              <a:rPr lang="en-US" dirty="0"/>
+              <a:t>https://ai.googleblog.com/2018/11/open-sourcing-bert-state-of-art-pre.html</a:t>
+            </a:r>
+          </a:p>
+        </p:txBody>
+      </p:sp>
+    </p:spTree>
+    <p:extLst>
+      <p:ext uri="{BB962C8B-B14F-4D97-AF65-F5344CB8AC3E}">
+        <p14:creationId xmlns:p14="http://schemas.microsoft.com/office/powerpoint/2010/main" val="3108175798"/>
+      </p:ext>
+    </p:extLst>
+  </p:cSld>
+  <p:clrMapOvr>
+    <a:masterClrMapping/>
+  </p:clrMapOvr>
+  <p:timing>
+    <p:tnLst>
+      <p:par>
+        <p:cTn id="1" dur="indefinite" restart="never" nodeType="tmRoot"/>
+      </p:par>
+    </p:tnLst>
+  </p:timing>
+</p:sld>
+</file>
+
+<file path=ppt/slides/slide35.xml><?xml version="1.0" encoding="utf-8"?>
+<p:sld xmlns:a="http://schemas.openxmlformats.org/drawingml/2006/main" xmlns:r="http://schemas.openxmlformats.org/officeDocument/2006/relationships" xmlns:p="http://schemas.openxmlformats.org/presentationml/2006/main">
+  <p:cSld>
+    <p:spTree>
+      <p:nvGrpSpPr>
+        <p:cNvPr id="1" name=""/>
+        <p:cNvGrpSpPr/>
+        <p:nvPr/>
+      </p:nvGrpSpPr>
+      <p:grpSpPr>
+        <a:xfrm>
+          <a:off x="0" y="0"/>
+          <a:ext cx="0" cy="0"/>
+          <a:chOff x="0" y="0"/>
+          <a:chExt cx="0" cy="0"/>
+        </a:xfrm>
+      </p:grpSpPr>
+      <p:sp>
+        <p:nvSpPr>
+          <p:cNvPr id="2" name="Title 1"/>
+          <p:cNvSpPr>
+            <a:spLocks noGrp="1"/>
+          </p:cNvSpPr>
+          <p:nvPr>
+            <p:ph type="title"/>
+          </p:nvPr>
+        </p:nvSpPr>
+        <p:spPr>
+          <a:xfrm>
+            <a:off x="1" y="378917"/>
+            <a:ext cx="12055642" cy="935791"/>
+          </a:xfrm>
+        </p:spPr>
+        <p:txBody>
+          <a:bodyPr/>
+          <a:lstStyle/>
+          <a:p>
+            <a:r>
+              <a:rPr lang="bg-BG" sz="4000" dirty="0" smtClean="0"/>
+              <a:t>E</a:t>
+            </a:r>
+            <a:r>
+              <a:rPr lang="en-US" sz="4000" dirty="0" smtClean="0"/>
+              <a:t>LM</a:t>
+            </a:r>
+            <a:r>
+              <a:rPr lang="bg-BG" sz="4000" dirty="0" smtClean="0"/>
+              <a:t>o</a:t>
+            </a:r>
+            <a:r>
+              <a:rPr lang="en-US" sz="4000" dirty="0" smtClean="0"/>
+              <a:t> (Embeddings from Language Models)</a:t>
+            </a:r>
+            <a:endParaRPr lang="en-US" sz="4000" dirty="0"/>
+          </a:p>
+        </p:txBody>
+      </p:sp>
+      <p:sp>
+        <p:nvSpPr>
+          <p:cNvPr id="5" name="Content Placeholder 4"/>
+          <p:cNvSpPr>
+            <a:spLocks noGrp="1"/>
+          </p:cNvSpPr>
+          <p:nvPr>
+            <p:ph idx="1"/>
+          </p:nvPr>
+        </p:nvSpPr>
+        <p:spPr>
+          <a:xfrm>
+            <a:off x="144379" y="1197657"/>
+            <a:ext cx="11911264" cy="5037966"/>
+          </a:xfrm>
+        </p:spPr>
+        <p:txBody>
+          <a:bodyPr>
+            <a:noAutofit/>
+          </a:bodyPr>
+          <a:lstStyle/>
+          <a:p>
+            <a:r>
+              <a:rPr lang="bg-BG" sz="2800" dirty="0" smtClean="0"/>
+              <a:t>Useful</a:t>
+            </a:r>
+          </a:p>
+          <a:p>
+            <a:pPr lvl="1"/>
+            <a:r>
+              <a:rPr lang="bg-BG" sz="2400" dirty="0" smtClean="0"/>
+              <a:t>Models syntax and semantics as well as polysemy</a:t>
+            </a:r>
+          </a:p>
+          <a:p>
+            <a:r>
+              <a:rPr lang="en-US" sz="2800" dirty="0" smtClean="0"/>
+              <a:t>Contextual</a:t>
+            </a:r>
+            <a:endParaRPr lang="bg-BG" sz="2800" dirty="0"/>
+          </a:p>
+          <a:p>
+            <a:pPr lvl="1"/>
+            <a:r>
+              <a:rPr lang="en-US" sz="2400" dirty="0" smtClean="0"/>
+              <a:t>“</a:t>
+            </a:r>
+            <a:r>
+              <a:rPr lang="bg-BG" sz="2400" dirty="0" smtClean="0"/>
+              <a:t>T</a:t>
+            </a:r>
+            <a:r>
+              <a:rPr lang="en-US" sz="2400" dirty="0" smtClean="0"/>
+              <a:t>he </a:t>
+            </a:r>
+            <a:r>
+              <a:rPr lang="en-US" sz="2400" dirty="0"/>
+              <a:t>representation for each word depends on the entire context in which it is used. </a:t>
+            </a:r>
+            <a:r>
+              <a:rPr lang="en-US" sz="2400" dirty="0" smtClean="0"/>
+              <a:t>“</a:t>
+            </a:r>
+            <a:endParaRPr lang="en-US" sz="2400" dirty="0"/>
+          </a:p>
+          <a:p>
+            <a:r>
+              <a:rPr lang="en-US" sz="2800" dirty="0" smtClean="0"/>
+              <a:t>Deep</a:t>
+            </a:r>
+            <a:endParaRPr lang="bg-BG" sz="2800" dirty="0"/>
+          </a:p>
+          <a:p>
+            <a:pPr lvl="1"/>
+            <a:r>
+              <a:rPr lang="en-US" sz="2400" dirty="0" smtClean="0"/>
+              <a:t>“The </a:t>
+            </a:r>
+            <a:r>
+              <a:rPr lang="en-US" sz="2400" dirty="0"/>
+              <a:t>word representations combine all layers of a deep pre-trained neural network. </a:t>
+            </a:r>
+            <a:r>
+              <a:rPr lang="en-US" sz="2400" dirty="0" smtClean="0"/>
+              <a:t>“</a:t>
+            </a:r>
+            <a:endParaRPr lang="en-US" sz="2400" dirty="0"/>
+          </a:p>
+          <a:p>
+            <a:r>
+              <a:rPr lang="en-US" sz="2800" dirty="0"/>
+              <a:t>Character </a:t>
+            </a:r>
+            <a:r>
+              <a:rPr lang="en-US" sz="2800" dirty="0" smtClean="0"/>
+              <a:t>based</a:t>
+            </a:r>
+            <a:endParaRPr lang="bg-BG" sz="2800" dirty="0"/>
+          </a:p>
+          <a:p>
+            <a:pPr lvl="1"/>
+            <a:r>
+              <a:rPr lang="en-US" sz="2400" dirty="0" smtClean="0"/>
+              <a:t>“</a:t>
+            </a:r>
+            <a:r>
+              <a:rPr lang="en-US" sz="2400" dirty="0" err="1" smtClean="0"/>
+              <a:t>ELMo</a:t>
+            </a:r>
+            <a:r>
+              <a:rPr lang="en-US" sz="2400" dirty="0" smtClean="0"/>
+              <a:t> </a:t>
+            </a:r>
+            <a:r>
+              <a:rPr lang="en-US" sz="2400" dirty="0"/>
+              <a:t>representations are purely character based, allowing the network to use morphological clues to form robust representations for out-of-vocabulary tokens unseen in training. </a:t>
+            </a:r>
+            <a:r>
+              <a:rPr lang="en-US" sz="2400" dirty="0" smtClean="0"/>
+              <a:t>“</a:t>
+            </a:r>
+            <a:endParaRPr lang="en-US" sz="2400" dirty="0"/>
+          </a:p>
+          <a:p>
+            <a:endParaRPr lang="en-US" sz="2800" dirty="0"/>
+          </a:p>
+        </p:txBody>
+      </p:sp>
+      <p:sp>
+        <p:nvSpPr>
+          <p:cNvPr id="6" name="Rectangle 5"/>
+          <p:cNvSpPr/>
+          <p:nvPr/>
+        </p:nvSpPr>
+        <p:spPr>
+          <a:xfrm>
+            <a:off x="6328611" y="6235623"/>
+            <a:ext cx="4596062" cy="369332"/>
+          </a:xfrm>
+          <a:prstGeom prst="rect">
+            <a:avLst/>
+          </a:prstGeom>
+        </p:spPr>
+        <p:txBody>
+          <a:bodyPr wrap="square">
+            <a:spAutoFit/>
+          </a:bodyPr>
+          <a:lstStyle/>
+          <a:p>
+            <a:r>
+              <a:rPr lang="en-US" dirty="0">
+                <a:hlinkClick r:id="rId2"/>
+              </a:rPr>
+              <a:t>https://</a:t>
+            </a:r>
+            <a:r>
+              <a:rPr lang="en-US" dirty="0" smtClean="0">
+                <a:hlinkClick r:id="rId2"/>
+              </a:rPr>
+              <a:t>allennlp.org/elmo</a:t>
+            </a:r>
+            <a:r>
+              <a:rPr lang="bg-BG" dirty="0" smtClean="0"/>
+              <a:t>    [Peters et al. 2018]</a:t>
+            </a:r>
+            <a:endParaRPr lang="en-US" dirty="0"/>
+          </a:p>
+        </p:txBody>
+      </p:sp>
+    </p:spTree>
+    <p:extLst>
+      <p:ext uri="{BB962C8B-B14F-4D97-AF65-F5344CB8AC3E}">
+        <p14:creationId xmlns:p14="http://schemas.microsoft.com/office/powerpoint/2010/main" val="3248780120"/>
+      </p:ext>
+    </p:extLst>
+  </p:cSld>
+  <p:clrMapOvr>
+    <a:masterClrMapping/>
+  </p:clrMapOvr>
+  <p:timing>
+    <p:tnLst>
+      <p:par>
+        <p:cTn id="1" dur="indefinite" restart="never" nodeType="tmRoot"/>
+      </p:par>
+    </p:tnLst>
+  </p:timing>
+</p:sld>
+</file>
+
+<file path=ppt/slides/slide36.xml><?xml version="1.0" encoding="utf-8"?>
+<p:sld xmlns:a="http://schemas.openxmlformats.org/drawingml/2006/main" xmlns:r="http://schemas.openxmlformats.org/officeDocument/2006/relationships" xmlns:p="http://schemas.openxmlformats.org/presentationml/2006/main">
+  <p:cSld>
+    <p:spTree>
+      <p:nvGrpSpPr>
+        <p:cNvPr id="1" name=""/>
+        <p:cNvGrpSpPr/>
+        <p:nvPr/>
+      </p:nvGrpSpPr>
+      <p:grpSpPr>
+        <a:xfrm>
+          <a:off x="0" y="0"/>
+          <a:ext cx="0" cy="0"/>
+          <a:chOff x="0" y="0"/>
+          <a:chExt cx="0" cy="0"/>
+        </a:xfrm>
+      </p:grpSpPr>
+      <p:sp>
+        <p:nvSpPr>
+          <p:cNvPr id="2" name="Title 1"/>
+          <p:cNvSpPr>
+            <a:spLocks noGrp="1"/>
+          </p:cNvSpPr>
+          <p:nvPr>
+            <p:ph type="title"/>
+          </p:nvPr>
+        </p:nvSpPr>
+        <p:spPr>
+          <a:xfrm>
+            <a:off x="338667" y="378916"/>
+            <a:ext cx="11243733" cy="935791"/>
+          </a:xfrm>
+        </p:spPr>
+        <p:txBody>
+          <a:bodyPr/>
+          <a:lstStyle/>
+          <a:p>
+            <a:r>
+              <a:rPr lang="bg-BG" dirty="0" smtClean="0"/>
+              <a:t>E</a:t>
+            </a:r>
+            <a:r>
+              <a:rPr lang="en-US" dirty="0" err="1" smtClean="0"/>
+              <a:t>LMo</a:t>
+            </a:r>
+            <a:r>
+              <a:rPr lang="bg-BG" dirty="0" smtClean="0"/>
+              <a:t> Results</a:t>
+            </a:r>
+            <a:endParaRPr lang="en-US" dirty="0"/>
+          </a:p>
+        </p:txBody>
+      </p:sp>
+      <p:pic>
+        <p:nvPicPr>
+          <p:cNvPr id="3" name="Picture 2"/>
+          <p:cNvPicPr>
+            <a:picLocks noChangeAspect="1"/>
+          </p:cNvPicPr>
+          <p:nvPr/>
+        </p:nvPicPr>
+        <p:blipFill>
+          <a:blip r:embed="rId2"/>
+          <a:stretch>
+            <a:fillRect/>
+          </a:stretch>
+        </p:blipFill>
+        <p:spPr>
+          <a:xfrm>
+            <a:off x="228830" y="1227221"/>
+            <a:ext cx="11560100" cy="4896853"/>
+          </a:xfrm>
+          <a:prstGeom prst="rect">
+            <a:avLst/>
+          </a:prstGeom>
+        </p:spPr>
+      </p:pic>
+      <p:sp>
+        <p:nvSpPr>
+          <p:cNvPr id="5" name="Rectangle 4"/>
+          <p:cNvSpPr/>
+          <p:nvPr/>
+        </p:nvSpPr>
+        <p:spPr>
+          <a:xfrm>
+            <a:off x="8939463" y="6235623"/>
+            <a:ext cx="1985210" cy="369332"/>
+          </a:xfrm>
+          <a:prstGeom prst="rect">
+            <a:avLst/>
+          </a:prstGeom>
+        </p:spPr>
+        <p:txBody>
+          <a:bodyPr wrap="square">
+            <a:spAutoFit/>
+          </a:bodyPr>
+          <a:lstStyle/>
+          <a:p>
+            <a:r>
+              <a:rPr lang="bg-BG" dirty="0" smtClean="0"/>
+              <a:t>[Peters et al. 2018]</a:t>
+            </a:r>
+            <a:endParaRPr lang="en-US" dirty="0"/>
+          </a:p>
+        </p:txBody>
+      </p:sp>
+    </p:spTree>
+    <p:extLst>
+      <p:ext uri="{BB962C8B-B14F-4D97-AF65-F5344CB8AC3E}">
+        <p14:creationId xmlns:p14="http://schemas.microsoft.com/office/powerpoint/2010/main" val="2294371527"/>
+      </p:ext>
+    </p:extLst>
+  </p:cSld>
+  <p:clrMapOvr>
+    <a:masterClrMapping/>
+  </p:clrMapOvr>
+  <p:timing>
+    <p:tnLst>
+      <p:par>
+        <p:cTn id="1" dur="indefinite" restart="never" nodeType="tmRoot"/>
+      </p:par>
+    </p:tnLst>
+  </p:timing>
+</p:sld>
+</file>
+
+<file path=ppt/slides/slide37.xml><?xml version="1.0" encoding="utf-8"?>
+<p:sld xmlns:a="http://schemas.openxmlformats.org/drawingml/2006/main" xmlns:r="http://schemas.openxmlformats.org/officeDocument/2006/relationships" xmlns:p="http://schemas.openxmlformats.org/presentationml/2006/main">
+  <p:cSld>
+    <p:spTree>
+      <p:nvGrpSpPr>
+        <p:cNvPr id="1" name=""/>
+        <p:cNvGrpSpPr/>
+        <p:nvPr/>
+      </p:nvGrpSpPr>
+      <p:grpSpPr>
+        <a:xfrm>
+          <a:off x="0" y="0"/>
+          <a:ext cx="0" cy="0"/>
+          <a:chOff x="0" y="0"/>
+          <a:chExt cx="0" cy="0"/>
+        </a:xfrm>
+      </p:grpSpPr>
+      <p:sp>
+        <p:nvSpPr>
+          <p:cNvPr id="2" name="Title 1"/>
+          <p:cNvSpPr>
+            <a:spLocks noGrp="1"/>
+          </p:cNvSpPr>
+          <p:nvPr>
+            <p:ph type="ctrTitle"/>
+          </p:nvPr>
+        </p:nvSpPr>
+        <p:spPr>
+          <a:xfrm>
+            <a:off x="469906" y="1550797"/>
+            <a:ext cx="11380983" cy="4403495"/>
+          </a:xfrm>
+        </p:spPr>
+        <p:txBody>
+          <a:bodyPr/>
+          <a:lstStyle/>
+          <a:p>
+            <a:r>
+              <a:rPr lang="en-US" sz="23999" dirty="0">
+                <a:latin typeface="Rockwell Extra Bold" panose="02060903040505020403" pitchFamily="18" charset="0"/>
+              </a:rPr>
+              <a:t>NLP</a:t>
+            </a:r>
+          </a:p>
+        </p:txBody>
+      </p:sp>
+    </p:spTree>
+    <p:extLst>
+      <p:ext uri="{BB962C8B-B14F-4D97-AF65-F5344CB8AC3E}">
+        <p14:creationId xmlns:p14="http://schemas.microsoft.com/office/powerpoint/2010/main" val="1010309923"/>
+      </p:ext>
+    </p:extLst>
+  </p:cSld>
+  <p:clrMapOvr>
+    <a:masterClrMapping/>
+  </p:clrMapOvr>
+  <p:timing>
+    <p:tnLst>
+      <p:par>
+        <p:cTn id="1" dur="indefinite" restart="never" nodeType="tmRoot"/>
+      </p:par>
+    </p:tnLst>
+  </p:timing>
+</p:sld>
+</file>
+
+<file path=ppt/slides/slide4.xml><?xml version="1.0" encoding="utf-8"?>
+<p:sld xmlns:a="http://schemas.openxmlformats.org/drawingml/2006/main" xmlns:r="http://schemas.openxmlformats.org/officeDocument/2006/relationships" xmlns:p="http://schemas.openxmlformats.org/presentationml/2006/main">
+  <p:cSld>
+    <p:spTree>
+      <p:nvGrpSpPr>
+        <p:cNvPr id="1" name=""/>
+        <p:cNvGrpSpPr/>
+        <p:nvPr/>
+      </p:nvGrpSpPr>
+      <p:grpSpPr>
+        <a:xfrm>
+          <a:off x="0" y="0"/>
+          <a:ext cx="0" cy="0"/>
+          <a:chOff x="0" y="0"/>
+          <a:chExt cx="0" cy="0"/>
+        </a:xfrm>
+      </p:grpSpPr>
+      <p:sp>
+        <p:nvSpPr>
+          <p:cNvPr id="5" name="Title 4"/>
+          <p:cNvSpPr>
+            <a:spLocks noGrp="1"/>
+          </p:cNvSpPr>
+          <p:nvPr>
+            <p:ph type="title"/>
+          </p:nvPr>
+        </p:nvSpPr>
+        <p:spPr/>
+        <p:txBody>
+          <a:bodyPr/>
+          <a:lstStyle/>
+          <a:p>
+            <a:r>
+              <a:rPr lang="en-US" dirty="0" smtClean="0"/>
+              <a:t>Possible Solutions</a:t>
+            </a:r>
+            <a:endParaRPr lang="en-US" dirty="0"/>
+          </a:p>
+        </p:txBody>
+      </p:sp>
+      <p:sp>
+        <p:nvSpPr>
+          <p:cNvPr id="6" name="Content Placeholder 5"/>
+          <p:cNvSpPr>
+            <a:spLocks noGrp="1"/>
+          </p:cNvSpPr>
+          <p:nvPr>
+            <p:ph idx="1"/>
+          </p:nvPr>
+        </p:nvSpPr>
+        <p:spPr>
+          <a:xfrm>
+            <a:off x="609600" y="1459085"/>
+            <a:ext cx="10972800" cy="5155723"/>
+          </a:xfrm>
+        </p:spPr>
+        <p:txBody>
+          <a:bodyPr>
+            <a:normAutofit fontScale="92500" lnSpcReduction="10000"/>
+          </a:bodyPr>
+          <a:lstStyle/>
+          <a:p>
+            <a:pPr>
+              <a:lnSpc>
+                <a:spcPct val="110000"/>
+              </a:lnSpc>
+            </a:pPr>
+            <a:r>
+              <a:rPr lang="en-US" dirty="0" err="1" smtClean="0"/>
+              <a:t>Wordnet</a:t>
+            </a:r>
+            <a:endParaRPr lang="en-US" dirty="0" smtClean="0"/>
+          </a:p>
+          <a:p>
+            <a:pPr lvl="1">
+              <a:lnSpc>
+                <a:spcPct val="110000"/>
+              </a:lnSpc>
+            </a:pPr>
+            <a:r>
+              <a:rPr lang="en-US" dirty="0" smtClean="0"/>
+              <a:t>Incomplete</a:t>
+            </a:r>
+          </a:p>
+          <a:p>
+            <a:pPr lvl="1">
+              <a:lnSpc>
+                <a:spcPct val="110000"/>
+              </a:lnSpc>
+            </a:pPr>
+            <a:r>
+              <a:rPr lang="en-US" dirty="0" smtClean="0"/>
+              <a:t>Subjective </a:t>
+            </a:r>
+          </a:p>
+          <a:p>
+            <a:pPr lvl="1">
+              <a:lnSpc>
+                <a:spcPct val="110000"/>
+              </a:lnSpc>
+            </a:pPr>
+            <a:r>
+              <a:rPr lang="en-US" dirty="0" smtClean="0"/>
+              <a:t>Manually created</a:t>
+            </a:r>
+          </a:p>
+          <a:p>
+            <a:pPr lvl="1">
+              <a:lnSpc>
+                <a:spcPct val="110000"/>
+              </a:lnSpc>
+            </a:pPr>
+            <a:r>
+              <a:rPr lang="en-US" dirty="0" smtClean="0"/>
+              <a:t>Cannot compute word similarity</a:t>
+            </a:r>
+          </a:p>
+          <a:p>
+            <a:pPr>
+              <a:lnSpc>
+                <a:spcPct val="110000"/>
+              </a:lnSpc>
+            </a:pPr>
+            <a:r>
+              <a:rPr lang="en-US" dirty="0" smtClean="0"/>
+              <a:t>One-hot vectors (based on the vocabulary)</a:t>
+            </a:r>
+          </a:p>
+          <a:p>
+            <a:pPr lvl="1">
+              <a:lnSpc>
+                <a:spcPct val="110000"/>
+              </a:lnSpc>
+            </a:pPr>
+            <a:r>
+              <a:rPr lang="en-US" dirty="0" smtClean="0"/>
+              <a:t>Highly dimensional</a:t>
+            </a:r>
+          </a:p>
+          <a:p>
+            <a:pPr lvl="1">
+              <a:lnSpc>
+                <a:spcPct val="110000"/>
+              </a:lnSpc>
+            </a:pPr>
+            <a:r>
+              <a:rPr lang="en-US" dirty="0" smtClean="0"/>
+              <a:t>Sparse</a:t>
+            </a:r>
+          </a:p>
+          <a:p>
+            <a:pPr lvl="1">
+              <a:lnSpc>
+                <a:spcPct val="110000"/>
+              </a:lnSpc>
+            </a:pPr>
+            <a:r>
+              <a:rPr lang="en-US" dirty="0" smtClean="0"/>
+              <a:t>Don’t capture semantic similarity</a:t>
+            </a:r>
+          </a:p>
+          <a:p>
+            <a:pPr>
+              <a:lnSpc>
+                <a:spcPct val="110000"/>
+              </a:lnSpc>
+            </a:pPr>
+            <a:r>
+              <a:rPr lang="en-US" dirty="0" smtClean="0"/>
+              <a:t>Dense Vectors (based on co-occurrence) </a:t>
+            </a:r>
+            <a:endParaRPr lang="en-US" dirty="0"/>
+          </a:p>
+        </p:txBody>
+      </p:sp>
+    </p:spTree>
+    <p:extLst>
+      <p:ext uri="{BB962C8B-B14F-4D97-AF65-F5344CB8AC3E}">
+        <p14:creationId xmlns:p14="http://schemas.microsoft.com/office/powerpoint/2010/main" val="234916230"/>
+      </p:ext>
+    </p:extLst>
+  </p:cSld>
+  <p:clrMapOvr>
+    <a:masterClrMapping/>
+  </p:clrMapOvr>
+  <p:timing>
+    <p:tnLst>
+      <p:par>
+        <p:cTn id="1" dur="indefinite" restart="never" nodeType="tmRoot"/>
+      </p:par>
+    </p:tnLst>
+  </p:timing>
+</p:sld>
+</file>
+
+<file path=ppt/slides/slide5.xml><?xml version="1.0" encoding="utf-8"?>
+<p:sld xmlns:a="http://schemas.openxmlformats.org/drawingml/2006/main" xmlns:r="http://schemas.openxmlformats.org/officeDocument/2006/relationships" xmlns:p="http://schemas.openxmlformats.org/presentationml/2006/main">
+  <p:cSld>
+    <p:spTree>
+      <p:nvGrpSpPr>
+        <p:cNvPr id="1" name=""/>
+        <p:cNvGrpSpPr/>
+        <p:nvPr/>
+      </p:nvGrpSpPr>
+      <p:grpSpPr>
+        <a:xfrm>
+          <a:off x="0" y="0"/>
+          <a:ext cx="0" cy="0"/>
+          <a:chOff x="0" y="0"/>
+          <a:chExt cx="0" cy="0"/>
+        </a:xfrm>
+      </p:grpSpPr>
+      <p:sp>
+        <p:nvSpPr>
           <p:cNvPr id="3" name="Title 2"/>
           <p:cNvSpPr>
             <a:spLocks noGrp="1"/>
@@ -11634,15 +13730,7 @@
           <a:p>
             <a:r>
               <a:rPr lang="en-US" dirty="0" smtClean="0"/>
-              <a:t>What Is the Feature Vector </a:t>
-            </a:r>
-            <a:r>
-              <a:rPr lang="en-US" i="1" dirty="0" smtClean="0"/>
-              <a:t>x</a:t>
-            </a:r>
-            <a:r>
-              <a:rPr lang="en-US" dirty="0" smtClean="0"/>
-              <a:t>?</a:t>
+              <a:t>Word Embeddings</a:t>
             </a:r>
             <a:endParaRPr lang="en-US" dirty="0"/>
           </a:p>
@@ -11666,7 +13754,7 @@
         </p:spPr>
         <p:txBody>
           <a:bodyPr>
-            <a:normAutofit fontScale="85000" lnSpcReduction="20000"/>
+            <a:normAutofit lnSpcReduction="10000"/>
           </a:bodyPr>
           <a:lstStyle/>
           <a:p>
@@ -11677,37 +13765,7 @@
             </a:pPr>
             <a:r>
               <a:rPr lang="en-US" dirty="0" smtClean="0"/>
-              <a:t>Typically a vector representation of a single character or word</a:t>
-            </a:r>
-          </a:p>
-          <a:p>
-            <a:pPr>
-              <a:lnSpc>
-                <a:spcPct val="120000"/>
-              </a:lnSpc>
-            </a:pPr>
-            <a:r>
-              <a:rPr lang="en-US" dirty="0" smtClean="0"/>
-              <a:t>Often reflects the </a:t>
-            </a:r>
-            <a:r>
-              <a:rPr lang="en-US" i="1" dirty="0" smtClean="0"/>
-              <a:t>context</a:t>
-            </a:r>
-            <a:r>
-              <a:rPr lang="en-US" dirty="0" smtClean="0"/>
-              <a:t> in which that word is found</a:t>
-            </a:r>
-          </a:p>
-          <a:p>
-            <a:pPr>
-              <a:lnSpc>
-                <a:spcPct val="120000"/>
-              </a:lnSpc>
-            </a:pPr>
-            <a:r>
-              <a:rPr lang="en-US" dirty="0" smtClean="0"/>
-              <a:t>Could just do counts, but that leads to sparse vectors</a:t>
+              <a:t>Dense representations of words</a:t>
             </a:r>
           </a:p>
           <a:p>
@@ -11837,7 +13895,7 @@
 </p:sld>
 </file>
 
-<file path=ppt/slides/slide4.xml><?xml version="1.0" encoding="utf-8"?>
+<file path=ppt/slides/slide6.xml><?xml version="1.0" encoding="utf-8"?>
 <p:sld xmlns:a="http://schemas.openxmlformats.org/drawingml/2006/main" xmlns:r="http://schemas.openxmlformats.org/officeDocument/2006/relationships" xmlns:p="http://schemas.openxmlformats.org/presentationml/2006/main">
   <p:cSld>
     <p:spTree>
@@ -12101,7 +14159,7 @@
 </p:sld>
 </file>
 
-<file path=ppt/slides/slide5.xml><?xml version="1.0" encoding="utf-8"?>
+<file path=ppt/slides/slide7.xml><?xml version="1.0" encoding="utf-8"?>
 <p:sld xmlns:a="http://schemas.openxmlformats.org/drawingml/2006/main" xmlns:r="http://schemas.openxmlformats.org/officeDocument/2006/relationships" xmlns:p="http://schemas.openxmlformats.org/presentationml/2006/main">
   <p:cSld>
     <p:spTree>
@@ -12260,7 +14318,7 @@
 </p:sld>
 </file>
 
-<file path=ppt/slides/slide6.xml><?xml version="1.0" encoding="utf-8"?>
+<file path=ppt/slides/slide8.xml><?xml version="1.0" encoding="utf-8"?>
 <p:sld xmlns:a="http://schemas.openxmlformats.org/drawingml/2006/main" xmlns:r="http://schemas.openxmlformats.org/officeDocument/2006/relationships" xmlns:p="http://schemas.openxmlformats.org/presentationml/2006/main">
   <p:cSld>
     <p:spTree>
@@ -12293,8 +14351,12 @@
           <a:lstStyle/>
           <a:p>
             <a:r>
+              <a:rPr lang="en-US" dirty="0"/>
+              <a:t>Embeddings Are Magic, Part </a:t>
+            </a:r>
+            <a:r>
               <a:rPr lang="en-US" dirty="0" smtClean="0"/>
-              <a:t>More Examples</a:t>
+              <a:t>3</a:t>
             </a:r>
             <a:endParaRPr lang="en-US" dirty="0"/>
           </a:p>
@@ -12462,7 +14524,7 @@
 </p:sld>
 </file>
 
-<file path=ppt/slides/slide7.xml><?xml version="1.0" encoding="utf-8"?>
+<file path=ppt/slides/slide9.xml><?xml version="1.0" encoding="utf-8"?>
 <p:sld xmlns:a="http://schemas.openxmlformats.org/drawingml/2006/main" xmlns:r="http://schemas.openxmlformats.org/officeDocument/2006/relationships" xmlns:p="http://schemas.openxmlformats.org/presentationml/2006/main">
   <p:cSld>
     <p:spTree>
@@ -12620,654 +14682,6 @@
   <p:clrMapOvr>
     <a:masterClrMapping/>
   </p:clrMapOvr>
-  <p:timing>
-    <p:tnLst>
-      <p:par>
-        <p:cTn id="1" dur="indefinite" restart="never" nodeType="tmRoot"/>
-      </p:par>
-    </p:tnLst>
-  </p:timing>
-</p:sld>
-</file>
-
-<file path=ppt/slides/slide8.xml><?xml version="1.0" encoding="utf-8"?>
-<p:sld xmlns:a="http://schemas.openxmlformats.org/drawingml/2006/main" xmlns:r="http://schemas.openxmlformats.org/officeDocument/2006/relationships" xmlns:p="http://schemas.openxmlformats.org/presentationml/2006/main" show="0">
-  <p:cSld>
-    <p:spTree>
-      <p:nvGrpSpPr>
-        <p:cNvPr id="1" name=""/>
-        <p:cNvGrpSpPr/>
-        <p:nvPr/>
-      </p:nvGrpSpPr>
-      <p:grpSpPr>
-        <a:xfrm>
-          <a:off x="0" y="0"/>
-          <a:ext cx="0" cy="0"/>
-          <a:chOff x="0" y="0"/>
-          <a:chExt cx="0" cy="0"/>
-        </a:xfrm>
-      </p:grpSpPr>
-      <p:sp>
-        <p:nvSpPr>
-          <p:cNvPr id="2" name="Title 1"/>
-          <p:cNvSpPr>
-            <a:spLocks noGrp="1"/>
-          </p:cNvSpPr>
-          <p:nvPr>
-            <p:ph type="title"/>
-          </p:nvPr>
-        </p:nvSpPr>
-        <p:spPr>
-          <a:xfrm>
-            <a:off x="711200" y="387866"/>
-            <a:ext cx="7518400" cy="990600"/>
-          </a:xfrm>
-        </p:spPr>
-        <p:txBody>
-          <a:bodyPr/>
-          <a:lstStyle/>
-          <a:p>
-            <a:r>
-              <a:rPr lang="en-US" dirty="0" smtClean="0"/>
-              <a:t>Skip-grams learn 2 </a:t>
-            </a:r>
-            <a:r>
-              <a:rPr lang="en-US" dirty="0" err="1" smtClean="0"/>
-              <a:t>embeddings</a:t>
-            </a:r>
-            <a:r>
-              <a:rPr lang="en-US" dirty="0" smtClean="0"/>
-              <a:t> for each w</a:t>
-            </a:r>
-            <a:endParaRPr lang="en-US" dirty="0"/>
-          </a:p>
-        </p:txBody>
-      </p:sp>
-      <p:sp>
-        <p:nvSpPr>
-          <p:cNvPr id="3" name="Content Placeholder 2"/>
-          <p:cNvSpPr>
-            <a:spLocks noGrp="1"/>
-          </p:cNvSpPr>
-          <p:nvPr>
-            <p:ph idx="1"/>
-          </p:nvPr>
-        </p:nvSpPr>
-        <p:spPr>
-          <a:xfrm>
-            <a:off x="406400" y="2021746"/>
-            <a:ext cx="8128000" cy="4226653"/>
-          </a:xfrm>
-        </p:spPr>
-        <p:txBody>
-          <a:bodyPr>
-            <a:normAutofit fontScale="92500" lnSpcReduction="10000"/>
-          </a:bodyPr>
-          <a:lstStyle/>
-          <a:p>
-            <a:pPr marL="0" indent="0">
-              <a:buNone/>
-            </a:pPr>
-            <a:r>
-              <a:rPr lang="en-US" b="1" dirty="0" smtClean="0"/>
-              <a:t>input </a:t>
-            </a:r>
-            <a:r>
-              <a:rPr lang="en-US" b="1" dirty="0"/>
-              <a:t>embedding </a:t>
-            </a:r>
-            <a:r>
-              <a:rPr lang="en-US" i="1" dirty="0" smtClean="0"/>
-              <a:t>v, </a:t>
-            </a:r>
-            <a:r>
-              <a:rPr lang="en-US" dirty="0" smtClean="0"/>
-              <a:t>in the input matrix </a:t>
-            </a:r>
-            <a:r>
-              <a:rPr lang="en-US" i="1" dirty="0" smtClean="0"/>
-              <a:t>W</a:t>
-            </a:r>
-          </a:p>
-          <a:p>
-            <a:r>
-              <a:rPr lang="en-US" dirty="0"/>
-              <a:t>Column </a:t>
-            </a:r>
-            <a:r>
-              <a:rPr lang="en-US" i="1" dirty="0" err="1"/>
-              <a:t>i</a:t>
-            </a:r>
-            <a:r>
-              <a:rPr lang="en-US" dirty="0"/>
-              <a:t> of the input matrix </a:t>
-            </a:r>
-            <a:r>
-              <a:rPr lang="en-US" i="1" dirty="0"/>
-              <a:t>W </a:t>
-            </a:r>
-            <a:r>
-              <a:rPr lang="en-US" dirty="0"/>
-              <a:t>is the 1×</a:t>
-            </a:r>
-            <a:r>
-              <a:rPr lang="en-US" i="1" dirty="0"/>
-              <a:t>d </a:t>
-            </a:r>
-            <a:r>
-              <a:rPr lang="en-US" dirty="0"/>
-              <a:t>embedding </a:t>
-            </a:r>
-            <a:r>
-              <a:rPr lang="en-US" i="1" dirty="0"/>
-              <a:t>v</a:t>
-            </a:r>
-            <a:r>
-              <a:rPr lang="en-US" sz="4800" i="1" baseline="-25000" dirty="0"/>
-              <a:t>i</a:t>
-            </a:r>
-            <a:r>
-              <a:rPr lang="en-US" i="1" dirty="0"/>
-              <a:t> </a:t>
-            </a:r>
-            <a:r>
-              <a:rPr lang="en-US" dirty="0"/>
-              <a:t>for word </a:t>
-            </a:r>
-            <a:r>
-              <a:rPr lang="en-US" i="1" dirty="0" err="1"/>
-              <a:t>i</a:t>
-            </a:r>
-            <a:r>
-              <a:rPr lang="en-US" i="1" dirty="0"/>
-              <a:t> </a:t>
-            </a:r>
-            <a:r>
-              <a:rPr lang="en-US" dirty="0"/>
-              <a:t>in the vocabulary. </a:t>
-            </a:r>
-            <a:endParaRPr lang="en-US" dirty="0" smtClean="0"/>
-          </a:p>
-          <a:p>
-            <a:endParaRPr lang="en-US" i="1" dirty="0" smtClean="0"/>
-          </a:p>
-          <a:p>
-            <a:pPr marL="0" indent="0">
-              <a:buNone/>
-            </a:pPr>
-            <a:r>
-              <a:rPr lang="en-US" b="1" dirty="0" smtClean="0"/>
-              <a:t>output </a:t>
-            </a:r>
-            <a:r>
-              <a:rPr lang="en-US" b="1" dirty="0"/>
-              <a:t>embedding </a:t>
-            </a:r>
-            <a:r>
-              <a:rPr lang="en-US" i="1" dirty="0"/>
-              <a:t>v</a:t>
-            </a:r>
-            <a:r>
-              <a:rPr lang="en-US" dirty="0" smtClean="0"/>
-              <a:t>′, in output matrix W’</a:t>
-            </a:r>
-          </a:p>
-          <a:p>
-            <a:r>
-              <a:rPr lang="en-US" dirty="0" smtClean="0"/>
-              <a:t>Row </a:t>
-            </a:r>
-            <a:r>
-              <a:rPr lang="en-US" i="1" dirty="0" err="1"/>
-              <a:t>i</a:t>
-            </a:r>
-            <a:r>
-              <a:rPr lang="en-US" i="1" dirty="0"/>
-              <a:t> </a:t>
-            </a:r>
-            <a:r>
-              <a:rPr lang="en-US" dirty="0"/>
-              <a:t>of the output matrix </a:t>
-            </a:r>
-            <a:r>
-              <a:rPr lang="en-US" i="1" dirty="0" smtClean="0"/>
-              <a:t>W</a:t>
-            </a:r>
-            <a:r>
-              <a:rPr lang="en-US" dirty="0" smtClean="0"/>
-              <a:t>′ </a:t>
-            </a:r>
-            <a:r>
-              <a:rPr lang="en-US" dirty="0"/>
-              <a:t>is a </a:t>
-            </a:r>
-            <a:r>
-              <a:rPr lang="en-US" i="1" dirty="0"/>
-              <a:t>d </a:t>
-            </a:r>
-            <a:r>
-              <a:rPr lang="en-US" dirty="0"/>
-              <a:t>× 1 vector embedding </a:t>
-            </a:r>
-            <a:r>
-              <a:rPr lang="en-US" i="1" dirty="0" err="1"/>
-              <a:t>v</a:t>
-            </a:r>
-            <a:r>
-              <a:rPr lang="en-US" dirty="0" err="1"/>
-              <a:t>′</a:t>
-            </a:r>
-            <a:r>
-              <a:rPr lang="en-US" sz="4800" i="1" baseline="-25000" dirty="0" err="1"/>
-              <a:t>i</a:t>
-            </a:r>
-            <a:r>
-              <a:rPr lang="en-US" i="1" dirty="0"/>
-              <a:t> </a:t>
-            </a:r>
-            <a:r>
-              <a:rPr lang="en-US" dirty="0"/>
-              <a:t>for word </a:t>
-            </a:r>
-            <a:r>
-              <a:rPr lang="en-US" i="1" dirty="0" err="1"/>
-              <a:t>i</a:t>
-            </a:r>
-            <a:r>
-              <a:rPr lang="en-US" i="1" dirty="0"/>
-              <a:t> </a:t>
-            </a:r>
-            <a:r>
-              <a:rPr lang="en-US" dirty="0"/>
-              <a:t>in the </a:t>
-            </a:r>
-            <a:r>
-              <a:rPr lang="en-US" dirty="0" smtClean="0"/>
-              <a:t>vocabulary.</a:t>
-            </a:r>
-            <a:endParaRPr lang="en-US" dirty="0"/>
-          </a:p>
-          <a:p>
-            <a:endParaRPr lang="en-US" dirty="0"/>
-          </a:p>
-        </p:txBody>
-      </p:sp>
-      <p:pic>
-        <p:nvPicPr>
-          <p:cNvPr id="5" name="Picture 4"/>
-          <p:cNvPicPr>
-            <a:picLocks noChangeAspect="1"/>
-          </p:cNvPicPr>
-          <p:nvPr/>
-        </p:nvPicPr>
-        <p:blipFill>
-          <a:blip r:embed="rId3">
-            <a:extLst>
-              <a:ext uri="{28A0092B-C50C-407E-A947-70E740481C1C}">
-                <a14:useLocalDpi xmlns:a14="http://schemas.microsoft.com/office/drawing/2010/main" val="0"/>
-              </a:ext>
-            </a:extLst>
-          </a:blip>
-          <a:stretch>
-            <a:fillRect/>
-          </a:stretch>
-        </p:blipFill>
-        <p:spPr>
-          <a:xfrm>
-            <a:off x="9136272" y="25400"/>
-            <a:ext cx="2826725" cy="6832600"/>
-          </a:xfrm>
-          <a:prstGeom prst="rect">
-            <a:avLst/>
-          </a:prstGeom>
-        </p:spPr>
-      </p:pic>
-      <p:sp>
-        <p:nvSpPr>
-          <p:cNvPr id="6" name="TextBox 5"/>
-          <p:cNvSpPr txBox="1"/>
-          <p:nvPr/>
-        </p:nvSpPr>
-        <p:spPr>
-          <a:xfrm>
-            <a:off x="5170436" y="6304002"/>
-            <a:ext cx="2044149" cy="369332"/>
-          </a:xfrm>
-          <a:prstGeom prst="rect">
-            <a:avLst/>
-          </a:prstGeom>
-          <a:noFill/>
-        </p:spPr>
-        <p:txBody>
-          <a:bodyPr wrap="none" rtlCol="0">
-            <a:spAutoFit/>
-          </a:bodyPr>
-          <a:lstStyle/>
-          <a:p>
-            <a:r>
-              <a:rPr lang="en-US" dirty="0" smtClean="0"/>
-              <a:t>[</a:t>
-            </a:r>
-            <a:r>
-              <a:rPr lang="en-US" dirty="0" err="1" smtClean="0"/>
-              <a:t>Jurafsky</a:t>
-            </a:r>
-            <a:r>
-              <a:rPr lang="en-US" dirty="0" smtClean="0"/>
-              <a:t> &amp; Martin]</a:t>
-            </a:r>
-            <a:endParaRPr lang="en-US" dirty="0"/>
-          </a:p>
-        </p:txBody>
-      </p:sp>
-    </p:spTree>
-    <p:extLst>
-      <p:ext uri="{BB962C8B-B14F-4D97-AF65-F5344CB8AC3E}">
-        <p14:creationId xmlns:p14="http://schemas.microsoft.com/office/powerpoint/2010/main" val="771590451"/>
-      </p:ext>
-    </p:extLst>
-  </p:cSld>
-  <p:clrMapOvr>
-    <a:masterClrMapping/>
-  </p:clrMapOvr>
-  <mc:AlternateContent xmlns:mc="http://schemas.openxmlformats.org/markup-compatibility/2006" xmlns:p14="http://schemas.microsoft.com/office/powerpoint/2010/main">
-    <mc:Choice Requires="p14">
-      <p:transition spd="slow" p14:dur="2000"/>
-    </mc:Choice>
-    <mc:Fallback xmlns="">
-      <p:transition spd="slow"/>
-    </mc:Fallback>
-  </mc:AlternateContent>
-  <p:timing>
-    <p:tnLst>
-      <p:par>
-        <p:cTn id="1" dur="indefinite" restart="never" nodeType="tmRoot"/>
-      </p:par>
-    </p:tnLst>
-  </p:timing>
-</p:sld>
-</file>
-
-<file path=ppt/slides/slide9.xml><?xml version="1.0" encoding="utf-8"?>
-<p:sld xmlns:a="http://schemas.openxmlformats.org/drawingml/2006/main" xmlns:r="http://schemas.openxmlformats.org/officeDocument/2006/relationships" xmlns:p="http://schemas.openxmlformats.org/presentationml/2006/main" show="0">
-  <p:cSld>
-    <p:spTree>
-      <p:nvGrpSpPr>
-        <p:cNvPr id="1" name=""/>
-        <p:cNvGrpSpPr/>
-        <p:nvPr/>
-      </p:nvGrpSpPr>
-      <p:grpSpPr>
-        <a:xfrm>
-          <a:off x="0" y="0"/>
-          <a:ext cx="0" cy="0"/>
-          <a:chOff x="0" y="0"/>
-          <a:chExt cx="0" cy="0"/>
-        </a:xfrm>
-      </p:grpSpPr>
-      <p:sp>
-        <p:nvSpPr>
-          <p:cNvPr id="2" name="Title 1"/>
-          <p:cNvSpPr>
-            <a:spLocks noGrp="1"/>
-          </p:cNvSpPr>
-          <p:nvPr>
-            <p:ph type="title"/>
-          </p:nvPr>
-        </p:nvSpPr>
-        <p:spPr/>
-        <p:txBody>
-          <a:bodyPr/>
-          <a:lstStyle/>
-          <a:p>
-            <a:r>
-              <a:rPr lang="en-US" dirty="0" smtClean="0"/>
-              <a:t>Setup</a:t>
-            </a:r>
-            <a:endParaRPr lang="en-US" dirty="0"/>
-          </a:p>
-        </p:txBody>
-      </p:sp>
-      <p:sp>
-        <p:nvSpPr>
-          <p:cNvPr id="3" name="Content Placeholder 2"/>
-          <p:cNvSpPr>
-            <a:spLocks noGrp="1"/>
-          </p:cNvSpPr>
-          <p:nvPr>
-            <p:ph idx="1"/>
-          </p:nvPr>
-        </p:nvSpPr>
-        <p:spPr/>
-        <p:txBody>
-          <a:bodyPr>
-            <a:normAutofit/>
-          </a:bodyPr>
-          <a:lstStyle/>
-          <a:p>
-            <a:r>
-              <a:rPr lang="en-US" sz="3200" dirty="0" smtClean="0"/>
-              <a:t>Walking through corpus pointing </a:t>
-            </a:r>
-            <a:r>
-              <a:rPr lang="en-US" sz="3200" dirty="0"/>
-              <a:t>at </a:t>
-            </a:r>
-            <a:r>
-              <a:rPr lang="en-US" sz="3200" dirty="0" smtClean="0"/>
-              <a:t>word </a:t>
-            </a:r>
-            <a:r>
-              <a:rPr lang="en-US" sz="3200" i="1" dirty="0"/>
-              <a:t>w</a:t>
-            </a:r>
-            <a:r>
-              <a:rPr lang="en-US" sz="3200" dirty="0"/>
-              <a:t>(</a:t>
-            </a:r>
-            <a:r>
-              <a:rPr lang="en-US" sz="3200" i="1" dirty="0"/>
-              <a:t>t</a:t>
-            </a:r>
-            <a:r>
-              <a:rPr lang="en-US" sz="3200" dirty="0"/>
-              <a:t>), whose index in the vocabulary is </a:t>
-            </a:r>
-            <a:r>
-              <a:rPr lang="en-US" sz="3200" i="1" dirty="0"/>
-              <a:t>j</a:t>
-            </a:r>
-            <a:r>
-              <a:rPr lang="en-US" sz="3200" dirty="0"/>
-              <a:t>, so we’ll call it </a:t>
-            </a:r>
-            <a:r>
-              <a:rPr lang="en-US" sz="3200" i="1" dirty="0" err="1" smtClean="0"/>
-              <a:t>w</a:t>
-            </a:r>
-            <a:r>
-              <a:rPr lang="en-US" sz="3200" i="1" baseline="-25000" dirty="0" err="1"/>
-              <a:t>j</a:t>
-            </a:r>
-            <a:r>
-              <a:rPr lang="en-US" sz="3200" i="1" dirty="0" smtClean="0"/>
-              <a:t> </a:t>
-            </a:r>
-            <a:br>
-              <a:rPr lang="en-US" sz="3200" i="1" dirty="0" smtClean="0"/>
-            </a:br>
-            <a:r>
-              <a:rPr lang="en-US" sz="3200" dirty="0" smtClean="0"/>
-              <a:t>(</a:t>
-            </a:r>
-            <a:r>
-              <a:rPr lang="en-US" sz="3200" dirty="0"/>
-              <a:t>1 &lt; </a:t>
-            </a:r>
-            <a:r>
-              <a:rPr lang="en-US" sz="3200" i="1" dirty="0"/>
-              <a:t>j </a:t>
-            </a:r>
-            <a:r>
-              <a:rPr lang="en-US" sz="3200" dirty="0"/>
-              <a:t>&lt; |</a:t>
-            </a:r>
-            <a:r>
-              <a:rPr lang="en-US" sz="3200" i="1" dirty="0" smtClean="0"/>
-              <a:t>V</a:t>
-            </a:r>
-            <a:r>
-              <a:rPr lang="en-US" sz="3200" dirty="0" smtClean="0"/>
-              <a:t>|). </a:t>
-            </a:r>
-          </a:p>
-          <a:p>
-            <a:r>
-              <a:rPr lang="en-US" sz="3200" dirty="0" smtClean="0"/>
-              <a:t>Let’s predict </a:t>
-            </a:r>
-            <a:r>
-              <a:rPr lang="en-US" sz="3200" i="1" dirty="0" smtClean="0"/>
-              <a:t>w</a:t>
-            </a:r>
-            <a:r>
-              <a:rPr lang="en-US" sz="3200" dirty="0" smtClean="0"/>
-              <a:t>(</a:t>
-            </a:r>
-            <a:r>
-              <a:rPr lang="en-US" sz="3200" i="1" dirty="0" smtClean="0"/>
-              <a:t>t</a:t>
-            </a:r>
-            <a:r>
-              <a:rPr lang="en-US" sz="3200" dirty="0" smtClean="0"/>
-              <a:t>+1), </a:t>
-            </a:r>
-            <a:r>
-              <a:rPr lang="en-US" sz="3200" dirty="0"/>
-              <a:t>whose index in the vocabulary is </a:t>
-            </a:r>
-            <a:r>
-              <a:rPr lang="en-US" sz="3200" i="1" dirty="0"/>
-              <a:t>k </a:t>
-            </a:r>
-            <a:r>
-              <a:rPr lang="en-US" sz="3200" dirty="0"/>
-              <a:t>(1 &lt; </a:t>
-            </a:r>
-            <a:r>
-              <a:rPr lang="en-US" sz="3200" i="1" dirty="0"/>
-              <a:t>k </a:t>
-            </a:r>
-            <a:r>
-              <a:rPr lang="en-US" sz="3200" dirty="0"/>
-              <a:t>&lt; |</a:t>
-            </a:r>
-            <a:r>
-              <a:rPr lang="en-US" sz="3200" i="1" dirty="0"/>
-              <a:t>V </a:t>
-            </a:r>
-            <a:r>
-              <a:rPr lang="en-US" sz="3200" dirty="0"/>
-              <a:t>|). Hence our task is to compute </a:t>
-            </a:r>
-            <a:r>
-              <a:rPr lang="en-US" sz="3200" i="1" dirty="0"/>
-              <a:t>P</a:t>
-            </a:r>
-            <a:r>
-              <a:rPr lang="en-US" sz="3200" dirty="0"/>
-              <a:t>(</a:t>
-            </a:r>
-            <a:r>
-              <a:rPr lang="en-US" sz="3200" i="1" dirty="0" err="1"/>
-              <a:t>w</a:t>
-            </a:r>
-            <a:r>
-              <a:rPr lang="en-US" sz="3600" i="1" baseline="-25000" dirty="0" err="1"/>
-              <a:t>k</a:t>
-            </a:r>
-            <a:r>
-              <a:rPr lang="en-US" sz="3200" dirty="0" err="1"/>
-              <a:t>|</a:t>
-            </a:r>
-            <a:r>
-              <a:rPr lang="en-US" sz="3200" i="1" dirty="0" err="1"/>
-              <a:t>w</a:t>
-            </a:r>
-            <a:r>
-              <a:rPr lang="en-US" sz="3600" i="1" baseline="-25000" dirty="0" err="1"/>
-              <a:t>j</a:t>
-            </a:r>
-            <a:r>
-              <a:rPr lang="en-US" sz="3200" dirty="0"/>
-              <a:t>). </a:t>
-            </a:r>
-            <a:endParaRPr lang="en-US" sz="3200" dirty="0" smtClean="0"/>
-          </a:p>
-          <a:p>
-            <a:endParaRPr lang="en-US" sz="3200" dirty="0"/>
-          </a:p>
-          <a:p>
-            <a:endParaRPr lang="en-US" sz="3200" dirty="0"/>
-          </a:p>
-        </p:txBody>
-      </p:sp>
-      <p:sp>
-        <p:nvSpPr>
-          <p:cNvPr id="5" name="TextBox 4"/>
-          <p:cNvSpPr txBox="1"/>
-          <p:nvPr/>
-        </p:nvSpPr>
-        <p:spPr>
-          <a:xfrm>
-            <a:off x="7818240" y="6089134"/>
-            <a:ext cx="3512500" cy="369332"/>
-          </a:xfrm>
-          <a:prstGeom prst="rect">
-            <a:avLst/>
-          </a:prstGeom>
-          <a:noFill/>
-        </p:spPr>
-        <p:txBody>
-          <a:bodyPr wrap="none" rtlCol="0">
-            <a:spAutoFit/>
-          </a:bodyPr>
-          <a:lstStyle/>
-          <a:p>
-            <a:r>
-              <a:rPr lang="en-US" dirty="0" smtClean="0"/>
-              <a:t>Slide courtesy of </a:t>
-            </a:r>
-            <a:r>
-              <a:rPr lang="en-US" dirty="0" err="1" smtClean="0"/>
-              <a:t>Jurafsky</a:t>
-            </a:r>
-            <a:r>
-              <a:rPr lang="en-US" dirty="0" smtClean="0"/>
-              <a:t> &amp; Martin</a:t>
-            </a:r>
-            <a:endParaRPr lang="en-US" dirty="0"/>
-          </a:p>
-        </p:txBody>
-      </p:sp>
-    </p:spTree>
-    <p:extLst>
-      <p:ext uri="{BB962C8B-B14F-4D97-AF65-F5344CB8AC3E}">
-        <p14:creationId xmlns:p14="http://schemas.microsoft.com/office/powerpoint/2010/main" val="3910531192"/>
-      </p:ext>
-    </p:extLst>
-  </p:cSld>
-  <p:clrMapOvr>
-    <a:masterClrMapping/>
-  </p:clrMapOvr>
-  <mc:AlternateContent xmlns:mc="http://schemas.openxmlformats.org/markup-compatibility/2006" xmlns:p14="http://schemas.microsoft.com/office/powerpoint/2010/main">
-    <mc:Choice Requires="p14">
-      <p:transition spd="slow" p14:dur="2000"/>
-    </mc:Choice>
-    <mc:Fallback xmlns="">
-      <p:transition spd="slow"/>
-    </mc:Fallback>
-  </mc:AlternateContent>
   <p:timing>
     <p:tnLst>
       <p:par>
